--- a/software-design-heuristic.pptx
+++ b/software-design-heuristic.pptx
@@ -5,7 +5,7 @@
     <p:sldMasterId id="2147483648" r:id="rId1"/>
   </p:sldMasterIdLst>
   <p:notesMasterIdLst>
-    <p:notesMasterId r:id="rId52"/>
+    <p:notesMasterId r:id="rId53"/>
   </p:notesMasterIdLst>
   <p:sldIdLst>
     <p:sldId id="256" r:id="rId2"/>
@@ -25,39 +25,40 @@
     <p:sldId id="264" r:id="rId16"/>
     <p:sldId id="278" r:id="rId17"/>
     <p:sldId id="289" r:id="rId18"/>
-    <p:sldId id="298" r:id="rId19"/>
-    <p:sldId id="260" r:id="rId20"/>
-    <p:sldId id="284" r:id="rId21"/>
-    <p:sldId id="265" r:id="rId22"/>
-    <p:sldId id="274" r:id="rId23"/>
-    <p:sldId id="276" r:id="rId24"/>
-    <p:sldId id="291" r:id="rId25"/>
-    <p:sldId id="299" r:id="rId26"/>
-    <p:sldId id="261" r:id="rId27"/>
-    <p:sldId id="279" r:id="rId28"/>
-    <p:sldId id="280" r:id="rId29"/>
-    <p:sldId id="281" r:id="rId30"/>
-    <p:sldId id="282" r:id="rId31"/>
-    <p:sldId id="262" r:id="rId32"/>
-    <p:sldId id="277" r:id="rId33"/>
-    <p:sldId id="288" r:id="rId34"/>
-    <p:sldId id="307" r:id="rId35"/>
-    <p:sldId id="290" r:id="rId36"/>
-    <p:sldId id="300" r:id="rId37"/>
-    <p:sldId id="286" r:id="rId38"/>
-    <p:sldId id="283" r:id="rId39"/>
-    <p:sldId id="293" r:id="rId40"/>
-    <p:sldId id="305" r:id="rId41"/>
-    <p:sldId id="266" r:id="rId42"/>
-    <p:sldId id="304" r:id="rId43"/>
-    <p:sldId id="308" r:id="rId44"/>
-    <p:sldId id="270" r:id="rId45"/>
-    <p:sldId id="287" r:id="rId46"/>
-    <p:sldId id="306" r:id="rId47"/>
-    <p:sldId id="302" r:id="rId48"/>
-    <p:sldId id="303" r:id="rId49"/>
-    <p:sldId id="275" r:id="rId50"/>
-    <p:sldId id="272" r:id="rId51"/>
+    <p:sldId id="311" r:id="rId19"/>
+    <p:sldId id="298" r:id="rId20"/>
+    <p:sldId id="260" r:id="rId21"/>
+    <p:sldId id="284" r:id="rId22"/>
+    <p:sldId id="265" r:id="rId23"/>
+    <p:sldId id="274" r:id="rId24"/>
+    <p:sldId id="276" r:id="rId25"/>
+    <p:sldId id="291" r:id="rId26"/>
+    <p:sldId id="299" r:id="rId27"/>
+    <p:sldId id="261" r:id="rId28"/>
+    <p:sldId id="279" r:id="rId29"/>
+    <p:sldId id="280" r:id="rId30"/>
+    <p:sldId id="281" r:id="rId31"/>
+    <p:sldId id="282" r:id="rId32"/>
+    <p:sldId id="262" r:id="rId33"/>
+    <p:sldId id="277" r:id="rId34"/>
+    <p:sldId id="288" r:id="rId35"/>
+    <p:sldId id="307" r:id="rId36"/>
+    <p:sldId id="290" r:id="rId37"/>
+    <p:sldId id="300" r:id="rId38"/>
+    <p:sldId id="286" r:id="rId39"/>
+    <p:sldId id="283" r:id="rId40"/>
+    <p:sldId id="293" r:id="rId41"/>
+    <p:sldId id="305" r:id="rId42"/>
+    <p:sldId id="266" r:id="rId43"/>
+    <p:sldId id="304" r:id="rId44"/>
+    <p:sldId id="308" r:id="rId45"/>
+    <p:sldId id="270" r:id="rId46"/>
+    <p:sldId id="287" r:id="rId47"/>
+    <p:sldId id="306" r:id="rId48"/>
+    <p:sldId id="302" r:id="rId49"/>
+    <p:sldId id="303" r:id="rId50"/>
+    <p:sldId id="275" r:id="rId51"/>
+    <p:sldId id="272" r:id="rId52"/>
   </p:sldIdLst>
   <p:sldSz cx="12192000" cy="6858000"/>
   <p:notesSz cx="6858000" cy="9144000"/>
@@ -336,7 +337,7 @@
           <a:p>
             <a:fld id="{FF62E736-B084-4564-9889-93C7BB0F70F6}" type="datetimeFigureOut">
               <a:rPr lang="zh-CN" altLang="en-US" smtClean="0"/>
-              <a:t>2020/10/12</a:t>
+              <a:t>2020/10/14</a:t>
             </a:fld>
             <a:endParaRPr lang="zh-CN" altLang="en-US"/>
           </a:p>
@@ -758,52 +759,10 @@
           <a:lstStyle/>
           <a:p>
             <a:r>
-              <a:rPr lang="en-US" altLang="zh-CN" sz="1200" dirty="0" err="1"/>
-              <a:t>CommonResult</a:t>
-            </a:r>
-            <a:r>
-              <a:rPr lang="en-US" altLang="zh-CN" sz="1200" dirty="0"/>
-              <a:t> </a:t>
-            </a:r>
-            <a:r>
-              <a:rPr lang="zh-CN" altLang="en-US" sz="1200" dirty="0"/>
-              <a:t>是否合适构建者模式？ </a:t>
-            </a:r>
-            <a:r>
-              <a:rPr lang="en-US" altLang="zh-CN" sz="1200" dirty="0"/>
-              <a:t>23</a:t>
-            </a:r>
-            <a:r>
-              <a:rPr lang="zh-CN" altLang="en-US" sz="1200" dirty="0"/>
-              <a:t>的类名全部名词，</a:t>
-            </a:r>
-            <a:endParaRPr lang="en-US" altLang="zh-CN" sz="1200" dirty="0"/>
-          </a:p>
-          <a:p>
-            <a:r>
-              <a:rPr lang="zh-CN" altLang="en-US" sz="1200" dirty="0"/>
-              <a:t>创建模式很简单，</a:t>
-            </a:r>
-            <a:endParaRPr lang="en-US" altLang="zh-CN" sz="1200" dirty="0"/>
-          </a:p>
-          <a:p>
-            <a:r>
-              <a:rPr lang="zh-CN" altLang="en-US" sz="1200" dirty="0"/>
-              <a:t>没有接口扩展很难，动态不了，动态，扩展，写死代码就是类，没有接口</a:t>
-            </a:r>
-            <a:endParaRPr lang="en-US" altLang="zh-CN" sz="1200" dirty="0"/>
-          </a:p>
-          <a:p>
-            <a:r>
-              <a:rPr lang="zh-CN" altLang="en-US" sz="1200" dirty="0"/>
-              <a:t>结构模式</a:t>
-            </a:r>
-            <a:endParaRPr lang="en-US" altLang="zh-CN" sz="1200" dirty="0"/>
-          </a:p>
-          <a:p>
-            <a:r>
-              <a:rPr lang="zh-CN" altLang="en-US" sz="1200" dirty="0"/>
-              <a:t>行为模式</a:t>
+              <a:rPr lang="en-US" altLang="zh-CN" dirty="0">
+                <a:hlinkClick r:id="rId3"/>
+              </a:rPr>
+              <a:t>http://posa3.org/</a:t>
             </a:r>
             <a:endParaRPr lang="zh-CN" altLang="en-US" dirty="0"/>
           </a:p>
@@ -826,7 +785,7 @@
           <a:p>
             <a:fld id="{81EB798F-FCE7-4FC5-861E-D54DB0B79715}" type="slidenum">
               <a:rPr lang="zh-CN" altLang="en-US" smtClean="0"/>
-              <a:t>16</a:t>
+              <a:t>15</a:t>
             </a:fld>
             <a:endParaRPr lang="zh-CN" altLang="en-US"/>
           </a:p>
@@ -835,7 +794,7 @@
     </p:spTree>
     <p:extLst>
       <p:ext uri="{BB962C8B-B14F-4D97-AF65-F5344CB8AC3E}">
-        <p14:creationId xmlns:p14="http://schemas.microsoft.com/office/powerpoint/2010/main" val="993656187"/>
+        <p14:creationId xmlns:p14="http://schemas.microsoft.com/office/powerpoint/2010/main" val="1507075596"/>
       </p:ext>
     </p:extLst>
   </p:cSld>
@@ -890,9 +849,54 @@
           <a:lstStyle/>
           <a:p>
             <a:r>
-              <a:rPr lang="zh-CN" altLang="en-US"/>
-              <a:t>封装需要对现有功能了解，才能正确封装，否则封装会不完整，</a:t>
-            </a:r>
+              <a:rPr lang="en-US" altLang="zh-CN" sz="1200" dirty="0" err="1"/>
+              <a:t>CommonResult</a:t>
+            </a:r>
+            <a:r>
+              <a:rPr lang="en-US" altLang="zh-CN" sz="1200" dirty="0"/>
+              <a:t> </a:t>
+            </a:r>
+            <a:r>
+              <a:rPr lang="zh-CN" altLang="en-US" sz="1200" dirty="0"/>
+              <a:t>是否合适构建者模式？ </a:t>
+            </a:r>
+            <a:r>
+              <a:rPr lang="en-US" altLang="zh-CN" sz="1200" dirty="0"/>
+              <a:t>23</a:t>
+            </a:r>
+            <a:r>
+              <a:rPr lang="zh-CN" altLang="en-US" sz="1200" dirty="0"/>
+              <a:t>的类名全部名词，</a:t>
+            </a:r>
+            <a:endParaRPr lang="en-US" altLang="zh-CN" sz="1200" dirty="0"/>
+          </a:p>
+          <a:p>
+            <a:r>
+              <a:rPr lang="zh-CN" altLang="en-US" sz="1200" dirty="0"/>
+              <a:t>创建模式很简单，</a:t>
+            </a:r>
+            <a:endParaRPr lang="en-US" altLang="zh-CN" sz="1200" dirty="0"/>
+          </a:p>
+          <a:p>
+            <a:r>
+              <a:rPr lang="zh-CN" altLang="en-US" sz="1200" dirty="0"/>
+              <a:t>没有接口扩展很难，动态不了，动态，扩展，写死代码就是类，没有接口</a:t>
+            </a:r>
+            <a:endParaRPr lang="en-US" altLang="zh-CN" sz="1200" dirty="0"/>
+          </a:p>
+          <a:p>
+            <a:r>
+              <a:rPr lang="zh-CN" altLang="en-US" sz="1200" dirty="0"/>
+              <a:t>结构模式</a:t>
+            </a:r>
+            <a:endParaRPr lang="en-US" altLang="zh-CN" sz="1200" dirty="0"/>
+          </a:p>
+          <a:p>
+            <a:r>
+              <a:rPr lang="zh-CN" altLang="en-US" sz="1200" dirty="0"/>
+              <a:t>行为模式</a:t>
+            </a:r>
+            <a:endParaRPr lang="zh-CN" altLang="en-US" dirty="0"/>
           </a:p>
         </p:txBody>
       </p:sp>
@@ -913,7 +917,7 @@
           <a:p>
             <a:fld id="{81EB798F-FCE7-4FC5-861E-D54DB0B79715}" type="slidenum">
               <a:rPr lang="zh-CN" altLang="en-US" smtClean="0"/>
-              <a:t>19</a:t>
+              <a:t>16</a:t>
             </a:fld>
             <a:endParaRPr lang="zh-CN" altLang="en-US"/>
           </a:p>
@@ -922,7 +926,7 @@
     </p:spTree>
     <p:extLst>
       <p:ext uri="{BB962C8B-B14F-4D97-AF65-F5344CB8AC3E}">
-        <p14:creationId xmlns:p14="http://schemas.microsoft.com/office/powerpoint/2010/main" val="1035784840"/>
+        <p14:creationId xmlns:p14="http://schemas.microsoft.com/office/powerpoint/2010/main" val="993656187"/>
       </p:ext>
     </p:extLst>
   </p:cSld>
@@ -977,8 +981,8 @@
           <a:lstStyle/>
           <a:p>
             <a:r>
-              <a:rPr lang="zh-CN" altLang="en-US" dirty="0"/>
-              <a:t>需求分析技术，产品文档缺少流程描述，自然语言描述</a:t>
+              <a:rPr lang="zh-CN" altLang="en-US"/>
+              <a:t>封装需要对现有功能了解，才能正确封装，否则封装会不完整，</a:t>
             </a:r>
           </a:p>
         </p:txBody>
@@ -1009,7 +1013,7 @@
     </p:spTree>
     <p:extLst>
       <p:ext uri="{BB962C8B-B14F-4D97-AF65-F5344CB8AC3E}">
-        <p14:creationId xmlns:p14="http://schemas.microsoft.com/office/powerpoint/2010/main" val="2395143088"/>
+        <p14:creationId xmlns:p14="http://schemas.microsoft.com/office/powerpoint/2010/main" val="1035784840"/>
       </p:ext>
     </p:extLst>
   </p:cSld>
@@ -1064,12 +1068,8 @@
           <a:lstStyle/>
           <a:p>
             <a:r>
-              <a:rPr lang="en-US" altLang="zh-CN" dirty="0"/>
-              <a:t>OOAD</a:t>
-            </a:r>
-            <a:r>
-              <a:rPr lang="zh-CN" altLang="en-US" dirty="0"/>
-              <a:t>书和</a:t>
+              <a:rPr lang="zh-CN" altLang="en-US" dirty="0"/>
+              <a:t>需求分析技术，产品文档缺少流程描述，自然语言描述</a:t>
             </a:r>
           </a:p>
         </p:txBody>
@@ -1100,7 +1100,7 @@
     </p:spTree>
     <p:extLst>
       <p:ext uri="{BB962C8B-B14F-4D97-AF65-F5344CB8AC3E}">
-        <p14:creationId xmlns:p14="http://schemas.microsoft.com/office/powerpoint/2010/main" val="2222039526"/>
+        <p14:creationId xmlns:p14="http://schemas.microsoft.com/office/powerpoint/2010/main" val="2395143088"/>
       </p:ext>
     </p:extLst>
   </p:cSld>
@@ -1155,84 +1155,12 @@
           <a:lstStyle/>
           <a:p>
             <a:r>
-              <a:rPr lang="zh-CN" altLang="en-US" dirty="0"/>
-              <a:t>需要画出</a:t>
-            </a:r>
-            <a:r>
-              <a:rPr lang="en-US" altLang="zh-CN" dirty="0"/>
-              <a:t>UML</a:t>
-            </a:r>
-            <a:r>
-              <a:rPr lang="zh-CN" altLang="en-US" dirty="0"/>
-              <a:t>图</a:t>
-            </a:r>
-            <a:endParaRPr lang="en-US" altLang="zh-CN" dirty="0"/>
-          </a:p>
-          <a:p>
-            <a:r>
-              <a:rPr lang="en-US" altLang="zh-CN" dirty="0" err="1"/>
-              <a:t>Saas</a:t>
-            </a:r>
-            <a:r>
-              <a:rPr lang="zh-CN" altLang="en-US" dirty="0"/>
-              <a:t>交易所缺少</a:t>
-            </a:r>
-            <a:r>
-              <a:rPr lang="en-US" altLang="zh-CN" dirty="0"/>
-              <a:t>Money</a:t>
-            </a:r>
-            <a:r>
-              <a:rPr lang="zh-CN" altLang="en-US" dirty="0"/>
-              <a:t>概念，而用了一个低级抽象</a:t>
-            </a:r>
-            <a:r>
-              <a:rPr lang="en-US" altLang="zh-CN" dirty="0" err="1"/>
-              <a:t>BigDecimal</a:t>
-            </a:r>
-            <a:r>
-              <a:rPr lang="zh-CN" altLang="en-US" dirty="0"/>
-              <a:t>代替了钱！</a:t>
-            </a:r>
-            <a:r>
-              <a:rPr lang="en-US" altLang="zh-CN" dirty="0" err="1"/>
-              <a:t>ScaleUtil</a:t>
-            </a:r>
-            <a:r>
-              <a:rPr lang="zh-CN" altLang="en-US" dirty="0"/>
-              <a:t>处理的精度和显示问题，</a:t>
-            </a:r>
-            <a:endParaRPr lang="en-US" altLang="zh-CN" dirty="0"/>
-          </a:p>
-          <a:p>
-            <a:r>
-              <a:rPr lang="zh-CN" altLang="en-US" dirty="0"/>
-              <a:t>非常多的现实场景却没有对应到合适的代码模型，比如钱，币种币对的模型直接复用数据库模型，并不是实际使用模型，太低级了，</a:t>
-            </a:r>
-            <a:endParaRPr lang="en-US" altLang="zh-CN" dirty="0"/>
-          </a:p>
-          <a:p>
-            <a:r>
-              <a:rPr lang="en-US" altLang="zh-CN" dirty="0"/>
-              <a:t>Set/get</a:t>
-            </a:r>
-            <a:r>
-              <a:rPr lang="zh-CN" altLang="en-US" dirty="0"/>
-              <a:t>代码散落系统中，处理这种逻辑和</a:t>
-            </a:r>
-            <a:r>
-              <a:rPr lang="en-US" altLang="zh-CN" dirty="0"/>
-              <a:t>bug</a:t>
-            </a:r>
-            <a:r>
-              <a:rPr lang="zh-CN" altLang="en-US" dirty="0"/>
-              <a:t>太多次，</a:t>
-            </a:r>
-            <a:endParaRPr lang="en-US" altLang="zh-CN" dirty="0"/>
-          </a:p>
-          <a:p>
-            <a:r>
-              <a:rPr lang="zh-CN" altLang="en-US" dirty="0"/>
-              <a:t>写代码最具创造力的一步，最有趣的一步。</a:t>
+              <a:rPr lang="en-US" altLang="zh-CN" dirty="0"/>
+              <a:t>OOAD</a:t>
+            </a:r>
+            <a:r>
+              <a:rPr lang="zh-CN" altLang="en-US" dirty="0"/>
+              <a:t>书和</a:t>
             </a:r>
           </a:p>
         </p:txBody>
@@ -1263,7 +1191,7 @@
     </p:spTree>
     <p:extLst>
       <p:ext uri="{BB962C8B-B14F-4D97-AF65-F5344CB8AC3E}">
-        <p14:creationId xmlns:p14="http://schemas.microsoft.com/office/powerpoint/2010/main" val="2605237502"/>
+        <p14:creationId xmlns:p14="http://schemas.microsoft.com/office/powerpoint/2010/main" val="2222039526"/>
       </p:ext>
     </p:extLst>
   </p:cSld>
@@ -1318,68 +1246,84 @@
           <a:lstStyle/>
           <a:p>
             <a:r>
-              <a:rPr lang="en-US" altLang="zh-CN" dirty="0" err="1"/>
-              <a:t>RedisClientTemplate</a:t>
-            </a:r>
-            <a:r>
-              <a:rPr lang="zh-CN" altLang="en-US" dirty="0"/>
-              <a:t>是</a:t>
-            </a:r>
+              <a:rPr lang="zh-CN" altLang="en-US" dirty="0"/>
+              <a:t>需要画出</a:t>
+            </a:r>
+            <a:r>
+              <a:rPr lang="en-US" altLang="zh-CN" dirty="0"/>
+              <a:t>UML</a:t>
+            </a:r>
+            <a:r>
+              <a:rPr lang="zh-CN" altLang="en-US" dirty="0"/>
+              <a:t>图</a:t>
+            </a:r>
+            <a:endParaRPr lang="en-US" altLang="zh-CN" dirty="0"/>
+          </a:p>
+          <a:p>
             <a:r>
               <a:rPr lang="en-US" altLang="zh-CN" dirty="0" err="1"/>
               <a:t>Saas</a:t>
             </a:r>
             <a:r>
               <a:rPr lang="zh-CN" altLang="en-US" dirty="0"/>
-              <a:t>基础设施里面设计最差劲的类。混乱，没有清晰语义，</a:t>
-            </a:r>
-            <a:endParaRPr lang="en-US" altLang="zh-CN" dirty="0"/>
-          </a:p>
-          <a:p>
+              <a:t>交易所缺少</a:t>
+            </a:r>
+            <a:r>
+              <a:rPr lang="en-US" altLang="zh-CN" dirty="0"/>
+              <a:t>Money</a:t>
+            </a:r>
+            <a:r>
+              <a:rPr lang="zh-CN" altLang="en-US" dirty="0"/>
+              <a:t>概念，而用了一个低级抽象</a:t>
+            </a:r>
             <a:r>
               <a:rPr lang="en-US" altLang="zh-CN" dirty="0" err="1"/>
-              <a:t>RedisClientTemplate</a:t>
-            </a:r>
-            <a:r>
-              <a:rPr lang="zh-CN" altLang="en-US" dirty="0"/>
-              <a:t>要做的事情非常简单，</a:t>
-            </a:r>
-            <a:endParaRPr lang="en-US" altLang="zh-CN" dirty="0"/>
-          </a:p>
-          <a:p>
+              <a:t>BigDecimal</a:t>
+            </a:r>
+            <a:r>
+              <a:rPr lang="zh-CN" altLang="en-US" dirty="0"/>
+              <a:t>代替了钱！</a:t>
+            </a:r>
             <a:r>
               <a:rPr lang="en-US" altLang="zh-CN" dirty="0" err="1"/>
-              <a:t>RedisClientTemplate</a:t>
-            </a:r>
-            <a:r>
-              <a:rPr lang="en-US" altLang="zh-CN" dirty="0"/>
-              <a:t> </a:t>
-            </a:r>
-            <a:r>
-              <a:rPr lang="zh-CN" altLang="en-US" dirty="0"/>
-              <a:t>和 装饰者模式</a:t>
-            </a:r>
-            <a:endParaRPr lang="en-US" altLang="zh-CN" dirty="0"/>
-          </a:p>
-          <a:p>
-            <a:r>
-              <a:rPr lang="zh-CN" altLang="en-US" dirty="0"/>
-              <a:t>和代理模式区别是什么？</a:t>
-            </a:r>
-            <a:endParaRPr lang="en-US" altLang="zh-CN" dirty="0"/>
-          </a:p>
-          <a:p>
-            <a:r>
-              <a:rPr lang="zh-CN" altLang="en-US" dirty="0"/>
-              <a:t>这是一道经典的期末作业题？</a:t>
-            </a:r>
-            <a:r>
-              <a:rPr lang="en-US" altLang="zh-CN" dirty="0"/>
-              <a:t>method()  </a:t>
-            </a:r>
-            <a:r>
-              <a:rPr lang="zh-CN" altLang="en-US" dirty="0"/>
-              <a:t>不改变方法，加行为</a:t>
+              <a:t>ScaleUtil</a:t>
+            </a:r>
+            <a:r>
+              <a:rPr lang="zh-CN" altLang="en-US" dirty="0"/>
+              <a:t>处理的精度和显示问题，</a:t>
+            </a:r>
+            <a:endParaRPr lang="en-US" altLang="zh-CN" dirty="0"/>
+          </a:p>
+          <a:p>
+            <a:r>
+              <a:rPr lang="zh-CN" altLang="en-US" dirty="0"/>
+              <a:t>非常多的现实场景却没有对应到合适的代码模型，比如钱，币种币对的模型直接复用数据库模型，并不是实际使用模型，太低级了，</a:t>
+            </a:r>
+            <a:endParaRPr lang="en-US" altLang="zh-CN" dirty="0"/>
+          </a:p>
+          <a:p>
+            <a:r>
+              <a:rPr lang="en-US" altLang="zh-CN" dirty="0"/>
+              <a:t>Set/get</a:t>
+            </a:r>
+            <a:r>
+              <a:rPr lang="zh-CN" altLang="en-US" dirty="0"/>
+              <a:t>代码散落系统中，处理这种逻辑和</a:t>
+            </a:r>
+            <a:r>
+              <a:rPr lang="en-US" altLang="zh-CN" dirty="0"/>
+              <a:t>bug</a:t>
+            </a:r>
+            <a:r>
+              <a:rPr lang="zh-CN" altLang="en-US" dirty="0"/>
+              <a:t>太多次，</a:t>
+            </a:r>
+            <a:endParaRPr lang="en-US" altLang="zh-CN" dirty="0"/>
+          </a:p>
+          <a:p>
+            <a:r>
+              <a:rPr lang="zh-CN" altLang="en-US" dirty="0"/>
+              <a:t>写代码最具创造力的一步，最有趣的一步。</a:t>
             </a:r>
           </a:p>
         </p:txBody>
@@ -1410,7 +1354,7 @@
     </p:spTree>
     <p:extLst>
       <p:ext uri="{BB962C8B-B14F-4D97-AF65-F5344CB8AC3E}">
-        <p14:creationId xmlns:p14="http://schemas.microsoft.com/office/powerpoint/2010/main" val="427676892"/>
+        <p14:creationId xmlns:p14="http://schemas.microsoft.com/office/powerpoint/2010/main" val="2605237502"/>
       </p:ext>
     </p:extLst>
   </p:cSld>
@@ -1465,8 +1409,68 @@
           <a:lstStyle/>
           <a:p>
             <a:r>
-              <a:rPr lang="zh-CN" altLang="en-US" dirty="0"/>
-              <a:t>真的是显示吗？显示的话难道不是业务逻辑。</a:t>
+              <a:rPr lang="en-US" altLang="zh-CN" dirty="0" err="1"/>
+              <a:t>RedisClientTemplate</a:t>
+            </a:r>
+            <a:r>
+              <a:rPr lang="zh-CN" altLang="en-US" dirty="0"/>
+              <a:t>是</a:t>
+            </a:r>
+            <a:r>
+              <a:rPr lang="en-US" altLang="zh-CN" dirty="0" err="1"/>
+              <a:t>Saas</a:t>
+            </a:r>
+            <a:r>
+              <a:rPr lang="zh-CN" altLang="en-US" dirty="0"/>
+              <a:t>基础设施里面设计最差劲的类。混乱，没有清晰语义，</a:t>
+            </a:r>
+            <a:endParaRPr lang="en-US" altLang="zh-CN" dirty="0"/>
+          </a:p>
+          <a:p>
+            <a:r>
+              <a:rPr lang="en-US" altLang="zh-CN" dirty="0" err="1"/>
+              <a:t>RedisClientTemplate</a:t>
+            </a:r>
+            <a:r>
+              <a:rPr lang="zh-CN" altLang="en-US" dirty="0"/>
+              <a:t>要做的事情非常简单，</a:t>
+            </a:r>
+            <a:endParaRPr lang="en-US" altLang="zh-CN" dirty="0"/>
+          </a:p>
+          <a:p>
+            <a:r>
+              <a:rPr lang="en-US" altLang="zh-CN" dirty="0" err="1"/>
+              <a:t>RedisClientTemplate</a:t>
+            </a:r>
+            <a:r>
+              <a:rPr lang="en-US" altLang="zh-CN" dirty="0"/>
+              <a:t> </a:t>
+            </a:r>
+            <a:r>
+              <a:rPr lang="zh-CN" altLang="en-US" dirty="0"/>
+              <a:t>和 装饰者模式</a:t>
+            </a:r>
+            <a:endParaRPr lang="en-US" altLang="zh-CN" dirty="0"/>
+          </a:p>
+          <a:p>
+            <a:r>
+              <a:rPr lang="zh-CN" altLang="en-US" dirty="0"/>
+              <a:t>和代理模式区别是什么？</a:t>
+            </a:r>
+            <a:endParaRPr lang="en-US" altLang="zh-CN" dirty="0"/>
+          </a:p>
+          <a:p>
+            <a:r>
+              <a:rPr lang="zh-CN" altLang="en-US" dirty="0"/>
+              <a:t>这是一道经典的期末作业题？</a:t>
+            </a:r>
+            <a:r>
+              <a:rPr lang="en-US" altLang="zh-CN" dirty="0"/>
+              <a:t>method()  </a:t>
+            </a:r>
+            <a:r>
+              <a:rPr lang="zh-CN" altLang="en-US" dirty="0"/>
+              <a:t>不改变方法，加行为</a:t>
             </a:r>
           </a:p>
         </p:txBody>
@@ -1488,7 +1492,7 @@
           <a:p>
             <a:fld id="{81EB798F-FCE7-4FC5-861E-D54DB0B79715}" type="slidenum">
               <a:rPr lang="zh-CN" altLang="en-US" smtClean="0"/>
-              <a:t>32</a:t>
+              <a:t>24</a:t>
             </a:fld>
             <a:endParaRPr lang="zh-CN" altLang="en-US"/>
           </a:p>
@@ -1497,7 +1501,7 @@
     </p:spTree>
     <p:extLst>
       <p:ext uri="{BB962C8B-B14F-4D97-AF65-F5344CB8AC3E}">
-        <p14:creationId xmlns:p14="http://schemas.microsoft.com/office/powerpoint/2010/main" val="1971514319"/>
+        <p14:creationId xmlns:p14="http://schemas.microsoft.com/office/powerpoint/2010/main" val="427676892"/>
       </p:ext>
     </p:extLst>
   </p:cSld>
@@ -1552,73 +1556,9 @@
           <a:lstStyle/>
           <a:p>
             <a:r>
-              <a:rPr lang="en-US" altLang="zh-CN" dirty="0"/>
-              <a:t>Bug</a:t>
-            </a:r>
-            <a:r>
-              <a:rPr lang="zh-CN" altLang="en-US" dirty="0"/>
-              <a:t>来源：</a:t>
-            </a:r>
-            <a:r>
-              <a:rPr lang="en-US" altLang="zh-CN" dirty="0"/>
-              <a:t>70%</a:t>
-            </a:r>
-            <a:r>
-              <a:rPr lang="zh-CN" altLang="en-US" dirty="0"/>
-              <a:t>重复，重复里面大部分都是事务脚本 </a:t>
-            </a:r>
-            <a:r>
-              <a:rPr lang="en-US" altLang="zh-CN" dirty="0"/>
-              <a:t>30%</a:t>
-            </a:r>
-          </a:p>
-          <a:p>
-            <a:r>
-              <a:rPr lang="zh-CN" altLang="en-US" dirty="0"/>
-              <a:t>币种币对不复杂，但是为什么</a:t>
-            </a:r>
-            <a:r>
-              <a:rPr lang="en-US" altLang="zh-CN" dirty="0"/>
-              <a:t>bug</a:t>
-            </a:r>
-            <a:r>
-              <a:rPr lang="zh-CN" altLang="en-US" dirty="0"/>
-              <a:t>那么多，状态太多了，没有集中管理</a:t>
-            </a:r>
-            <a:endParaRPr lang="en-US" altLang="zh-CN" dirty="0"/>
-          </a:p>
-          <a:p>
-            <a:r>
-              <a:rPr lang="zh-CN" altLang="en-US" dirty="0"/>
-              <a:t>充值提现，账户余额是</a:t>
-            </a:r>
-            <a:r>
-              <a:rPr lang="en-US" altLang="zh-CN" dirty="0"/>
-              <a:t>Account</a:t>
-            </a:r>
-            <a:r>
-              <a:rPr lang="zh-CN" altLang="en-US" dirty="0"/>
-              <a:t>的概念，不是数据库表的改变，事务脚本导致业务设计等于数据库设计，</a:t>
-            </a:r>
-            <a:endParaRPr lang="en-US" altLang="zh-CN" dirty="0"/>
-          </a:p>
-          <a:p>
-            <a:r>
-              <a:rPr lang="zh-CN" altLang="en-US" dirty="0"/>
-              <a:t>项目小可以，但是项目大了，会使得</a:t>
-            </a:r>
-            <a:r>
-              <a:rPr lang="en-US" altLang="zh-CN" dirty="0"/>
-              <a:t>bug</a:t>
-            </a:r>
-            <a:r>
-              <a:rPr lang="zh-CN" altLang="en-US" dirty="0"/>
-              <a:t>很多，很难以维护，且没有一致性模型。</a:t>
-            </a:r>
-            <a:endParaRPr lang="en-US" altLang="zh-CN" dirty="0"/>
-          </a:p>
-          <a:p>
-            <a:endParaRPr lang="zh-CN" altLang="en-US" dirty="0"/>
+              <a:rPr lang="zh-CN" altLang="en-US" dirty="0"/>
+              <a:t>真的是显示吗？显示的话难道不是业务逻辑。</a:t>
+            </a:r>
           </a:p>
         </p:txBody>
       </p:sp>
@@ -1648,7 +1588,7 @@
     </p:spTree>
     <p:extLst>
       <p:ext uri="{BB962C8B-B14F-4D97-AF65-F5344CB8AC3E}">
-        <p14:creationId xmlns:p14="http://schemas.microsoft.com/office/powerpoint/2010/main" val="905895057"/>
+        <p14:creationId xmlns:p14="http://schemas.microsoft.com/office/powerpoint/2010/main" val="1971514319"/>
       </p:ext>
     </p:extLst>
   </p:cSld>
@@ -1703,9 +1643,73 @@
           <a:lstStyle/>
           <a:p>
             <a:r>
-              <a:rPr lang="zh-CN" altLang="en-US" dirty="0"/>
-              <a:t>职责划分会让系统非常清晰，并且使得设计逐步一致性。</a:t>
-            </a:r>
+              <a:rPr lang="en-US" altLang="zh-CN" dirty="0"/>
+              <a:t>Bug</a:t>
+            </a:r>
+            <a:r>
+              <a:rPr lang="zh-CN" altLang="en-US" dirty="0"/>
+              <a:t>来源：</a:t>
+            </a:r>
+            <a:r>
+              <a:rPr lang="en-US" altLang="zh-CN" dirty="0"/>
+              <a:t>70%</a:t>
+            </a:r>
+            <a:r>
+              <a:rPr lang="zh-CN" altLang="en-US" dirty="0"/>
+              <a:t>重复，重复里面大部分都是事务脚本 </a:t>
+            </a:r>
+            <a:r>
+              <a:rPr lang="en-US" altLang="zh-CN" dirty="0"/>
+              <a:t>30%</a:t>
+            </a:r>
+          </a:p>
+          <a:p>
+            <a:r>
+              <a:rPr lang="zh-CN" altLang="en-US" dirty="0"/>
+              <a:t>币种币对不复杂，但是为什么</a:t>
+            </a:r>
+            <a:r>
+              <a:rPr lang="en-US" altLang="zh-CN" dirty="0"/>
+              <a:t>bug</a:t>
+            </a:r>
+            <a:r>
+              <a:rPr lang="zh-CN" altLang="en-US" dirty="0"/>
+              <a:t>那么多，状态太多了，没有集中管理</a:t>
+            </a:r>
+            <a:endParaRPr lang="en-US" altLang="zh-CN" dirty="0"/>
+          </a:p>
+          <a:p>
+            <a:r>
+              <a:rPr lang="zh-CN" altLang="en-US" dirty="0"/>
+              <a:t>充值提现，账户余额是</a:t>
+            </a:r>
+            <a:r>
+              <a:rPr lang="en-US" altLang="zh-CN" dirty="0"/>
+              <a:t>Account</a:t>
+            </a:r>
+            <a:r>
+              <a:rPr lang="zh-CN" altLang="en-US" dirty="0"/>
+              <a:t>的概念，不是数据库表的改变，事务脚本导致业务设计等于数据库设计，</a:t>
+            </a:r>
+            <a:endParaRPr lang="en-US" altLang="zh-CN" dirty="0"/>
+          </a:p>
+          <a:p>
+            <a:r>
+              <a:rPr lang="zh-CN" altLang="en-US" dirty="0"/>
+              <a:t>项目小可以，但是项目大了，会使得</a:t>
+            </a:r>
+            <a:r>
+              <a:rPr lang="en-US" altLang="zh-CN" dirty="0"/>
+              <a:t>bug</a:t>
+            </a:r>
+            <a:r>
+              <a:rPr lang="zh-CN" altLang="en-US" dirty="0"/>
+              <a:t>很多，很难以维护，且没有一致性模型。</a:t>
+            </a:r>
+            <a:endParaRPr lang="en-US" altLang="zh-CN" dirty="0"/>
+          </a:p>
+          <a:p>
+            <a:endParaRPr lang="zh-CN" altLang="en-US" dirty="0"/>
           </a:p>
         </p:txBody>
       </p:sp>
@@ -1735,7 +1739,7 @@
     </p:spTree>
     <p:extLst>
       <p:ext uri="{BB962C8B-B14F-4D97-AF65-F5344CB8AC3E}">
-        <p14:creationId xmlns:p14="http://schemas.microsoft.com/office/powerpoint/2010/main" val="3089593639"/>
+        <p14:creationId xmlns:p14="http://schemas.microsoft.com/office/powerpoint/2010/main" val="905895057"/>
       </p:ext>
     </p:extLst>
   </p:cSld>
@@ -1791,7 +1795,7 @@
           <a:p>
             <a:r>
               <a:rPr lang="zh-CN" altLang="en-US" dirty="0"/>
-              <a:t>线程状态封装在哪里？对应用设计启示，订单状态和订单类分开呢？</a:t>
+              <a:t>职责划分会让系统非常清晰，并且使得设计逐步一致性。</a:t>
             </a:r>
           </a:p>
         </p:txBody>
@@ -1813,7 +1817,7 @@
           <a:p>
             <a:fld id="{81EB798F-FCE7-4FC5-861E-D54DB0B79715}" type="slidenum">
               <a:rPr lang="zh-CN" altLang="en-US" smtClean="0"/>
-              <a:t>37</a:t>
+              <a:t>35</a:t>
             </a:fld>
             <a:endParaRPr lang="zh-CN" altLang="en-US"/>
           </a:p>
@@ -1822,7 +1826,7 @@
     </p:spTree>
     <p:extLst>
       <p:ext uri="{BB962C8B-B14F-4D97-AF65-F5344CB8AC3E}">
-        <p14:creationId xmlns:p14="http://schemas.microsoft.com/office/powerpoint/2010/main" val="704077147"/>
+        <p14:creationId xmlns:p14="http://schemas.microsoft.com/office/powerpoint/2010/main" val="3089593639"/>
       </p:ext>
     </p:extLst>
   </p:cSld>
@@ -2020,112 +2024,9 @@
           <a:lstStyle/>
           <a:p>
             <a:r>
-              <a:rPr lang="en-US" altLang="zh-CN" dirty="0">
-                <a:hlinkClick r:id="rId3"/>
-              </a:rPr>
-              <a:t>https://docs.oracle.com/javase/tutorial/collections/index.html</a:t>
-            </a:r>
-            <a:endParaRPr lang="en-US" altLang="zh-CN" dirty="0"/>
-          </a:p>
-          <a:p>
-            <a:r>
-              <a:rPr lang="zh-CN" altLang="en-US" dirty="0"/>
-              <a:t>这块需要换一个</a:t>
-            </a:r>
-            <a:r>
-              <a:rPr lang="en-US" altLang="zh-CN" dirty="0"/>
-              <a:t>ppt</a:t>
-            </a:r>
-            <a:r>
-              <a:rPr lang="zh-CN" altLang="en-US" dirty="0"/>
-              <a:t>，没办法减少了内容了，</a:t>
-            </a:r>
-            <a:r>
-              <a:rPr lang="en-US" altLang="zh-CN" dirty="0"/>
-              <a:t>C:\Users\chao\Desktop\Principles of Software Construction\2020-fall\20200227-collections design.pdf</a:t>
-            </a:r>
-          </a:p>
-          <a:p>
-            <a:pPr marL="0" marR="0" lvl="0" indent="0" algn="l" defTabSz="914400" rtl="0" eaLnBrk="1" fontAlgn="auto" latinLnBrk="0" hangingPunct="1">
-              <a:lnSpc>
-                <a:spcPct val="100000"/>
-              </a:lnSpc>
-              <a:spcBef>
-                <a:spcPts val="0"/>
-              </a:spcBef>
-              <a:spcAft>
-                <a:spcPts val="0"/>
-              </a:spcAft>
-              <a:buClrTx/>
-              <a:buSzTx/>
-              <a:buFontTx/>
-              <a:buNone/>
-              <a:tabLst/>
-              <a:defRPr/>
-            </a:pPr>
-            <a:r>
-              <a:rPr lang="zh-CN" altLang="en-US" dirty="0"/>
-              <a:t>学习资料：</a:t>
-            </a:r>
-            <a:r>
-              <a:rPr lang="en-US" altLang="zh-CN" dirty="0"/>
-              <a:t>JDK</a:t>
-            </a:r>
-            <a:r>
-              <a:rPr lang="zh-CN" altLang="en-US" dirty="0"/>
-              <a:t>官方集合文档</a:t>
-            </a:r>
-            <a:r>
-              <a:rPr lang="en-US" altLang="zh-CN" dirty="0"/>
-              <a:t>  </a:t>
-            </a:r>
-            <a:r>
-              <a:rPr lang="en-US" altLang="zh-CN" dirty="0">
-                <a:hlinkClick r:id="rId4"/>
-              </a:rPr>
-              <a:t>https://docs.oracle.com/javase/8/docs/technotes/guides/collections/index.html</a:t>
-            </a:r>
-            <a:r>
-              <a:rPr lang="en-US" altLang="zh-CN" dirty="0"/>
-              <a:t>   MUST READING</a:t>
-            </a:r>
-            <a:r>
-              <a:rPr lang="zh-CN" altLang="en-US" dirty="0"/>
-              <a:t>！！！</a:t>
-            </a:r>
-            <a:endParaRPr lang="en-US" altLang="zh-CN" dirty="0"/>
-          </a:p>
-          <a:p>
-            <a:r>
-              <a:rPr lang="en-US" altLang="zh-CN" dirty="0">
-                <a:hlinkClick r:id="rId5"/>
-              </a:rPr>
-              <a:t>http://commons.apache.org/dormant/events/</a:t>
-            </a:r>
-            <a:r>
-              <a:rPr lang="en-US" altLang="zh-CN" dirty="0"/>
-              <a:t>   </a:t>
-            </a:r>
-            <a:r>
-              <a:rPr lang="en-US" altLang="zh-CN" dirty="0" err="1"/>
-              <a:t>ObserverCollection</a:t>
-            </a:r>
-            <a:endParaRPr lang="en-US" altLang="zh-CN" dirty="0"/>
-          </a:p>
-          <a:p>
-            <a:r>
-              <a:rPr lang="en-US" altLang="zh-CN" dirty="0"/>
-              <a:t>Guava</a:t>
-            </a:r>
-            <a:r>
-              <a:rPr lang="zh-CN" altLang="en-US" dirty="0"/>
-              <a:t>：</a:t>
-            </a:r>
-            <a:r>
-              <a:rPr lang="en-US" altLang="zh-CN" dirty="0" err="1"/>
-              <a:t>ForwardingCollection</a:t>
-            </a:r>
-            <a:endParaRPr lang="zh-CN" altLang="en-US" dirty="0"/>
+              <a:rPr lang="zh-CN" altLang="en-US" dirty="0"/>
+              <a:t>线程状态封装在哪里？对应用设计启示，订单状态和订单类分开呢？</a:t>
+            </a:r>
           </a:p>
         </p:txBody>
       </p:sp>
@@ -2155,7 +2056,7 @@
     </p:spTree>
     <p:extLst>
       <p:ext uri="{BB962C8B-B14F-4D97-AF65-F5344CB8AC3E}">
-        <p14:creationId xmlns:p14="http://schemas.microsoft.com/office/powerpoint/2010/main" val="1347487726"/>
+        <p14:creationId xmlns:p14="http://schemas.microsoft.com/office/powerpoint/2010/main" val="704077147"/>
       </p:ext>
     </p:extLst>
   </p:cSld>
@@ -2210,57 +2111,110 @@
           <a:lstStyle/>
           <a:p>
             <a:r>
+              <a:rPr lang="en-US" altLang="zh-CN" dirty="0">
+                <a:hlinkClick r:id="rId3"/>
+              </a:rPr>
+              <a:t>https://docs.oracle.com/javase/tutorial/collections/index.html</a:t>
+            </a:r>
+            <a:endParaRPr lang="en-US" altLang="zh-CN" dirty="0"/>
+          </a:p>
+          <a:p>
+            <a:r>
+              <a:rPr lang="zh-CN" altLang="en-US" dirty="0"/>
+              <a:t>这块需要换一个</a:t>
+            </a:r>
+            <a:r>
+              <a:rPr lang="en-US" altLang="zh-CN" dirty="0"/>
+              <a:t>ppt</a:t>
+            </a:r>
+            <a:r>
+              <a:rPr lang="zh-CN" altLang="en-US" dirty="0"/>
+              <a:t>，没办法减少了内容了，</a:t>
+            </a:r>
+            <a:r>
+              <a:rPr lang="en-US" altLang="zh-CN" dirty="0"/>
+              <a:t>C:\Users\chao\Desktop\Principles of Software Construction\2020-fall\20200227-collections design.pdf</a:t>
+            </a:r>
+          </a:p>
+          <a:p>
+            <a:pPr marL="0" marR="0" lvl="0" indent="0" algn="l" defTabSz="914400" rtl="0" eaLnBrk="1" fontAlgn="auto" latinLnBrk="0" hangingPunct="1">
+              <a:lnSpc>
+                <a:spcPct val="100000"/>
+              </a:lnSpc>
+              <a:spcBef>
+                <a:spcPts val="0"/>
+              </a:spcBef>
+              <a:spcAft>
+                <a:spcPts val="0"/>
+              </a:spcAft>
+              <a:buClrTx/>
+              <a:buSzTx/>
+              <a:buFontTx/>
+              <a:buNone/>
+              <a:tabLst/>
+              <a:defRPr/>
+            </a:pPr>
+            <a:r>
+              <a:rPr lang="zh-CN" altLang="en-US" dirty="0"/>
+              <a:t>学习资料：</a:t>
+            </a:r>
+            <a:r>
+              <a:rPr lang="en-US" altLang="zh-CN" dirty="0"/>
+              <a:t>JDK</a:t>
+            </a:r>
+            <a:r>
+              <a:rPr lang="zh-CN" altLang="en-US" dirty="0"/>
+              <a:t>官方集合文档</a:t>
+            </a:r>
+            <a:r>
+              <a:rPr lang="en-US" altLang="zh-CN" dirty="0"/>
+              <a:t>  </a:t>
+            </a:r>
+            <a:r>
+              <a:rPr lang="en-US" altLang="zh-CN" dirty="0">
+                <a:hlinkClick r:id="rId4"/>
+              </a:rPr>
+              <a:t>https://docs.oracle.com/javase/8/docs/technotes/guides/collections/index.html</a:t>
+            </a:r>
+            <a:r>
+              <a:rPr lang="en-US" altLang="zh-CN" dirty="0"/>
+              <a:t>   MUST READING</a:t>
+            </a:r>
+            <a:r>
+              <a:rPr lang="zh-CN" altLang="en-US" dirty="0"/>
+              <a:t>！！！</a:t>
+            </a:r>
+            <a:endParaRPr lang="en-US" altLang="zh-CN" dirty="0"/>
+          </a:p>
+          <a:p>
+            <a:r>
+              <a:rPr lang="en-US" altLang="zh-CN" dirty="0">
+                <a:hlinkClick r:id="rId5"/>
+              </a:rPr>
+              <a:t>http://commons.apache.org/dormant/events/</a:t>
+            </a:r>
+            <a:r>
+              <a:rPr lang="en-US" altLang="zh-CN" dirty="0"/>
+              <a:t>   </a:t>
+            </a:r>
+            <a:r>
               <a:rPr lang="en-US" altLang="zh-CN" dirty="0" err="1"/>
-              <a:t>LoggingList</a:t>
-            </a:r>
-            <a:r>
-              <a:rPr lang="zh-CN" altLang="en-US" dirty="0"/>
-              <a:t>，</a:t>
-            </a:r>
-            <a:r>
-              <a:rPr lang="en-US" altLang="zh-CN" i="1" dirty="0" err="1">
-                <a:solidFill>
-                  <a:srgbClr val="8C8C8C"/>
-                </a:solidFill>
-                <a:effectLst/>
-              </a:rPr>
-              <a:t>Decorator_pattern</a:t>
-            </a:r>
-            <a:r>
-              <a:rPr lang="zh-CN" altLang="en-US" i="1" dirty="0">
-                <a:solidFill>
-                  <a:srgbClr val="8C8C8C"/>
-                </a:solidFill>
-                <a:effectLst/>
-              </a:rPr>
-              <a:t>，</a:t>
-            </a:r>
-            <a:r>
-              <a:rPr lang="en-US" altLang="zh-CN" i="1" dirty="0">
-                <a:solidFill>
-                  <a:srgbClr val="8C8C8C"/>
-                </a:solidFill>
-                <a:effectLst/>
-              </a:rPr>
-              <a:t>Guava </a:t>
-            </a:r>
-            <a:r>
-              <a:rPr lang="en-US" altLang="zh-CN" dirty="0">
-                <a:solidFill>
-                  <a:srgbClr val="000000"/>
-                </a:solidFill>
-                <a:effectLst/>
-              </a:rPr>
-              <a:t>Forwarding….,</a:t>
-            </a:r>
-            <a:r>
-              <a:rPr lang="zh-CN" altLang="en-US" dirty="0">
-                <a:solidFill>
-                  <a:srgbClr val="000000"/>
-                </a:solidFill>
-                <a:effectLst/>
-              </a:rPr>
-              <a:t>结构性模式，</a:t>
+              <a:t>ObserverCollection</a:t>
+            </a:r>
+            <a:endParaRPr lang="en-US" altLang="zh-CN" dirty="0"/>
+          </a:p>
+          <a:p>
+            <a:r>
+              <a:rPr lang="en-US" altLang="zh-CN" dirty="0"/>
+              <a:t>Guava</a:t>
+            </a:r>
+            <a:r>
+              <a:rPr lang="zh-CN" altLang="en-US" dirty="0"/>
+              <a:t>：</a:t>
+            </a:r>
+            <a:r>
+              <a:rPr lang="en-US" altLang="zh-CN" dirty="0" err="1"/>
+              <a:t>ForwardingCollection</a:t>
             </a:r>
             <a:endParaRPr lang="zh-CN" altLang="en-US" dirty="0"/>
           </a:p>
@@ -2283,7 +2237,7 @@
           <a:p>
             <a:fld id="{81EB798F-FCE7-4FC5-861E-D54DB0B79715}" type="slidenum">
               <a:rPr lang="zh-CN" altLang="en-US" smtClean="0"/>
-              <a:t>40</a:t>
+              <a:t>39</a:t>
             </a:fld>
             <a:endParaRPr lang="zh-CN" altLang="en-US"/>
           </a:p>
@@ -2292,7 +2246,7 @@
     </p:spTree>
     <p:extLst>
       <p:ext uri="{BB962C8B-B14F-4D97-AF65-F5344CB8AC3E}">
-        <p14:creationId xmlns:p14="http://schemas.microsoft.com/office/powerpoint/2010/main" val="3129402274"/>
+        <p14:creationId xmlns:p14="http://schemas.microsoft.com/office/powerpoint/2010/main" val="1347487726"/>
       </p:ext>
     </p:extLst>
   </p:cSld>
@@ -2347,114 +2301,59 @@
           <a:lstStyle/>
           <a:p>
             <a:r>
-              <a:rPr lang="zh-CN" altLang="en-US" dirty="0"/>
-              <a:t>现在</a:t>
-            </a:r>
-            <a:r>
               <a:rPr lang="en-US" altLang="zh-CN" dirty="0" err="1"/>
-              <a:t>ThreadLocal</a:t>
-            </a:r>
-            <a:r>
-              <a:rPr lang="zh-CN" altLang="en-US" dirty="0"/>
-              <a:t>是泛型了， </a:t>
-            </a:r>
-            <a:r>
-              <a:rPr lang="en-US" altLang="zh-CN" dirty="0" err="1">
+              <a:t>LoggingList</a:t>
+            </a:r>
+            <a:r>
+              <a:rPr lang="zh-CN" altLang="en-US" dirty="0"/>
+              <a:t>，</a:t>
+            </a:r>
+            <a:r>
+              <a:rPr lang="en-US" altLang="zh-CN" i="1" dirty="0" err="1">
+                <a:solidFill>
+                  <a:srgbClr val="8C8C8C"/>
+                </a:solidFill>
+                <a:effectLst/>
+              </a:rPr>
+              <a:t>Decorator_pattern</a:t>
+            </a:r>
+            <a:r>
+              <a:rPr lang="zh-CN" altLang="en-US" i="1" dirty="0">
+                <a:solidFill>
+                  <a:srgbClr val="8C8C8C"/>
+                </a:solidFill>
+                <a:effectLst/>
+              </a:rPr>
+              <a:t>，</a:t>
+            </a:r>
+            <a:r>
+              <a:rPr lang="en-US" altLang="zh-CN" i="1" dirty="0">
+                <a:solidFill>
+                  <a:srgbClr val="8C8C8C"/>
+                </a:solidFill>
+                <a:effectLst/>
+              </a:rPr>
+              <a:t>Guava </a:t>
+            </a:r>
+            <a:r>
+              <a:rPr lang="en-US" altLang="zh-CN" dirty="0">
                 <a:solidFill>
                   <a:srgbClr val="000000"/>
                 </a:solidFill>
                 <a:effectLst/>
               </a:rPr>
-              <a:t>ThreadLocal</a:t>
-            </a:r>
-            <a:r>
-              <a:rPr lang="en-US" altLang="zh-CN" dirty="0"/>
-              <a:t>&lt;</a:t>
-            </a:r>
-            <a:r>
-              <a:rPr lang="en-US" altLang="zh-CN" dirty="0">
-                <a:solidFill>
-                  <a:srgbClr val="007E8A"/>
+              <a:t>Forwarding….,</a:t>
+            </a:r>
+            <a:r>
+              <a:rPr lang="zh-CN" altLang="en-US" dirty="0">
+                <a:solidFill>
+                  <a:srgbClr val="000000"/>
                 </a:solidFill>
                 <a:effectLst/>
               </a:rPr>
-              <a:t>T</a:t>
-            </a:r>
-            <a:r>
-              <a:rPr lang="en-US" altLang="zh-CN" dirty="0"/>
-              <a:t>&gt;  </a:t>
-            </a:r>
-            <a:r>
-              <a:rPr lang="en-US" altLang="zh-CN" dirty="0">
-                <a:solidFill>
-                  <a:srgbClr val="0033B3"/>
-                </a:solidFill>
-                <a:effectLst/>
-              </a:rPr>
-              <a:t>public void </a:t>
-            </a:r>
-            <a:r>
-              <a:rPr lang="en-US" altLang="zh-CN" dirty="0">
-                <a:solidFill>
-                  <a:srgbClr val="00627A"/>
-                </a:solidFill>
-                <a:effectLst/>
-              </a:rPr>
-              <a:t>set</a:t>
-            </a:r>
-            <a:r>
-              <a:rPr lang="en-US" altLang="zh-CN" dirty="0"/>
-              <a:t>(</a:t>
-            </a:r>
-            <a:r>
-              <a:rPr lang="en-US" altLang="zh-CN" dirty="0">
-                <a:solidFill>
-                  <a:srgbClr val="007E8A"/>
-                </a:solidFill>
-                <a:effectLst/>
-              </a:rPr>
-              <a:t>T </a:t>
-            </a:r>
-            <a:r>
-              <a:rPr lang="en-US" altLang="zh-CN" dirty="0"/>
-              <a:t>value) </a:t>
-            </a:r>
-            <a:r>
-              <a:rPr lang="en-US" altLang="zh-CN" dirty="0">
-                <a:solidFill>
-                  <a:srgbClr val="0033B3"/>
-                </a:solidFill>
-                <a:effectLst/>
-              </a:rPr>
-              <a:t>public </a:t>
-            </a:r>
-            <a:r>
-              <a:rPr lang="en-US" altLang="zh-CN" dirty="0">
-                <a:solidFill>
-                  <a:srgbClr val="007E8A"/>
-                </a:solidFill>
-                <a:effectLst/>
-              </a:rPr>
-              <a:t>T </a:t>
-            </a:r>
-            <a:r>
-              <a:rPr lang="en-US" altLang="zh-CN" dirty="0">
-                <a:solidFill>
-                  <a:srgbClr val="00627A"/>
-                </a:solidFill>
-                <a:effectLst/>
-              </a:rPr>
-              <a:t>get</a:t>
-            </a:r>
-            <a:r>
-              <a:rPr lang="en-US" altLang="zh-CN" dirty="0"/>
-              <a:t>() </a:t>
-            </a:r>
-            <a:r>
-              <a:rPr lang="zh-CN" altLang="en-US" dirty="0"/>
-              <a:t>；</a:t>
-            </a:r>
-            <a:endParaRPr lang="en-US" altLang="zh-CN" dirty="0"/>
+              <a:t>结构性模式，</a:t>
+            </a:r>
+            <a:endParaRPr lang="zh-CN" altLang="en-US" dirty="0"/>
           </a:p>
         </p:txBody>
       </p:sp>
@@ -2484,7 +2383,7 @@
     </p:spTree>
     <p:extLst>
       <p:ext uri="{BB962C8B-B14F-4D97-AF65-F5344CB8AC3E}">
-        <p14:creationId xmlns:p14="http://schemas.microsoft.com/office/powerpoint/2010/main" val="4017787778"/>
+        <p14:creationId xmlns:p14="http://schemas.microsoft.com/office/powerpoint/2010/main" val="3129402274"/>
       </p:ext>
     </p:extLst>
   </p:cSld>
@@ -2539,372 +2438,114 @@
           <a:lstStyle/>
           <a:p>
             <a:r>
-              <a:rPr lang="en-US" altLang="zh-CN" dirty="0"/>
-              <a:t>API</a:t>
-            </a:r>
-            <a:r>
-              <a:rPr lang="zh-CN" altLang="en-US" dirty="0"/>
-              <a:t>设计要厚，不要浅，</a:t>
+              <a:rPr lang="zh-CN" altLang="en-US" dirty="0"/>
+              <a:t>现在</a:t>
             </a:r>
             <a:r>
               <a:rPr lang="en-US" altLang="zh-CN" dirty="0" err="1"/>
-              <a:t>com.chainup.exchange.service.PublicService#getPublicInfo</a:t>
-            </a:r>
-            <a:r>
-              <a:rPr lang="en-US" altLang="zh-CN" dirty="0"/>
-              <a:t>  </a:t>
-            </a:r>
-            <a:r>
-              <a:rPr lang="zh-CN" altLang="en-US" dirty="0"/>
-              <a:t>参考 </a:t>
-            </a:r>
-            <a:r>
-              <a:rPr lang="en-US" altLang="zh-CN" dirty="0"/>
-              <a:t>Unix file I/O</a:t>
-            </a:r>
-          </a:p>
-          <a:p>
-            <a:pPr algn="l"/>
-            <a:r>
-              <a:rPr lang="en-US" altLang="zh-CN" dirty="0"/>
-              <a:t>Josh Bloch</a:t>
-            </a:r>
-            <a:r>
-              <a:rPr lang="zh-CN" altLang="en-US" dirty="0"/>
-              <a:t>：</a:t>
-            </a:r>
-            <a:r>
-              <a:rPr lang="en-US" altLang="zh-CN" b="0" i="0" dirty="0">
+              <a:t>ThreadLocal</a:t>
+            </a:r>
+            <a:r>
+              <a:rPr lang="zh-CN" altLang="en-US" dirty="0"/>
+              <a:t>是泛型了， </a:t>
+            </a:r>
+            <a:r>
+              <a:rPr lang="en-US" altLang="zh-CN" dirty="0" err="1">
+                <a:solidFill>
+                  <a:srgbClr val="000000"/>
+                </a:solidFill>
                 <a:effectLst/>
-                <a:latin typeface="Roboto" panose="02000000000000000000" pitchFamily="2" charset="0"/>
-              </a:rPr>
-              <a:t>Effective Java, Third Edition - </a:t>
-            </a:r>
-            <a:r>
-              <a:rPr lang="en-US" altLang="zh-CN" b="0" i="0" dirty="0" err="1">
+              </a:rPr>
+              <a:t>ThreadLocal</a:t>
+            </a:r>
+            <a:r>
+              <a:rPr lang="en-US" altLang="zh-CN" dirty="0"/>
+              <a:t>&lt;</a:t>
+            </a:r>
+            <a:r>
+              <a:rPr lang="en-US" altLang="zh-CN" dirty="0">
+                <a:solidFill>
+                  <a:srgbClr val="007E8A"/>
+                </a:solidFill>
                 <a:effectLst/>
-                <a:latin typeface="Roboto" panose="02000000000000000000" pitchFamily="2" charset="0"/>
-              </a:rPr>
-              <a:t>Keepin</a:t>
-            </a:r>
-            <a:r>
-              <a:rPr lang="en-US" altLang="zh-CN" b="0" i="0" dirty="0">
+              </a:rPr>
+              <a:t>T</a:t>
+            </a:r>
+            <a:r>
+              <a:rPr lang="en-US" altLang="zh-CN" dirty="0"/>
+              <a:t>&gt;  </a:t>
+            </a:r>
+            <a:r>
+              <a:rPr lang="en-US" altLang="zh-CN" dirty="0">
+                <a:solidFill>
+                  <a:srgbClr val="0033B3"/>
+                </a:solidFill>
                 <a:effectLst/>
-                <a:latin typeface="Roboto" panose="02000000000000000000" pitchFamily="2" charset="0"/>
-              </a:rPr>
-              <a:t>' it Effective(</a:t>
+              </a:rPr>
+              <a:t>public void </a:t>
             </a:r>
             <a:r>
               <a:rPr lang="en-US" altLang="zh-CN" dirty="0">
-                <a:hlinkClick r:id="rId3"/>
-              </a:rPr>
-              <a:t>https://www.youtube.com/watch?v=7qXfoZIqi2Q</a:t>
-            </a:r>
-            <a:r>
-              <a:rPr lang="en-US" altLang="zh-CN" b="0" i="0" dirty="0">
+                <a:solidFill>
+                  <a:srgbClr val="00627A"/>
+                </a:solidFill>
                 <a:effectLst/>
-                <a:latin typeface="Roboto" panose="02000000000000000000" pitchFamily="2" charset="0"/>
-              </a:rPr>
-              <a:t>)</a:t>
-            </a:r>
-            <a:endParaRPr lang="en-US" altLang="zh-CN" dirty="0"/>
-          </a:p>
-          <a:p>
-            <a:r>
-              <a:rPr lang="en-US" altLang="zh-CN" dirty="0"/>
-              <a:t>Josh Bloch</a:t>
-            </a:r>
-            <a:r>
-              <a:rPr lang="zh-CN" altLang="en-US" dirty="0"/>
-              <a:t>：</a:t>
-            </a:r>
-            <a:r>
-              <a:rPr lang="en-US" altLang="zh-CN" dirty="0"/>
-              <a:t>A Brief, Opinionated History of the API</a:t>
-            </a:r>
-            <a:r>
-              <a:rPr lang="zh-CN" altLang="en-US" dirty="0"/>
-              <a:t>（</a:t>
+              </a:rPr>
+              <a:t>set</a:t>
+            </a:r>
+            <a:r>
+              <a:rPr lang="en-US" altLang="zh-CN" dirty="0"/>
+              <a:t>(</a:t>
             </a:r>
             <a:r>
               <a:rPr lang="en-US" altLang="zh-CN" dirty="0">
-                <a:hlinkClick r:id="rId4"/>
-              </a:rPr>
-              <a:t>https://www.youtube.com/watch?v=ege-kub1qtk</a:t>
-            </a:r>
-            <a:r>
-              <a:rPr lang="zh-CN" altLang="en-US" dirty="0"/>
-              <a:t>）</a:t>
-            </a:r>
-            <a:endParaRPr lang="en-US" altLang="zh-CN" dirty="0"/>
-          </a:p>
-          <a:p>
-            <a:pPr algn="l"/>
-            <a:r>
-              <a:rPr lang="en-US" altLang="zh-CN" dirty="0"/>
-              <a:t>Josh Bloch</a:t>
-            </a:r>
-            <a:r>
-              <a:rPr lang="zh-CN" altLang="en-US" dirty="0">
-                <a:sym typeface="Wingdings" panose="05000000000000000000" pitchFamily="2" charset="2"/>
-              </a:rPr>
-              <a:t>：</a:t>
-            </a:r>
-            <a:r>
-              <a:rPr lang="en-US" altLang="zh-CN" b="0" i="0" dirty="0">
+                <a:solidFill>
+                  <a:srgbClr val="007E8A"/>
+                </a:solidFill>
                 <a:effectLst/>
-                <a:latin typeface="Roboto" panose="02000000000000000000" pitchFamily="2" charset="0"/>
-              </a:rPr>
-              <a:t>How To Design A Good API and Why it Matters</a:t>
-            </a:r>
-            <a:r>
-              <a:rPr lang="zh-CN" altLang="en-US" dirty="0">
-                <a:sym typeface="Wingdings" panose="05000000000000000000" pitchFamily="2" charset="2"/>
-              </a:rPr>
-              <a:t>（</a:t>
+              </a:rPr>
+              <a:t>T </a:t>
+            </a:r>
+            <a:r>
+              <a:rPr lang="en-US" altLang="zh-CN" dirty="0"/>
+              <a:t>value) </a:t>
             </a:r>
             <a:r>
               <a:rPr lang="en-US" altLang="zh-CN" dirty="0">
-                <a:hlinkClick r:id="rId5"/>
-              </a:rPr>
-              <a:t>https://www.youtube.com/watch?v=heh4OeB9A-c&amp;t=2713s</a:t>
-            </a:r>
-            <a:r>
-              <a:rPr lang="zh-CN" altLang="en-US" dirty="0">
-                <a:sym typeface="Wingdings" panose="05000000000000000000" pitchFamily="2" charset="2"/>
-              </a:rPr>
-              <a:t>）</a:t>
-            </a:r>
-            <a:endParaRPr lang="en-US" altLang="zh-CN" b="0" i="0" u="sng" dirty="0">
-              <a:solidFill>
-                <a:srgbClr val="660099"/>
-              </a:solidFill>
-              <a:effectLst/>
-              <a:latin typeface="arial" panose="020B0604020202020204" pitchFamily="34" charset="0"/>
-              <a:hlinkClick r:id="rId6"/>
-            </a:endParaRPr>
-          </a:p>
-          <a:p>
-            <a:pPr algn="l"/>
-            <a:r>
-              <a:rPr lang="en-US" altLang="zh-CN" b="0" i="0" dirty="0">
+                <a:solidFill>
+                  <a:srgbClr val="0033B3"/>
+                </a:solidFill>
                 <a:effectLst/>
-                <a:latin typeface="Roboto" panose="02000000000000000000" pitchFamily="2" charset="0"/>
-              </a:rPr>
-              <a:t>John </a:t>
-            </a:r>
-            <a:r>
-              <a:rPr lang="en-US" altLang="zh-CN" b="0" i="0" dirty="0" err="1">
+              </a:rPr>
+              <a:t>public </a:t>
+            </a:r>
+            <a:r>
+              <a:rPr lang="en-US" altLang="zh-CN" dirty="0">
+                <a:solidFill>
+                  <a:srgbClr val="007E8A"/>
+                </a:solidFill>
                 <a:effectLst/>
-                <a:latin typeface="Roboto" panose="02000000000000000000" pitchFamily="2" charset="0"/>
-              </a:rPr>
-              <a:t>Ousterhout</a:t>
-            </a:r>
-            <a:r>
-              <a:rPr lang="en-US" altLang="zh-CN" b="0" i="0" dirty="0">
+              </a:rPr>
+              <a:t>T </a:t>
+            </a:r>
+            <a:r>
+              <a:rPr lang="en-US" altLang="zh-CN" dirty="0">
+                <a:solidFill>
+                  <a:srgbClr val="00627A"/>
+                </a:solidFill>
                 <a:effectLst/>
-                <a:latin typeface="Roboto" panose="02000000000000000000" pitchFamily="2" charset="0"/>
-              </a:rPr>
-              <a:t> </a:t>
-            </a:r>
-            <a:r>
-              <a:rPr lang="zh-CN" altLang="en-US" b="0" i="0" dirty="0">
-                <a:effectLst/>
-                <a:latin typeface="Roboto" panose="02000000000000000000" pitchFamily="2" charset="0"/>
-              </a:rPr>
-              <a:t>：</a:t>
-            </a:r>
-            <a:r>
-              <a:rPr lang="en-US" altLang="zh-CN" b="0" i="0" dirty="0">
-                <a:effectLst/>
-                <a:latin typeface="Roboto" panose="02000000000000000000" pitchFamily="2" charset="0"/>
-              </a:rPr>
-              <a:t>A Philosophy of Software Design  Talks at Google (</a:t>
-            </a:r>
-            <a:r>
-              <a:rPr lang="en-US" altLang="zh-CN" dirty="0">
-                <a:hlinkClick r:id="rId7"/>
-              </a:rPr>
-              <a:t>https://www.youtube.com/watch?reload=9&amp;v=bmSAYlu0NcY</a:t>
-            </a:r>
-            <a:r>
-              <a:rPr lang="en-US" altLang="zh-CN" b="0" i="0" dirty="0">
-                <a:effectLst/>
-                <a:latin typeface="Roboto" panose="02000000000000000000" pitchFamily="2" charset="0"/>
-              </a:rPr>
-              <a:t>)</a:t>
-            </a:r>
-          </a:p>
-          <a:p>
-            <a:pPr algn="l"/>
-            <a:endParaRPr lang="en-US" altLang="zh-CN" b="0" i="0" dirty="0">
-              <a:effectLst/>
-              <a:latin typeface="Roboto" panose="02000000000000000000" pitchFamily="2" charset="0"/>
-            </a:endParaRPr>
-          </a:p>
-          <a:p>
-            <a:pPr algn="l"/>
-            <a:r>
-              <a:rPr lang="en-US" altLang="zh-CN" dirty="0">
-                <a:hlinkClick r:id="rId8"/>
-              </a:rPr>
-              <a:t>http://gdut_yy.gitee.io/doc-aposd/</a:t>
-            </a:r>
-            <a:r>
-              <a:rPr lang="en-US" altLang="zh-CN" b="0" i="0" dirty="0">
-                <a:effectLst/>
-                <a:latin typeface="Roboto" panose="02000000000000000000" pitchFamily="2" charset="0"/>
-              </a:rPr>
-              <a:t>  </a:t>
-            </a:r>
-            <a:r>
-              <a:rPr lang="zh-CN" altLang="en-US" b="0" i="0" dirty="0">
-                <a:effectLst/>
-                <a:latin typeface="Roboto" panose="02000000000000000000" pitchFamily="2" charset="0"/>
-              </a:rPr>
-              <a:t>软件设计哲学书</a:t>
-            </a:r>
-            <a:endParaRPr lang="en-US" altLang="zh-CN" b="0" i="0" dirty="0">
-              <a:effectLst/>
-              <a:latin typeface="Roboto" panose="02000000000000000000" pitchFamily="2" charset="0"/>
-            </a:endParaRPr>
-          </a:p>
-          <a:p>
-            <a:pPr algn="l"/>
-            <a:endParaRPr lang="en-US" altLang="zh-CN" b="0" i="0" dirty="0">
-              <a:effectLst/>
-              <a:latin typeface="Roboto" panose="02000000000000000000" pitchFamily="2" charset="0"/>
-            </a:endParaRPr>
-          </a:p>
-          <a:p>
-            <a:pPr algn="l"/>
-            <a:endParaRPr lang="en-US" altLang="zh-CN" b="0" i="0" dirty="0">
-              <a:effectLst/>
-              <a:latin typeface="Roboto" panose="02000000000000000000" pitchFamily="2" charset="0"/>
-            </a:endParaRPr>
-          </a:p>
-          <a:p>
-            <a:pPr marL="0" marR="0" lvl="0" indent="0" algn="l" defTabSz="914400" rtl="0" eaLnBrk="1" fontAlgn="auto" latinLnBrk="0" hangingPunct="1">
-              <a:lnSpc>
-                <a:spcPct val="100000"/>
-              </a:lnSpc>
-              <a:spcBef>
-                <a:spcPts val="0"/>
-              </a:spcBef>
-              <a:spcAft>
-                <a:spcPts val="0"/>
-              </a:spcAft>
-              <a:buClrTx/>
-              <a:buSzTx/>
-              <a:buFontTx/>
-              <a:buNone/>
-              <a:tabLst/>
-              <a:defRPr/>
-            </a:pPr>
-            <a:r>
-              <a:rPr lang="en-US" altLang="zh-CN" dirty="0"/>
-              <a:t>Cache</a:t>
-            </a:r>
-            <a:r>
-              <a:rPr lang="zh-CN" altLang="en-US" dirty="0"/>
-              <a:t>不是</a:t>
-            </a:r>
-            <a:r>
-              <a:rPr lang="en-US" altLang="zh-CN" dirty="0"/>
-              <a:t>Map</a:t>
-            </a:r>
-            <a:r>
-              <a:rPr lang="zh-CN" altLang="en-US" dirty="0"/>
-              <a:t>（</a:t>
-            </a:r>
-            <a:r>
-              <a:rPr lang="en-US" altLang="zh-CN" dirty="0" err="1"/>
-              <a:t>Leetcode</a:t>
-            </a:r>
-            <a:r>
-              <a:rPr lang="zh-CN" altLang="en-US" dirty="0"/>
-              <a:t>：</a:t>
-            </a:r>
-            <a:r>
-              <a:rPr lang="en-US" altLang="zh-CN" dirty="0" err="1"/>
-              <a:t>LRUCache</a:t>
-            </a:r>
-            <a:r>
-              <a:rPr lang="zh-CN" altLang="en-US" dirty="0"/>
-              <a:t>，</a:t>
-            </a:r>
-            <a:r>
-              <a:rPr lang="en-US" altLang="zh-CN" dirty="0" err="1"/>
-              <a:t>LFUCache</a:t>
-            </a:r>
-            <a:r>
-              <a:rPr lang="zh-CN" altLang="en-US" dirty="0"/>
-              <a:t>） </a:t>
-            </a:r>
-            <a:r>
-              <a:rPr lang="en-US" altLang="zh-CN" dirty="0"/>
-              <a:t>-&gt;Cache</a:t>
-            </a:r>
-            <a:r>
-              <a:rPr lang="zh-CN" altLang="en-US" dirty="0"/>
-              <a:t>是</a:t>
-            </a:r>
-            <a:r>
-              <a:rPr lang="en-US" altLang="zh-CN" dirty="0"/>
-              <a:t>Map</a:t>
-            </a:r>
-            <a:r>
-              <a:rPr lang="zh-CN" altLang="en-US" dirty="0"/>
-              <a:t>（</a:t>
-            </a:r>
-            <a:r>
-              <a:rPr lang="en-US" altLang="zh-CN" dirty="0"/>
-              <a:t>Java Cache</a:t>
-            </a:r>
-            <a:r>
-              <a:rPr lang="zh-CN" altLang="en-US" dirty="0"/>
-              <a:t>实现是</a:t>
-            </a:r>
-            <a:r>
-              <a:rPr lang="en-US" altLang="zh-CN" dirty="0"/>
-              <a:t>Map</a:t>
-            </a:r>
-            <a:r>
-              <a:rPr lang="zh-CN" altLang="en-US" dirty="0"/>
-              <a:t>） </a:t>
-            </a:r>
-            <a:r>
-              <a:rPr lang="en-US" altLang="zh-CN" dirty="0"/>
-              <a:t>-&gt;</a:t>
-            </a:r>
-            <a:r>
-              <a:rPr lang="zh-CN" altLang="en-US" dirty="0"/>
-              <a:t> </a:t>
-            </a:r>
-            <a:r>
-              <a:rPr lang="en-US" altLang="zh-CN" dirty="0"/>
-              <a:t>Cache</a:t>
-            </a:r>
-            <a:r>
-              <a:rPr lang="zh-CN" altLang="en-US" dirty="0"/>
-              <a:t>不是</a:t>
-            </a:r>
-            <a:r>
-              <a:rPr lang="en-US" altLang="zh-CN" dirty="0"/>
-              <a:t>Map</a:t>
-            </a:r>
-            <a:r>
-              <a:rPr lang="zh-CN" altLang="en-US" dirty="0"/>
-              <a:t>（不是一个抽象层次）</a:t>
-            </a:r>
-            <a:endParaRPr lang="en-US" altLang="zh-CN" dirty="0"/>
-          </a:p>
-          <a:p>
-            <a:pPr algn="l"/>
-            <a:endParaRPr lang="en-US" altLang="zh-CN" b="0" i="0" dirty="0">
-              <a:effectLst/>
-              <a:latin typeface="Roboto" panose="02000000000000000000" pitchFamily="2" charset="0"/>
-            </a:endParaRPr>
+              </a:rPr>
+              <a:t>get</a:t>
+            </a:r>
+            <a:r>
+              <a:rPr lang="en-US" altLang="zh-CN" dirty="0"/>
+              <a:t>() </a:t>
+            </a:r>
+            <a:r>
+              <a:rPr lang="zh-CN" altLang="en-US" dirty="0"/>
+              <a:t>；</a:t>
+            </a:r>
+            <a:endParaRPr lang="en-US" altLang="zh-CN" dirty="0"/>
           </a:p>
         </p:txBody>
       </p:sp>
@@ -2934,7 +2575,7 @@
     </p:spTree>
     <p:extLst>
       <p:ext uri="{BB962C8B-B14F-4D97-AF65-F5344CB8AC3E}">
-        <p14:creationId xmlns:p14="http://schemas.microsoft.com/office/powerpoint/2010/main" val="1786884132"/>
+        <p14:creationId xmlns:p14="http://schemas.microsoft.com/office/powerpoint/2010/main" val="4017787778"/>
       </p:ext>
     </p:extLst>
   </p:cSld>
@@ -2989,18 +2630,372 @@
           <a:lstStyle/>
           <a:p>
             <a:r>
-              <a:rPr lang="zh-CN" altLang="en-US" dirty="0"/>
-              <a:t>和</a:t>
-            </a:r>
-            <a:r>
-              <a:rPr lang="en-US" altLang="zh-CN" dirty="0"/>
-              <a:t>JAVAIO </a:t>
-            </a:r>
-            <a:r>
-              <a:rPr lang="zh-CN" altLang="en-US" dirty="0"/>
-              <a:t>对比</a:t>
-            </a:r>
-            <a:endParaRPr lang="en-US" altLang="zh-CN" dirty="0"/>
+              <a:rPr lang="en-US" altLang="zh-CN" dirty="0"/>
+              <a:t>API</a:t>
+            </a:r>
+            <a:r>
+              <a:rPr lang="zh-CN" altLang="en-US" dirty="0"/>
+              <a:t>设计要厚，不要浅，</a:t>
+            </a:r>
+            <a:r>
+              <a:rPr lang="en-US" altLang="zh-CN" dirty="0" err="1"/>
+              <a:t>com.chainup.exchange.service.PublicService#getPublicInfo</a:t>
+            </a:r>
+            <a:r>
+              <a:rPr lang="en-US" altLang="zh-CN" dirty="0"/>
+              <a:t>  </a:t>
+            </a:r>
+            <a:r>
+              <a:rPr lang="zh-CN" altLang="en-US" dirty="0"/>
+              <a:t>参考 </a:t>
+            </a:r>
+            <a:r>
+              <a:rPr lang="en-US" altLang="zh-CN" dirty="0"/>
+              <a:t>Unix file I/O</a:t>
+            </a:r>
+          </a:p>
+          <a:p>
+            <a:pPr algn="l"/>
+            <a:r>
+              <a:rPr lang="en-US" altLang="zh-CN" dirty="0"/>
+              <a:t>Josh Bloch</a:t>
+            </a:r>
+            <a:r>
+              <a:rPr lang="zh-CN" altLang="en-US" dirty="0"/>
+              <a:t>：</a:t>
+            </a:r>
+            <a:r>
+              <a:rPr lang="en-US" altLang="zh-CN" b="0" i="0" dirty="0">
+                <a:effectLst/>
+                <a:latin typeface="Roboto" panose="02000000000000000000" pitchFamily="2" charset="0"/>
+              </a:rPr>
+              <a:t>Effective Java, Third Edition - </a:t>
+            </a:r>
+            <a:r>
+              <a:rPr lang="en-US" altLang="zh-CN" b="0" i="0" dirty="0" err="1">
+                <a:effectLst/>
+                <a:latin typeface="Roboto" panose="02000000000000000000" pitchFamily="2" charset="0"/>
+              </a:rPr>
+              <a:t>Keepin</a:t>
+            </a:r>
+            <a:r>
+              <a:rPr lang="en-US" altLang="zh-CN" b="0" i="0" dirty="0">
+                <a:effectLst/>
+                <a:latin typeface="Roboto" panose="02000000000000000000" pitchFamily="2" charset="0"/>
+              </a:rPr>
+              <a:t>' it Effective(</a:t>
+            </a:r>
+            <a:r>
+              <a:rPr lang="en-US" altLang="zh-CN" dirty="0">
+                <a:hlinkClick r:id="rId3"/>
+              </a:rPr>
+              <a:t>https://www.youtube.com/watch?v=7qXfoZIqi2Q</a:t>
+            </a:r>
+            <a:r>
+              <a:rPr lang="en-US" altLang="zh-CN" b="0" i="0" dirty="0">
+                <a:effectLst/>
+                <a:latin typeface="Roboto" panose="02000000000000000000" pitchFamily="2" charset="0"/>
+              </a:rPr>
+              <a:t>)</a:t>
+            </a:r>
+            <a:endParaRPr lang="en-US" altLang="zh-CN" dirty="0"/>
+          </a:p>
+          <a:p>
+            <a:r>
+              <a:rPr lang="en-US" altLang="zh-CN" dirty="0"/>
+              <a:t>Josh Bloch</a:t>
+            </a:r>
+            <a:r>
+              <a:rPr lang="zh-CN" altLang="en-US" dirty="0"/>
+              <a:t>：</a:t>
+            </a:r>
+            <a:r>
+              <a:rPr lang="en-US" altLang="zh-CN" dirty="0"/>
+              <a:t>A Brief, Opinionated History of the API</a:t>
+            </a:r>
+            <a:r>
+              <a:rPr lang="zh-CN" altLang="en-US" dirty="0"/>
+              <a:t>（</a:t>
+            </a:r>
+            <a:r>
+              <a:rPr lang="en-US" altLang="zh-CN" dirty="0">
+                <a:hlinkClick r:id="rId4"/>
+              </a:rPr>
+              <a:t>https://www.youtube.com/watch?v=ege-kub1qtk</a:t>
+            </a:r>
+            <a:r>
+              <a:rPr lang="zh-CN" altLang="en-US" dirty="0"/>
+              <a:t>）</a:t>
+            </a:r>
+            <a:endParaRPr lang="en-US" altLang="zh-CN" dirty="0"/>
+          </a:p>
+          <a:p>
+            <a:pPr algn="l"/>
+            <a:r>
+              <a:rPr lang="en-US" altLang="zh-CN" dirty="0"/>
+              <a:t>Josh Bloch</a:t>
+            </a:r>
+            <a:r>
+              <a:rPr lang="zh-CN" altLang="en-US" dirty="0">
+                <a:sym typeface="Wingdings" panose="05000000000000000000" pitchFamily="2" charset="2"/>
+              </a:rPr>
+              <a:t>：</a:t>
+            </a:r>
+            <a:r>
+              <a:rPr lang="en-US" altLang="zh-CN" b="0" i="0" dirty="0">
+                <a:effectLst/>
+                <a:latin typeface="Roboto" panose="02000000000000000000" pitchFamily="2" charset="0"/>
+              </a:rPr>
+              <a:t>How To Design A Good API and Why it Matters</a:t>
+            </a:r>
+            <a:r>
+              <a:rPr lang="zh-CN" altLang="en-US" dirty="0">
+                <a:sym typeface="Wingdings" panose="05000000000000000000" pitchFamily="2" charset="2"/>
+              </a:rPr>
+              <a:t>（</a:t>
+            </a:r>
+            <a:r>
+              <a:rPr lang="en-US" altLang="zh-CN" dirty="0">
+                <a:hlinkClick r:id="rId5"/>
+              </a:rPr>
+              <a:t>https://www.youtube.com/watch?v=heh4OeB9A-c&amp;t=2713s</a:t>
+            </a:r>
+            <a:r>
+              <a:rPr lang="zh-CN" altLang="en-US" dirty="0">
+                <a:sym typeface="Wingdings" panose="05000000000000000000" pitchFamily="2" charset="2"/>
+              </a:rPr>
+              <a:t>）</a:t>
+            </a:r>
+            <a:endParaRPr lang="en-US" altLang="zh-CN" b="0" i="0" u="sng" dirty="0">
+              <a:solidFill>
+                <a:srgbClr val="660099"/>
+              </a:solidFill>
+              <a:effectLst/>
+              <a:latin typeface="arial" panose="020B0604020202020204" pitchFamily="34" charset="0"/>
+              <a:hlinkClick r:id="rId6"/>
+            </a:endParaRPr>
+          </a:p>
+          <a:p>
+            <a:pPr algn="l"/>
+            <a:r>
+              <a:rPr lang="en-US" altLang="zh-CN" b="0" i="0" dirty="0">
+                <a:effectLst/>
+                <a:latin typeface="Roboto" panose="02000000000000000000" pitchFamily="2" charset="0"/>
+              </a:rPr>
+              <a:t>John </a:t>
+            </a:r>
+            <a:r>
+              <a:rPr lang="en-US" altLang="zh-CN" b="0" i="0" dirty="0" err="1">
+                <a:effectLst/>
+                <a:latin typeface="Roboto" panose="02000000000000000000" pitchFamily="2" charset="0"/>
+              </a:rPr>
+              <a:t>Ousterhout</a:t>
+            </a:r>
+            <a:r>
+              <a:rPr lang="en-US" altLang="zh-CN" b="0" i="0" dirty="0">
+                <a:effectLst/>
+                <a:latin typeface="Roboto" panose="02000000000000000000" pitchFamily="2" charset="0"/>
+              </a:rPr>
+              <a:t> </a:t>
+            </a:r>
+            <a:r>
+              <a:rPr lang="zh-CN" altLang="en-US" b="0" i="0" dirty="0">
+                <a:effectLst/>
+                <a:latin typeface="Roboto" panose="02000000000000000000" pitchFamily="2" charset="0"/>
+              </a:rPr>
+              <a:t>：</a:t>
+            </a:r>
+            <a:r>
+              <a:rPr lang="en-US" altLang="zh-CN" b="0" i="0" dirty="0">
+                <a:effectLst/>
+                <a:latin typeface="Roboto" panose="02000000000000000000" pitchFamily="2" charset="0"/>
+              </a:rPr>
+              <a:t>A Philosophy of Software Design  Talks at Google (</a:t>
+            </a:r>
+            <a:r>
+              <a:rPr lang="en-US" altLang="zh-CN" dirty="0">
+                <a:hlinkClick r:id="rId7"/>
+              </a:rPr>
+              <a:t>https://www.youtube.com/watch?reload=9&amp;v=bmSAYlu0NcY</a:t>
+            </a:r>
+            <a:r>
+              <a:rPr lang="en-US" altLang="zh-CN" b="0" i="0" dirty="0">
+                <a:effectLst/>
+                <a:latin typeface="Roboto" panose="02000000000000000000" pitchFamily="2" charset="0"/>
+              </a:rPr>
+              <a:t>)</a:t>
+            </a:r>
+          </a:p>
+          <a:p>
+            <a:pPr algn="l"/>
+            <a:endParaRPr lang="en-US" altLang="zh-CN" b="0" i="0" dirty="0">
+              <a:effectLst/>
+              <a:latin typeface="Roboto" panose="02000000000000000000" pitchFamily="2" charset="0"/>
+            </a:endParaRPr>
+          </a:p>
+          <a:p>
+            <a:pPr algn="l"/>
+            <a:r>
+              <a:rPr lang="en-US" altLang="zh-CN" dirty="0">
+                <a:hlinkClick r:id="rId8"/>
+              </a:rPr>
+              <a:t>http://gdut_yy.gitee.io/doc-aposd/</a:t>
+            </a:r>
+            <a:r>
+              <a:rPr lang="en-US" altLang="zh-CN" b="0" i="0" dirty="0">
+                <a:effectLst/>
+                <a:latin typeface="Roboto" panose="02000000000000000000" pitchFamily="2" charset="0"/>
+              </a:rPr>
+              <a:t>  </a:t>
+            </a:r>
+            <a:r>
+              <a:rPr lang="zh-CN" altLang="en-US" b="0" i="0" dirty="0">
+                <a:effectLst/>
+                <a:latin typeface="Roboto" panose="02000000000000000000" pitchFamily="2" charset="0"/>
+              </a:rPr>
+              <a:t>软件设计哲学书</a:t>
+            </a:r>
+            <a:endParaRPr lang="en-US" altLang="zh-CN" b="0" i="0" dirty="0">
+              <a:effectLst/>
+              <a:latin typeface="Roboto" panose="02000000000000000000" pitchFamily="2" charset="0"/>
+            </a:endParaRPr>
+          </a:p>
+          <a:p>
+            <a:pPr algn="l"/>
+            <a:endParaRPr lang="en-US" altLang="zh-CN" b="0" i="0" dirty="0">
+              <a:effectLst/>
+              <a:latin typeface="Roboto" panose="02000000000000000000" pitchFamily="2" charset="0"/>
+            </a:endParaRPr>
+          </a:p>
+          <a:p>
+            <a:pPr algn="l"/>
+            <a:endParaRPr lang="en-US" altLang="zh-CN" b="0" i="0" dirty="0">
+              <a:effectLst/>
+              <a:latin typeface="Roboto" panose="02000000000000000000" pitchFamily="2" charset="0"/>
+            </a:endParaRPr>
+          </a:p>
+          <a:p>
+            <a:pPr marL="0" marR="0" lvl="0" indent="0" algn="l" defTabSz="914400" rtl="0" eaLnBrk="1" fontAlgn="auto" latinLnBrk="0" hangingPunct="1">
+              <a:lnSpc>
+                <a:spcPct val="100000"/>
+              </a:lnSpc>
+              <a:spcBef>
+                <a:spcPts val="0"/>
+              </a:spcBef>
+              <a:spcAft>
+                <a:spcPts val="0"/>
+              </a:spcAft>
+              <a:buClrTx/>
+              <a:buSzTx/>
+              <a:buFontTx/>
+              <a:buNone/>
+              <a:tabLst/>
+              <a:defRPr/>
+            </a:pPr>
+            <a:r>
+              <a:rPr lang="en-US" altLang="zh-CN" dirty="0"/>
+              <a:t>Cache</a:t>
+            </a:r>
+            <a:r>
+              <a:rPr lang="zh-CN" altLang="en-US" dirty="0"/>
+              <a:t>不是</a:t>
+            </a:r>
+            <a:r>
+              <a:rPr lang="en-US" altLang="zh-CN" dirty="0"/>
+              <a:t>Map</a:t>
+            </a:r>
+            <a:r>
+              <a:rPr lang="zh-CN" altLang="en-US" dirty="0"/>
+              <a:t>（</a:t>
+            </a:r>
+            <a:r>
+              <a:rPr lang="en-US" altLang="zh-CN" dirty="0" err="1"/>
+              <a:t>Leetcode</a:t>
+            </a:r>
+            <a:r>
+              <a:rPr lang="zh-CN" altLang="en-US" dirty="0"/>
+              <a:t>：</a:t>
+            </a:r>
+            <a:r>
+              <a:rPr lang="en-US" altLang="zh-CN" dirty="0" err="1"/>
+              <a:t>LRUCache</a:t>
+            </a:r>
+            <a:r>
+              <a:rPr lang="zh-CN" altLang="en-US" dirty="0"/>
+              <a:t>，</a:t>
+            </a:r>
+            <a:r>
+              <a:rPr lang="en-US" altLang="zh-CN" dirty="0" err="1"/>
+              <a:t>LFUCache</a:t>
+            </a:r>
+            <a:r>
+              <a:rPr lang="zh-CN" altLang="en-US" dirty="0"/>
+              <a:t>） </a:t>
+            </a:r>
+            <a:r>
+              <a:rPr lang="en-US" altLang="zh-CN" dirty="0"/>
+              <a:t>-&gt;Cache</a:t>
+            </a:r>
+            <a:r>
+              <a:rPr lang="zh-CN" altLang="en-US" dirty="0"/>
+              <a:t>是</a:t>
+            </a:r>
+            <a:r>
+              <a:rPr lang="en-US" altLang="zh-CN" dirty="0"/>
+              <a:t>Map</a:t>
+            </a:r>
+            <a:r>
+              <a:rPr lang="zh-CN" altLang="en-US" dirty="0"/>
+              <a:t>（</a:t>
+            </a:r>
+            <a:r>
+              <a:rPr lang="en-US" altLang="zh-CN" dirty="0"/>
+              <a:t>Java Cache</a:t>
+            </a:r>
+            <a:r>
+              <a:rPr lang="zh-CN" altLang="en-US" dirty="0"/>
+              <a:t>实现是</a:t>
+            </a:r>
+            <a:r>
+              <a:rPr lang="en-US" altLang="zh-CN" dirty="0"/>
+              <a:t>Map</a:t>
+            </a:r>
+            <a:r>
+              <a:rPr lang="zh-CN" altLang="en-US" dirty="0"/>
+              <a:t>） </a:t>
+            </a:r>
+            <a:r>
+              <a:rPr lang="en-US" altLang="zh-CN" dirty="0"/>
+              <a:t>-&gt;</a:t>
+            </a:r>
+            <a:r>
+              <a:rPr lang="zh-CN" altLang="en-US" dirty="0"/>
+              <a:t> </a:t>
+            </a:r>
+            <a:r>
+              <a:rPr lang="en-US" altLang="zh-CN" dirty="0"/>
+              <a:t>Cache</a:t>
+            </a:r>
+            <a:r>
+              <a:rPr lang="zh-CN" altLang="en-US" dirty="0"/>
+              <a:t>不是</a:t>
+            </a:r>
+            <a:r>
+              <a:rPr lang="en-US" altLang="zh-CN" dirty="0"/>
+              <a:t>Map</a:t>
+            </a:r>
+            <a:r>
+              <a:rPr lang="zh-CN" altLang="en-US" dirty="0"/>
+              <a:t>（不是一个抽象层次）</a:t>
+            </a:r>
+            <a:endParaRPr lang="en-US" altLang="zh-CN" dirty="0"/>
+          </a:p>
+          <a:p>
+            <a:pPr algn="l"/>
+            <a:endParaRPr lang="en-US" altLang="zh-CN" b="0" i="0" dirty="0">
+              <a:effectLst/>
+              <a:latin typeface="Roboto" panose="02000000000000000000" pitchFamily="2" charset="0"/>
+            </a:endParaRPr>
           </a:p>
         </p:txBody>
       </p:sp>
@@ -3030,7 +3025,7 @@
     </p:spTree>
     <p:extLst>
       <p:ext uri="{BB962C8B-B14F-4D97-AF65-F5344CB8AC3E}">
-        <p14:creationId xmlns:p14="http://schemas.microsoft.com/office/powerpoint/2010/main" val="3958083688"/>
+        <p14:creationId xmlns:p14="http://schemas.microsoft.com/office/powerpoint/2010/main" val="1786884132"/>
       </p:ext>
     </p:extLst>
   </p:cSld>
@@ -3085,21 +3080,18 @@
           <a:lstStyle/>
           <a:p>
             <a:r>
-              <a:rPr lang="en-US" altLang="zh-CN" dirty="0"/>
-              <a:t>AOP</a:t>
-            </a:r>
-            <a:r>
-              <a:rPr lang="zh-CN" altLang="en-US" dirty="0"/>
-              <a:t>核心类图</a:t>
-            </a:r>
-            <a:endParaRPr lang="en-US" altLang="zh-CN" dirty="0"/>
-          </a:p>
-          <a:p>
-            <a:r>
-              <a:rPr lang="en-US" altLang="zh-CN" dirty="0"/>
-              <a:t>Spring-AOP</a:t>
-            </a:r>
-            <a:endParaRPr lang="zh-CN" altLang="en-US" dirty="0"/>
+              <a:rPr lang="zh-CN" altLang="en-US" dirty="0"/>
+              <a:t>和</a:t>
+            </a:r>
+            <a:r>
+              <a:rPr lang="en-US" altLang="zh-CN" dirty="0"/>
+              <a:t>JAVAIO </a:t>
+            </a:r>
+            <a:r>
+              <a:rPr lang="zh-CN" altLang="en-US" dirty="0"/>
+              <a:t>对比</a:t>
+            </a:r>
+            <a:endParaRPr lang="en-US" altLang="zh-CN" dirty="0"/>
           </a:p>
         </p:txBody>
       </p:sp>
@@ -3120,7 +3112,106 @@
           <a:p>
             <a:fld id="{81EB798F-FCE7-4FC5-861E-D54DB0B79715}" type="slidenum">
               <a:rPr lang="zh-CN" altLang="en-US" smtClean="0"/>
-              <a:t>46</a:t>
+              <a:t>44</a:t>
+            </a:fld>
+            <a:endParaRPr lang="zh-CN" altLang="en-US"/>
+          </a:p>
+        </p:txBody>
+      </p:sp>
+    </p:spTree>
+    <p:extLst>
+      <p:ext uri="{BB962C8B-B14F-4D97-AF65-F5344CB8AC3E}">
+        <p14:creationId xmlns:p14="http://schemas.microsoft.com/office/powerpoint/2010/main" val="3958083688"/>
+      </p:ext>
+    </p:extLst>
+  </p:cSld>
+  <p:clrMapOvr>
+    <a:masterClrMapping/>
+  </p:clrMapOvr>
+</p:notes>
+</file>
+
+<file path=ppt/notesSlides/notesSlide26.xml><?xml version="1.0" encoding="utf-8"?>
+<p:notes xmlns:a="http://schemas.openxmlformats.org/drawingml/2006/main" xmlns:r="http://schemas.openxmlformats.org/officeDocument/2006/relationships" xmlns:p="http://schemas.openxmlformats.org/presentationml/2006/main">
+  <p:cSld>
+    <p:spTree>
+      <p:nvGrpSpPr>
+        <p:cNvPr id="1" name=""/>
+        <p:cNvGrpSpPr/>
+        <p:nvPr/>
+      </p:nvGrpSpPr>
+      <p:grpSpPr>
+        <a:xfrm>
+          <a:off x="0" y="0"/>
+          <a:ext cx="0" cy="0"/>
+          <a:chOff x="0" y="0"/>
+          <a:chExt cx="0" cy="0"/>
+        </a:xfrm>
+      </p:grpSpPr>
+      <p:sp>
+        <p:nvSpPr>
+          <p:cNvPr id="2" name="幻灯片图像占位符 1"/>
+          <p:cNvSpPr>
+            <a:spLocks noGrp="1" noRot="1" noChangeAspect="1"/>
+          </p:cNvSpPr>
+          <p:nvPr>
+            <p:ph type="sldImg"/>
+          </p:nvPr>
+        </p:nvSpPr>
+        <p:spPr/>
+      </p:sp>
+      <p:sp>
+        <p:nvSpPr>
+          <p:cNvPr id="3" name="备注占位符 2"/>
+          <p:cNvSpPr>
+            <a:spLocks noGrp="1"/>
+          </p:cNvSpPr>
+          <p:nvPr>
+            <p:ph type="body" idx="1"/>
+          </p:nvPr>
+        </p:nvSpPr>
+        <p:spPr/>
+        <p:txBody>
+          <a:bodyPr/>
+          <a:lstStyle/>
+          <a:p>
+            <a:r>
+              <a:rPr lang="en-US" altLang="zh-CN" dirty="0"/>
+              <a:t>AOP</a:t>
+            </a:r>
+            <a:r>
+              <a:rPr lang="zh-CN" altLang="en-US" dirty="0"/>
+              <a:t>核心类图</a:t>
+            </a:r>
+            <a:endParaRPr lang="en-US" altLang="zh-CN" dirty="0"/>
+          </a:p>
+          <a:p>
+            <a:r>
+              <a:rPr lang="en-US" altLang="zh-CN" dirty="0"/>
+              <a:t>Spring-AOP</a:t>
+            </a:r>
+            <a:endParaRPr lang="zh-CN" altLang="en-US" dirty="0"/>
+          </a:p>
+        </p:txBody>
+      </p:sp>
+      <p:sp>
+        <p:nvSpPr>
+          <p:cNvPr id="4" name="灯片编号占位符 3"/>
+          <p:cNvSpPr>
+            <a:spLocks noGrp="1"/>
+          </p:cNvSpPr>
+          <p:nvPr>
+            <p:ph type="sldNum" sz="quarter" idx="5"/>
+          </p:nvPr>
+        </p:nvSpPr>
+        <p:spPr/>
+        <p:txBody>
+          <a:bodyPr/>
+          <a:lstStyle/>
+          <a:p>
+            <a:fld id="{81EB798F-FCE7-4FC5-861E-D54DB0B79715}" type="slidenum">
+              <a:rPr lang="zh-CN" altLang="en-US" smtClean="0"/>
+              <a:t>47</a:t>
             </a:fld>
             <a:endParaRPr lang="zh-CN" altLang="en-US"/>
           </a:p>
@@ -3360,11 +3451,7 @@
           <a:p>
             <a:r>
               <a:rPr lang="zh-CN" altLang="en-US" dirty="0"/>
-              <a:t>软件设计哲学那本书</a:t>
-            </a:r>
-            <a:r>
-              <a:rPr lang="zh-CN" altLang="en-US"/>
-              <a:t>为主要内容。</a:t>
+              <a:t>软件设计哲学那本书为主要内容。</a:t>
             </a:r>
             <a:endParaRPr lang="en-US" altLang="zh-CN" dirty="0"/>
           </a:p>
@@ -4586,7 +4673,7 @@
           <a:p>
             <a:fld id="{1398570D-3A48-4B43-9C1E-4ADCDDDFDFEA}" type="datetimeFigureOut">
               <a:rPr lang="zh-CN" altLang="en-US" smtClean="0"/>
-              <a:t>2020/10/12</a:t>
+              <a:t>2020/10/14</a:t>
             </a:fld>
             <a:endParaRPr lang="zh-CN" altLang="en-US"/>
           </a:p>
@@ -4784,7 +4871,7 @@
           <a:p>
             <a:fld id="{1398570D-3A48-4B43-9C1E-4ADCDDDFDFEA}" type="datetimeFigureOut">
               <a:rPr lang="zh-CN" altLang="en-US" smtClean="0"/>
-              <a:t>2020/10/12</a:t>
+              <a:t>2020/10/14</a:t>
             </a:fld>
             <a:endParaRPr lang="zh-CN" altLang="en-US"/>
           </a:p>
@@ -4992,7 +5079,7 @@
           <a:p>
             <a:fld id="{1398570D-3A48-4B43-9C1E-4ADCDDDFDFEA}" type="datetimeFigureOut">
               <a:rPr lang="zh-CN" altLang="en-US" smtClean="0"/>
-              <a:t>2020/10/12</a:t>
+              <a:t>2020/10/14</a:t>
             </a:fld>
             <a:endParaRPr lang="zh-CN" altLang="en-US"/>
           </a:p>
@@ -5190,7 +5277,7 @@
           <a:p>
             <a:fld id="{1398570D-3A48-4B43-9C1E-4ADCDDDFDFEA}" type="datetimeFigureOut">
               <a:rPr lang="zh-CN" altLang="en-US" smtClean="0"/>
-              <a:t>2020/10/12</a:t>
+              <a:t>2020/10/14</a:t>
             </a:fld>
             <a:endParaRPr lang="zh-CN" altLang="en-US"/>
           </a:p>
@@ -5465,7 +5552,7 @@
           <a:p>
             <a:fld id="{1398570D-3A48-4B43-9C1E-4ADCDDDFDFEA}" type="datetimeFigureOut">
               <a:rPr lang="zh-CN" altLang="en-US" smtClean="0"/>
-              <a:t>2020/10/12</a:t>
+              <a:t>2020/10/14</a:t>
             </a:fld>
             <a:endParaRPr lang="zh-CN" altLang="en-US"/>
           </a:p>
@@ -5730,7 +5817,7 @@
           <a:p>
             <a:fld id="{1398570D-3A48-4B43-9C1E-4ADCDDDFDFEA}" type="datetimeFigureOut">
               <a:rPr lang="zh-CN" altLang="en-US" smtClean="0"/>
-              <a:t>2020/10/12</a:t>
+              <a:t>2020/10/14</a:t>
             </a:fld>
             <a:endParaRPr lang="zh-CN" altLang="en-US"/>
           </a:p>
@@ -6142,7 +6229,7 @@
           <a:p>
             <a:fld id="{1398570D-3A48-4B43-9C1E-4ADCDDDFDFEA}" type="datetimeFigureOut">
               <a:rPr lang="zh-CN" altLang="en-US" smtClean="0"/>
-              <a:t>2020/10/12</a:t>
+              <a:t>2020/10/14</a:t>
             </a:fld>
             <a:endParaRPr lang="zh-CN" altLang="en-US"/>
           </a:p>
@@ -6283,7 +6370,7 @@
           <a:p>
             <a:fld id="{1398570D-3A48-4B43-9C1E-4ADCDDDFDFEA}" type="datetimeFigureOut">
               <a:rPr lang="zh-CN" altLang="en-US" smtClean="0"/>
-              <a:t>2020/10/12</a:t>
+              <a:t>2020/10/14</a:t>
             </a:fld>
             <a:endParaRPr lang="zh-CN" altLang="en-US"/>
           </a:p>
@@ -6396,7 +6483,7 @@
           <a:p>
             <a:fld id="{1398570D-3A48-4B43-9C1E-4ADCDDDFDFEA}" type="datetimeFigureOut">
               <a:rPr lang="zh-CN" altLang="en-US" smtClean="0"/>
-              <a:t>2020/10/12</a:t>
+              <a:t>2020/10/14</a:t>
             </a:fld>
             <a:endParaRPr lang="zh-CN" altLang="en-US"/>
           </a:p>
@@ -6707,7 +6794,7 @@
           <a:p>
             <a:fld id="{1398570D-3A48-4B43-9C1E-4ADCDDDFDFEA}" type="datetimeFigureOut">
               <a:rPr lang="zh-CN" altLang="en-US" smtClean="0"/>
-              <a:t>2020/10/12</a:t>
+              <a:t>2020/10/14</a:t>
             </a:fld>
             <a:endParaRPr lang="zh-CN" altLang="en-US"/>
           </a:p>
@@ -6995,7 +7082,7 @@
           <a:p>
             <a:fld id="{1398570D-3A48-4B43-9C1E-4ADCDDDFDFEA}" type="datetimeFigureOut">
               <a:rPr lang="zh-CN" altLang="en-US" smtClean="0"/>
-              <a:t>2020/10/12</a:t>
+              <a:t>2020/10/14</a:t>
             </a:fld>
             <a:endParaRPr lang="zh-CN" altLang="en-US"/>
           </a:p>
@@ -7236,7 +7323,7 @@
           <a:p>
             <a:fld id="{1398570D-3A48-4B43-9C1E-4ADCDDDFDFEA}" type="datetimeFigureOut">
               <a:rPr lang="zh-CN" altLang="en-US" smtClean="0"/>
-              <a:t>2020/10/12</a:t>
+              <a:t>2020/10/14</a:t>
             </a:fld>
             <a:endParaRPr lang="zh-CN" altLang="en-US"/>
           </a:p>
@@ -8623,8 +8710,21 @@
                   <a:srgbClr val="FF0000"/>
                 </a:solidFill>
               </a:rPr>
-              <a:t>资源管理和缓存</a:t>
-            </a:r>
+              <a:t>资源管理</a:t>
+            </a:r>
+            <a:r>
+              <a:rPr lang="en-US" altLang="zh-CN" dirty="0">
+                <a:solidFill>
+                  <a:srgbClr val="FF0000"/>
+                </a:solidFill>
+              </a:rPr>
+              <a:t>POSA3</a:t>
+            </a:r>
+            <a:endParaRPr lang="zh-CN" altLang="en-US" dirty="0">
+              <a:solidFill>
+                <a:srgbClr val="FF0000"/>
+              </a:solidFill>
+            </a:endParaRPr>
           </a:p>
         </p:txBody>
       </p:sp>
@@ -8651,23 +8751,152 @@
           <a:p>
             <a:r>
               <a:rPr lang="en-US" altLang="zh-CN" dirty="0"/>
+              <a:t>Resource</a:t>
+            </a:r>
+            <a:r>
+              <a:rPr lang="zh-CN" altLang="en-US" dirty="0"/>
+              <a:t>：计算机，</a:t>
+            </a:r>
+            <a:r>
+              <a:rPr lang="en-US" altLang="zh-CN" dirty="0"/>
+              <a:t>web</a:t>
+            </a:r>
+            <a:r>
+              <a:rPr lang="zh-CN" altLang="en-US" dirty="0"/>
+              <a:t>，</a:t>
+            </a:r>
+            <a:r>
+              <a:rPr lang="en-US" altLang="zh-CN" dirty="0"/>
+              <a:t>Spring</a:t>
+            </a:r>
+            <a:r>
+              <a:rPr lang="zh-CN" altLang="en-US" dirty="0"/>
+              <a:t>，组件，堆</a:t>
+            </a:r>
+            <a:endParaRPr lang="en-US" altLang="zh-CN" dirty="0"/>
+          </a:p>
+          <a:p>
+            <a:r>
+              <a:rPr lang="en-US" altLang="zh-CN" dirty="0"/>
               <a:t>Resource Pattern</a:t>
             </a:r>
           </a:p>
           <a:p>
-            <a:endParaRPr lang="en-US" altLang="zh-CN" dirty="0"/>
-          </a:p>
-          <a:p>
-            <a:endParaRPr lang="en-US" altLang="zh-CN" dirty="0"/>
-          </a:p>
-          <a:p>
-            <a:endParaRPr lang="en-US" altLang="zh-CN" dirty="0"/>
-          </a:p>
-          <a:p>
-            <a:r>
-              <a:rPr lang="en-US" altLang="zh-CN" dirty="0"/>
-              <a:t>Cache Pattern</a:t>
-            </a:r>
+            <a:pPr lvl="1"/>
+            <a:r>
+              <a:rPr lang="zh-CN" altLang="en-US" dirty="0"/>
+              <a:t>资源获取：</a:t>
+            </a:r>
+            <a:r>
+              <a:rPr lang="en-US" altLang="zh-CN" dirty="0" err="1"/>
+              <a:t>LookUp</a:t>
+            </a:r>
+            <a:r>
+              <a:rPr lang="zh-CN" altLang="en-US" dirty="0"/>
+              <a:t>，</a:t>
+            </a:r>
+            <a:r>
+              <a:rPr lang="en-US" altLang="zh-CN" dirty="0"/>
+              <a:t>Lazy Acquisition</a:t>
+            </a:r>
+            <a:r>
+              <a:rPr lang="zh-CN" altLang="en-US" dirty="0"/>
+              <a:t>，</a:t>
+            </a:r>
+            <a:r>
+              <a:rPr lang="en-US" altLang="zh-CN" dirty="0"/>
+              <a:t>Eager Acquisition</a:t>
+            </a:r>
+            <a:r>
+              <a:rPr lang="zh-CN" altLang="en-US" dirty="0"/>
+              <a:t>，</a:t>
+            </a:r>
+            <a:r>
+              <a:rPr lang="en-US" altLang="zh-CN" dirty="0"/>
+              <a:t>Partial Acquisition</a:t>
+            </a:r>
+          </a:p>
+          <a:p>
+            <a:pPr lvl="1"/>
+            <a:r>
+              <a:rPr lang="zh-CN" altLang="en-US" dirty="0"/>
+              <a:t>资源生命周期：</a:t>
+            </a:r>
+            <a:r>
+              <a:rPr lang="en-US" altLang="zh-CN" dirty="0"/>
+              <a:t>Caching</a:t>
+            </a:r>
+            <a:r>
+              <a:rPr lang="zh-CN" altLang="en-US" dirty="0"/>
+              <a:t>，</a:t>
+            </a:r>
+            <a:r>
+              <a:rPr lang="en-US" altLang="zh-CN" dirty="0"/>
+              <a:t>Pooling</a:t>
+            </a:r>
+            <a:r>
+              <a:rPr lang="zh-CN" altLang="en-US" dirty="0"/>
+              <a:t>，</a:t>
+            </a:r>
+            <a:r>
+              <a:rPr lang="en-US" altLang="zh-CN" dirty="0"/>
+              <a:t>Coordinator</a:t>
+            </a:r>
+            <a:r>
+              <a:rPr lang="zh-CN" altLang="en-US" dirty="0"/>
+              <a:t>，</a:t>
+            </a:r>
+            <a:r>
+              <a:rPr lang="en-US" altLang="zh-CN" dirty="0"/>
+              <a:t>Resource Lifecycle Manager</a:t>
+            </a:r>
+          </a:p>
+          <a:p>
+            <a:pPr lvl="1"/>
+            <a:r>
+              <a:rPr lang="zh-CN" altLang="en-US" dirty="0"/>
+              <a:t>资源释放：</a:t>
+            </a:r>
+            <a:r>
+              <a:rPr lang="en-US" altLang="zh-CN" dirty="0"/>
+              <a:t>Leasing</a:t>
+            </a:r>
+            <a:r>
+              <a:rPr lang="zh-CN" altLang="en-US" dirty="0"/>
+              <a:t>，</a:t>
+            </a:r>
+            <a:r>
+              <a:rPr lang="en-US" altLang="zh-CN" dirty="0"/>
+              <a:t>Evictor</a:t>
+            </a:r>
+          </a:p>
+          <a:p>
+            <a:r>
+              <a:rPr lang="en-US" altLang="zh-CN" dirty="0"/>
+              <a:t>Resource Manager</a:t>
+            </a:r>
+            <a:r>
+              <a:rPr lang="zh-CN" altLang="en-US" dirty="0"/>
+              <a:t>？</a:t>
+            </a:r>
+            <a:r>
+              <a:rPr lang="en-US" altLang="zh-CN" dirty="0"/>
+              <a:t>Container</a:t>
+            </a:r>
+          </a:p>
+          <a:p>
+            <a:endParaRPr lang="en-US" altLang="zh-CN" dirty="0"/>
+          </a:p>
+          <a:p>
+            <a:endParaRPr lang="en-US" altLang="zh-CN" dirty="0"/>
+          </a:p>
+          <a:p>
+            <a:endParaRPr lang="en-US" altLang="zh-CN" dirty="0"/>
+          </a:p>
+          <a:p>
+            <a:pPr marL="0" indent="0">
+              <a:buNone/>
+            </a:pPr>
             <a:endParaRPr lang="zh-CN" altLang="en-US" dirty="0"/>
           </a:p>
         </p:txBody>
@@ -9141,60 +9370,40 @@
           <a:chExt cx="0" cy="0"/>
         </a:xfrm>
       </p:grpSpPr>
-      <p:sp>
-        <p:nvSpPr>
-          <p:cNvPr id="5" name="矩形 4">
+      <p:pic>
+        <p:nvPicPr>
+          <p:cNvPr id="7" name="图片 6">
             <a:extLst>
               <a:ext uri="{FF2B5EF4-FFF2-40B4-BE49-F238E27FC236}">
-                <a16:creationId xmlns:a16="http://schemas.microsoft.com/office/drawing/2014/main" id="{772F4626-152A-43B3-B1F6-E1CA96BCA947}"/>
+                <a16:creationId xmlns:a16="http://schemas.microsoft.com/office/drawing/2014/main" id="{89B27B1D-645A-4A46-9732-9008F4FB47AC}"/>
               </a:ext>
             </a:extLst>
           </p:cNvPr>
-          <p:cNvSpPr/>
+          <p:cNvPicPr>
+            <a:picLocks noChangeAspect="1"/>
+          </p:cNvPicPr>
           <p:nvPr/>
-        </p:nvSpPr>
+        </p:nvPicPr>
+        <p:blipFill>
+          <a:blip r:embed="rId2"/>
+          <a:stretch>
+            <a:fillRect/>
+          </a:stretch>
+        </p:blipFill>
         <p:spPr>
           <a:xfrm>
-            <a:off x="0" y="2133600"/>
-            <a:ext cx="12192000" cy="1669774"/>
+            <a:off x="3060635" y="0"/>
+            <a:ext cx="6070730" cy="6858000"/>
           </a:xfrm>
           <a:prstGeom prst="rect">
             <a:avLst/>
           </a:prstGeom>
         </p:spPr>
-        <p:style>
-          <a:lnRef idx="2">
-            <a:schemeClr val="accent1">
-              <a:shade val="50000"/>
-            </a:schemeClr>
-          </a:lnRef>
-          <a:fillRef idx="1">
-            <a:schemeClr val="accent1"/>
-          </a:fillRef>
-          <a:effectRef idx="0">
-            <a:schemeClr val="accent1"/>
-          </a:effectRef>
-          <a:fontRef idx="minor">
-            <a:schemeClr val="lt1"/>
-          </a:fontRef>
-        </p:style>
-        <p:txBody>
-          <a:bodyPr rtlCol="0" anchor="ctr"/>
-          <a:lstStyle/>
-          <a:p>
-            <a:pPr algn="ctr"/>
-            <a:r>
-              <a:rPr lang="en-US" altLang="zh-CN" sz="4800" dirty="0"/>
-              <a:t>3. OOADP</a:t>
-            </a:r>
-            <a:endParaRPr lang="zh-CN" altLang="en-US" sz="4800" dirty="0"/>
-          </a:p>
-        </p:txBody>
-      </p:sp>
+      </p:pic>
     </p:spTree>
     <p:extLst>
       <p:ext uri="{BB962C8B-B14F-4D97-AF65-F5344CB8AC3E}">
-        <p14:creationId xmlns:p14="http://schemas.microsoft.com/office/powerpoint/2010/main" val="2763383156"/>
+        <p14:creationId xmlns:p14="http://schemas.microsoft.com/office/powerpoint/2010/main" val="3725481068"/>
       </p:ext>
     </p:extLst>
   </p:cSld>
@@ -9223,269 +9432,58 @@
       </p:grpSpPr>
       <p:sp>
         <p:nvSpPr>
-          <p:cNvPr id="2" name="标题 1">
+          <p:cNvPr id="5" name="矩形 4">
             <a:extLst>
               <a:ext uri="{FF2B5EF4-FFF2-40B4-BE49-F238E27FC236}">
-                <a16:creationId xmlns:a16="http://schemas.microsoft.com/office/drawing/2014/main" id="{81C915D7-3C1E-4E5A-86F1-CDADE45C0203}"/>
+                <a16:creationId xmlns:a16="http://schemas.microsoft.com/office/drawing/2014/main" id="{772F4626-152A-43B3-B1F6-E1CA96BCA947}"/>
               </a:ext>
             </a:extLst>
           </p:cNvPr>
-          <p:cNvSpPr>
-            <a:spLocks noGrp="1"/>
-          </p:cNvSpPr>
-          <p:nvPr>
-            <p:ph type="title"/>
-          </p:nvPr>
-        </p:nvSpPr>
-        <p:spPr/>
-        <p:txBody>
-          <a:bodyPr/>
-          <a:lstStyle/>
-          <a:p>
-            <a:r>
-              <a:rPr lang="en-US" altLang="zh-CN" dirty="0">
-                <a:solidFill>
-                  <a:srgbClr val="FF0000"/>
-                </a:solidFill>
-              </a:rPr>
-              <a:t>OOADP</a:t>
-            </a:r>
-            <a:endParaRPr lang="zh-CN" altLang="en-US" dirty="0">
-              <a:solidFill>
-                <a:srgbClr val="FF0000"/>
-              </a:solidFill>
-            </a:endParaRPr>
-          </a:p>
-        </p:txBody>
-      </p:sp>
-      <p:sp>
-        <p:nvSpPr>
-          <p:cNvPr id="3" name="内容占位符 2">
-            <a:extLst>
-              <a:ext uri="{FF2B5EF4-FFF2-40B4-BE49-F238E27FC236}">
-                <a16:creationId xmlns:a16="http://schemas.microsoft.com/office/drawing/2014/main" id="{6FEE6E2C-6CE0-4C29-9BFD-BDAA8E279F0A}"/>
-              </a:ext>
-            </a:extLst>
-          </p:cNvPr>
-          <p:cNvSpPr>
-            <a:spLocks noGrp="1"/>
-          </p:cNvSpPr>
-          <p:nvPr>
-            <p:ph idx="1"/>
-          </p:nvPr>
-        </p:nvSpPr>
-        <p:spPr/>
-        <p:txBody>
-          <a:bodyPr>
-            <a:normAutofit fontScale="92500" lnSpcReduction="20000"/>
-          </a:bodyPr>
-          <a:lstStyle/>
-          <a:p>
-            <a:pPr marL="0" indent="0">
-              <a:buNone/>
-            </a:pPr>
-            <a:r>
-              <a:rPr lang="zh-CN" altLang="en-US" dirty="0"/>
-              <a:t>思想核心：分类思想</a:t>
-            </a:r>
-            <a:endParaRPr lang="en-US" altLang="zh-CN" dirty="0"/>
-          </a:p>
-          <a:p>
-            <a:r>
-              <a:rPr lang="en-US" altLang="zh-CN" sz="2000" dirty="0"/>
-              <a:t>1   </a:t>
-            </a:r>
-            <a:r>
-              <a:rPr lang="zh-CN" altLang="en-US" sz="2000" dirty="0"/>
-              <a:t>抽象</a:t>
-            </a:r>
-            <a:endParaRPr lang="en-US" altLang="zh-CN" sz="2000" dirty="0"/>
-          </a:p>
-          <a:p>
-            <a:r>
-              <a:rPr lang="en-US" altLang="zh-CN" sz="2000" dirty="0"/>
-              <a:t>2   </a:t>
-            </a:r>
-            <a:r>
-              <a:rPr lang="zh-CN" altLang="en-US" sz="2000" dirty="0"/>
-              <a:t>封装</a:t>
-            </a:r>
-            <a:endParaRPr lang="en-US" altLang="zh-CN" sz="2000" dirty="0"/>
-          </a:p>
-          <a:p>
-            <a:r>
-              <a:rPr lang="en-US" altLang="zh-CN" sz="2000" dirty="0"/>
-              <a:t>3   </a:t>
-            </a:r>
-            <a:r>
-              <a:rPr lang="zh-CN" altLang="en-US" sz="2000" dirty="0"/>
-              <a:t>模块化</a:t>
-            </a:r>
-            <a:endParaRPr lang="en-US" altLang="zh-CN" sz="2000" dirty="0"/>
-          </a:p>
-          <a:p>
-            <a:r>
-              <a:rPr lang="en-US" altLang="zh-CN" sz="2000" dirty="0"/>
-              <a:t>4   </a:t>
-            </a:r>
-            <a:r>
-              <a:rPr lang="zh-CN" altLang="en-US" sz="2000" dirty="0"/>
-              <a:t>层次化</a:t>
-            </a:r>
-            <a:endParaRPr lang="en-US" altLang="zh-CN" sz="2000" dirty="0"/>
-          </a:p>
-          <a:p>
-            <a:endParaRPr lang="en-US" altLang="zh-CN" sz="2000" dirty="0"/>
-          </a:p>
-          <a:p>
-            <a:r>
-              <a:rPr lang="en-US" altLang="zh-CN" sz="2000" dirty="0"/>
-              <a:t>OO</a:t>
-            </a:r>
-          </a:p>
-          <a:p>
-            <a:r>
-              <a:rPr lang="zh-CN" altLang="en-US" sz="2000" dirty="0"/>
-              <a:t>封装，继承，多态，组合</a:t>
-            </a:r>
-            <a:endParaRPr lang="en-US" altLang="zh-CN" sz="2000" dirty="0"/>
-          </a:p>
-          <a:p>
-            <a:endParaRPr lang="en-US" altLang="zh-CN" sz="2000" dirty="0"/>
-          </a:p>
-          <a:p>
-            <a:r>
-              <a:rPr lang="en-US" altLang="zh-CN" sz="2000" dirty="0"/>
-              <a:t>OOA</a:t>
-            </a:r>
-            <a:r>
-              <a:rPr lang="zh-CN" altLang="en-US" sz="2000" dirty="0"/>
-              <a:t>：从问题域词汇表确定类</a:t>
-            </a:r>
-            <a:r>
-              <a:rPr lang="en-US" altLang="zh-CN" sz="2000" dirty="0"/>
-              <a:t>(</a:t>
-            </a:r>
-            <a:r>
-              <a:rPr lang="zh-CN" altLang="en-US" sz="2000" dirty="0"/>
-              <a:t>关键抽象</a:t>
-            </a:r>
-            <a:r>
-              <a:rPr lang="en-US" altLang="zh-CN" sz="2000" dirty="0"/>
-              <a:t>)</a:t>
-            </a:r>
-            <a:r>
-              <a:rPr lang="zh-CN" altLang="en-US" sz="2000" dirty="0"/>
-              <a:t>，创建协作结构</a:t>
-            </a:r>
-            <a:r>
-              <a:rPr lang="en-US" altLang="zh-CN" sz="2000" dirty="0"/>
-              <a:t>(</a:t>
-            </a:r>
-            <a:r>
-              <a:rPr lang="zh-CN" altLang="en-US" sz="2000" dirty="0"/>
-              <a:t>机制</a:t>
-            </a:r>
-            <a:r>
-              <a:rPr lang="en-US" altLang="zh-CN" sz="2000" dirty="0"/>
-              <a:t>)</a:t>
-            </a:r>
-            <a:r>
-              <a:rPr lang="zh-CN" altLang="en-US" sz="2000" dirty="0"/>
-              <a:t>，多组对象一起工作，满足需求，</a:t>
-            </a:r>
-            <a:endParaRPr lang="en-US" altLang="zh-CN" sz="2000" dirty="0"/>
-          </a:p>
-          <a:p>
-            <a:r>
-              <a:rPr lang="en-US" altLang="zh-CN" sz="2000" b="1" dirty="0">
-                <a:solidFill>
-                  <a:srgbClr val="FF0000"/>
-                </a:solidFill>
-              </a:rPr>
-              <a:t>OOD</a:t>
-            </a:r>
-            <a:r>
-              <a:rPr lang="zh-CN" altLang="en-US" sz="2000" b="1" dirty="0">
-                <a:solidFill>
-                  <a:srgbClr val="FF0000"/>
-                </a:solidFill>
-              </a:rPr>
-              <a:t>：</a:t>
-            </a:r>
-            <a:r>
-              <a:rPr lang="en-US" altLang="zh-CN" sz="2000" b="1" dirty="0">
-                <a:solidFill>
-                  <a:srgbClr val="FF0000"/>
-                </a:solidFill>
-              </a:rPr>
-              <a:t>RDD</a:t>
-            </a:r>
-            <a:r>
-              <a:rPr lang="zh-CN" altLang="en-US" sz="2000" b="1" dirty="0">
-                <a:solidFill>
-                  <a:srgbClr val="FF0000"/>
-                </a:solidFill>
-              </a:rPr>
-              <a:t>，</a:t>
-            </a:r>
-            <a:r>
-              <a:rPr lang="en-US" altLang="zh-CN" sz="2000" b="1" dirty="0">
-                <a:solidFill>
-                  <a:srgbClr val="FF0000"/>
-                </a:solidFill>
-              </a:rPr>
-              <a:t>GRASP</a:t>
-            </a:r>
-            <a:r>
-              <a:rPr lang="zh-CN" altLang="en-US" sz="2000" b="1" dirty="0">
-                <a:solidFill>
-                  <a:srgbClr val="FF0000"/>
-                </a:solidFill>
-              </a:rPr>
-              <a:t>，</a:t>
-            </a:r>
-            <a:r>
-              <a:rPr lang="en-US" altLang="zh-CN" sz="2000" b="1" dirty="0">
-                <a:solidFill>
-                  <a:srgbClr val="FF0000"/>
-                </a:solidFill>
-              </a:rPr>
-              <a:t>GOF</a:t>
-            </a:r>
-          </a:p>
-          <a:p>
-            <a:r>
-              <a:rPr lang="en-US" altLang="zh-CN" sz="2000" dirty="0"/>
-              <a:t>OOP: </a:t>
-            </a:r>
-            <a:r>
-              <a:rPr lang="zh-CN" altLang="en-US" sz="2000" dirty="0"/>
-              <a:t>类和对象，接口，抽象类，方法，消息</a:t>
-            </a:r>
-            <a:endParaRPr lang="en-US" altLang="zh-CN" sz="2000" dirty="0"/>
-          </a:p>
-          <a:p>
-            <a:endParaRPr lang="en-US" altLang="zh-CN" sz="2000" dirty="0"/>
-          </a:p>
-          <a:p>
-            <a:pPr marL="0" indent="0">
-              <a:buNone/>
-            </a:pPr>
-            <a:endParaRPr lang="en-US" altLang="zh-CN" sz="2000" dirty="0"/>
-          </a:p>
-          <a:p>
-            <a:endParaRPr lang="en-US" altLang="zh-CN" dirty="0"/>
-          </a:p>
-          <a:p>
-            <a:endParaRPr lang="zh-CN" altLang="en-US" dirty="0"/>
+          <p:cNvSpPr/>
+          <p:nvPr/>
+        </p:nvSpPr>
+        <p:spPr>
+          <a:xfrm>
+            <a:off x="0" y="2133600"/>
+            <a:ext cx="12192000" cy="1669774"/>
+          </a:xfrm>
+          <a:prstGeom prst="rect">
+            <a:avLst/>
+          </a:prstGeom>
+        </p:spPr>
+        <p:style>
+          <a:lnRef idx="2">
+            <a:schemeClr val="accent1">
+              <a:shade val="50000"/>
+            </a:schemeClr>
+          </a:lnRef>
+          <a:fillRef idx="1">
+            <a:schemeClr val="accent1"/>
+          </a:fillRef>
+          <a:effectRef idx="0">
+            <a:schemeClr val="accent1"/>
+          </a:effectRef>
+          <a:fontRef idx="minor">
+            <a:schemeClr val="lt1"/>
+          </a:fontRef>
+        </p:style>
+        <p:txBody>
+          <a:bodyPr rtlCol="0" anchor="ctr"/>
+          <a:lstStyle/>
+          <a:p>
+            <a:pPr algn="ctr"/>
+            <a:r>
+              <a:rPr lang="en-US" altLang="zh-CN" sz="4800" dirty="0"/>
+              <a:t>3. OOADP</a:t>
+            </a:r>
+            <a:endParaRPr lang="zh-CN" altLang="en-US" sz="4800" dirty="0"/>
           </a:p>
         </p:txBody>
       </p:sp>
     </p:spTree>
     <p:extLst>
       <p:ext uri="{BB962C8B-B14F-4D97-AF65-F5344CB8AC3E}">
-        <p14:creationId xmlns:p14="http://schemas.microsoft.com/office/powerpoint/2010/main" val="1929298803"/>
+        <p14:creationId xmlns:p14="http://schemas.microsoft.com/office/powerpoint/2010/main" val="2763383156"/>
       </p:ext>
     </p:extLst>
   </p:cSld>
@@ -9854,7 +9852,7 @@
           <p:cNvPr id="2" name="标题 1">
             <a:extLst>
               <a:ext uri="{FF2B5EF4-FFF2-40B4-BE49-F238E27FC236}">
-                <a16:creationId xmlns:a16="http://schemas.microsoft.com/office/drawing/2014/main" id="{0CB71D8E-4B1C-4417-812A-5FF35F14D2C2}"/>
+                <a16:creationId xmlns:a16="http://schemas.microsoft.com/office/drawing/2014/main" id="{81C915D7-3C1E-4E5A-86F1-CDADE45C0203}"/>
               </a:ext>
             </a:extLst>
           </p:cNvPr>
@@ -9876,7 +9874,7 @@
                   <a:srgbClr val="FF0000"/>
                 </a:solidFill>
               </a:rPr>
-              <a:t>OOA</a:t>
+              <a:t>OOADP</a:t>
             </a:r>
             <a:endParaRPr lang="zh-CN" altLang="en-US" dirty="0">
               <a:solidFill>
@@ -9891,7 +9889,7 @@
           <p:cNvPr id="3" name="内容占位符 2">
             <a:extLst>
               <a:ext uri="{FF2B5EF4-FFF2-40B4-BE49-F238E27FC236}">
-                <a16:creationId xmlns:a16="http://schemas.microsoft.com/office/drawing/2014/main" id="{68FDA2F3-AEDA-4DF5-9327-9B95DBB64A37}"/>
+                <a16:creationId xmlns:a16="http://schemas.microsoft.com/office/drawing/2014/main" id="{6FEE6E2C-6CE0-4C29-9BFD-BDAA8E279F0A}"/>
               </a:ext>
             </a:extLst>
           </p:cNvPr>
@@ -9904,61 +9902,216 @@
         </p:nvSpPr>
         <p:spPr/>
         <p:txBody>
-          <a:bodyPr/>
-          <a:lstStyle/>
-          <a:p>
-            <a:r>
-              <a:rPr lang="zh-CN" altLang="en-US" dirty="0"/>
-              <a:t>经典方法</a:t>
-            </a:r>
-            <a:endParaRPr lang="en-US" altLang="zh-CN" dirty="0"/>
-          </a:p>
-          <a:p>
-            <a:r>
-              <a:rPr lang="zh-CN" altLang="en-US" dirty="0"/>
-              <a:t>行为分析</a:t>
-            </a:r>
-            <a:endParaRPr lang="en-US" altLang="zh-CN" dirty="0"/>
-          </a:p>
-          <a:p>
-            <a:r>
-              <a:rPr lang="zh-CN" altLang="en-US" dirty="0"/>
-              <a:t>领域分析</a:t>
-            </a:r>
-            <a:endParaRPr lang="en-US" altLang="zh-CN" dirty="0"/>
-          </a:p>
-          <a:p>
-            <a:r>
-              <a:rPr lang="zh-CN" altLang="en-US" dirty="0"/>
-              <a:t>用例分析</a:t>
-            </a:r>
-            <a:endParaRPr lang="en-US" altLang="zh-CN" dirty="0"/>
-          </a:p>
-          <a:p>
-            <a:r>
-              <a:rPr lang="en-US" altLang="zh-CN" dirty="0"/>
-              <a:t>CRC</a:t>
-            </a:r>
-          </a:p>
-          <a:p>
-            <a:r>
-              <a:rPr lang="zh-CN" altLang="en-US" dirty="0"/>
-              <a:t>非正式描述</a:t>
-            </a:r>
-            <a:endParaRPr lang="en-US" altLang="zh-CN" dirty="0"/>
-          </a:p>
-          <a:p>
-            <a:r>
-              <a:rPr lang="zh-CN" altLang="en-US" dirty="0"/>
-              <a:t>结构化分析</a:t>
-            </a:r>
+          <a:bodyPr>
+            <a:normAutofit fontScale="92500" lnSpcReduction="20000"/>
+          </a:bodyPr>
+          <a:lstStyle/>
+          <a:p>
+            <a:pPr marL="0" indent="0">
+              <a:buNone/>
+            </a:pPr>
+            <a:r>
+              <a:rPr lang="zh-CN" altLang="en-US" dirty="0"/>
+              <a:t>思想核心：分类思想</a:t>
+            </a:r>
+            <a:endParaRPr lang="en-US" altLang="zh-CN" dirty="0"/>
+          </a:p>
+          <a:p>
+            <a:r>
+              <a:rPr lang="en-US" altLang="zh-CN" sz="2000" dirty="0"/>
+              <a:t>1   </a:t>
+            </a:r>
+            <a:r>
+              <a:rPr lang="zh-CN" altLang="en-US" sz="2000" dirty="0"/>
+              <a:t>抽象</a:t>
+            </a:r>
+            <a:endParaRPr lang="en-US" altLang="zh-CN" sz="2000" dirty="0"/>
+          </a:p>
+          <a:p>
+            <a:r>
+              <a:rPr lang="en-US" altLang="zh-CN" sz="2000" dirty="0"/>
+              <a:t>2   </a:t>
+            </a:r>
+            <a:r>
+              <a:rPr lang="zh-CN" altLang="en-US" sz="2000" dirty="0"/>
+              <a:t>封装</a:t>
+            </a:r>
+            <a:endParaRPr lang="en-US" altLang="zh-CN" sz="2000" dirty="0"/>
+          </a:p>
+          <a:p>
+            <a:r>
+              <a:rPr lang="en-US" altLang="zh-CN" sz="2000" dirty="0"/>
+              <a:t>3   </a:t>
+            </a:r>
+            <a:r>
+              <a:rPr lang="zh-CN" altLang="en-US" sz="2000" dirty="0"/>
+              <a:t>模块化</a:t>
+            </a:r>
+            <a:endParaRPr lang="en-US" altLang="zh-CN" sz="2000" dirty="0"/>
+          </a:p>
+          <a:p>
+            <a:r>
+              <a:rPr lang="en-US" altLang="zh-CN" sz="2000" dirty="0"/>
+              <a:t>4   </a:t>
+            </a:r>
+            <a:r>
+              <a:rPr lang="zh-CN" altLang="en-US" sz="2000" dirty="0"/>
+              <a:t>层次化</a:t>
+            </a:r>
+            <a:endParaRPr lang="en-US" altLang="zh-CN" sz="2000" dirty="0"/>
+          </a:p>
+          <a:p>
+            <a:endParaRPr lang="en-US" altLang="zh-CN" sz="2000" dirty="0"/>
+          </a:p>
+          <a:p>
+            <a:r>
+              <a:rPr lang="en-US" altLang="zh-CN" sz="2000" dirty="0"/>
+              <a:t>OO</a:t>
+            </a:r>
+          </a:p>
+          <a:p>
+            <a:r>
+              <a:rPr lang="zh-CN" altLang="en-US" sz="2000" dirty="0"/>
+              <a:t>封装，继承，多态，组合</a:t>
+            </a:r>
+            <a:endParaRPr lang="en-US" altLang="zh-CN" sz="2000" dirty="0"/>
+          </a:p>
+          <a:p>
+            <a:endParaRPr lang="en-US" altLang="zh-CN" sz="2000" dirty="0"/>
+          </a:p>
+          <a:p>
+            <a:r>
+              <a:rPr lang="en-US" altLang="zh-CN" sz="2000" dirty="0"/>
+              <a:t>OOA</a:t>
+            </a:r>
+            <a:r>
+              <a:rPr lang="zh-CN" altLang="en-US" sz="2000" dirty="0"/>
+              <a:t>：从问题域词汇表确定类</a:t>
+            </a:r>
+            <a:r>
+              <a:rPr lang="en-US" altLang="zh-CN" sz="2000" dirty="0"/>
+              <a:t>(</a:t>
+            </a:r>
+            <a:r>
+              <a:rPr lang="zh-CN" altLang="en-US" sz="2000" dirty="0"/>
+              <a:t>关键抽象</a:t>
+            </a:r>
+            <a:r>
+              <a:rPr lang="en-US" altLang="zh-CN" sz="2000" dirty="0"/>
+              <a:t>)</a:t>
+            </a:r>
+            <a:r>
+              <a:rPr lang="zh-CN" altLang="en-US" sz="2000" dirty="0"/>
+              <a:t>，创建协作结构</a:t>
+            </a:r>
+            <a:r>
+              <a:rPr lang="en-US" altLang="zh-CN" sz="2000" dirty="0"/>
+              <a:t>(</a:t>
+            </a:r>
+            <a:r>
+              <a:rPr lang="zh-CN" altLang="en-US" sz="2000" dirty="0"/>
+              <a:t>机制</a:t>
+            </a:r>
+            <a:r>
+              <a:rPr lang="en-US" altLang="zh-CN" sz="2000" dirty="0"/>
+              <a:t>)</a:t>
+            </a:r>
+            <a:r>
+              <a:rPr lang="zh-CN" altLang="en-US" sz="2000" dirty="0"/>
+              <a:t>，多组对象一起工作，满足需求，</a:t>
+            </a:r>
+            <a:endParaRPr lang="en-US" altLang="zh-CN" sz="2000" dirty="0"/>
+          </a:p>
+          <a:p>
+            <a:r>
+              <a:rPr lang="en-US" altLang="zh-CN" sz="2000" b="1" dirty="0">
+                <a:solidFill>
+                  <a:srgbClr val="FF0000"/>
+                </a:solidFill>
+              </a:rPr>
+              <a:t>OOD</a:t>
+            </a:r>
+            <a:r>
+              <a:rPr lang="zh-CN" altLang="en-US" sz="2000" b="1" dirty="0">
+                <a:solidFill>
+                  <a:srgbClr val="FF0000"/>
+                </a:solidFill>
+              </a:rPr>
+              <a:t>：</a:t>
+            </a:r>
+            <a:r>
+              <a:rPr lang="en-US" altLang="zh-CN" sz="2000" b="1" dirty="0">
+                <a:solidFill>
+                  <a:srgbClr val="FF0000"/>
+                </a:solidFill>
+              </a:rPr>
+              <a:t>RDD</a:t>
+            </a:r>
+            <a:r>
+              <a:rPr lang="zh-CN" altLang="en-US" sz="2000" b="1" dirty="0">
+                <a:solidFill>
+                  <a:srgbClr val="FF0000"/>
+                </a:solidFill>
+              </a:rPr>
+              <a:t>，</a:t>
+            </a:r>
+            <a:r>
+              <a:rPr lang="en-US" altLang="zh-CN" sz="2000" b="1" dirty="0">
+                <a:solidFill>
+                  <a:srgbClr val="FF0000"/>
+                </a:solidFill>
+              </a:rPr>
+              <a:t>GRASP</a:t>
+            </a:r>
+            <a:r>
+              <a:rPr lang="zh-CN" altLang="en-US" sz="2000" b="1" dirty="0">
+                <a:solidFill>
+                  <a:srgbClr val="FF0000"/>
+                </a:solidFill>
+              </a:rPr>
+              <a:t>，</a:t>
+            </a:r>
+            <a:r>
+              <a:rPr lang="en-US" altLang="zh-CN" sz="2000" b="1" dirty="0">
+                <a:solidFill>
+                  <a:srgbClr val="FF0000"/>
+                </a:solidFill>
+              </a:rPr>
+              <a:t>GOF</a:t>
+            </a:r>
+          </a:p>
+          <a:p>
+            <a:r>
+              <a:rPr lang="en-US" altLang="zh-CN" sz="2000" dirty="0"/>
+              <a:t>OOP: </a:t>
+            </a:r>
+            <a:r>
+              <a:rPr lang="zh-CN" altLang="en-US" sz="2000" dirty="0"/>
+              <a:t>类和对象，接口，抽象类，方法，消息</a:t>
+            </a:r>
+            <a:endParaRPr lang="en-US" altLang="zh-CN" sz="2000" dirty="0"/>
+          </a:p>
+          <a:p>
+            <a:endParaRPr lang="en-US" altLang="zh-CN" sz="2000" dirty="0"/>
+          </a:p>
+          <a:p>
+            <a:pPr marL="0" indent="0">
+              <a:buNone/>
+            </a:pPr>
+            <a:endParaRPr lang="en-US" altLang="zh-CN" sz="2000" dirty="0"/>
+          </a:p>
+          <a:p>
+            <a:endParaRPr lang="en-US" altLang="zh-CN" dirty="0"/>
+          </a:p>
+          <a:p>
+            <a:endParaRPr lang="zh-CN" altLang="en-US" dirty="0"/>
           </a:p>
         </p:txBody>
       </p:sp>
     </p:spTree>
     <p:extLst>
       <p:ext uri="{BB962C8B-B14F-4D97-AF65-F5344CB8AC3E}">
-        <p14:creationId xmlns:p14="http://schemas.microsoft.com/office/powerpoint/2010/main" val="1604052164"/>
+        <p14:creationId xmlns:p14="http://schemas.microsoft.com/office/powerpoint/2010/main" val="1929298803"/>
       </p:ext>
     </p:extLst>
   </p:cSld>
@@ -9990,7 +10143,7 @@
           <p:cNvPr id="2" name="标题 1">
             <a:extLst>
               <a:ext uri="{FF2B5EF4-FFF2-40B4-BE49-F238E27FC236}">
-                <a16:creationId xmlns:a16="http://schemas.microsoft.com/office/drawing/2014/main" id="{855D5FD8-7AE2-4BFA-8003-6A82D9C666C7}"/>
+                <a16:creationId xmlns:a16="http://schemas.microsoft.com/office/drawing/2014/main" id="{0CB71D8E-4B1C-4417-812A-5FF35F14D2C2}"/>
               </a:ext>
             </a:extLst>
           </p:cNvPr>
@@ -10012,32 +10165,13 @@
                   <a:srgbClr val="FF0000"/>
                 </a:solidFill>
               </a:rPr>
-              <a:t>OOAD</a:t>
-            </a:r>
-            <a:r>
-              <a:rPr lang="zh-CN" altLang="en-US" dirty="0">
-                <a:solidFill>
-                  <a:srgbClr val="FF0000"/>
-                </a:solidFill>
-              </a:rPr>
-              <a:t>场景</a:t>
-            </a:r>
-            <a:r>
-              <a:rPr lang="en-US" altLang="zh-CN" dirty="0">
-                <a:solidFill>
-                  <a:srgbClr val="FF0000"/>
-                </a:solidFill>
-              </a:rPr>
-              <a:t>1-</a:t>
-            </a:r>
-            <a:r>
-              <a:rPr lang="zh-CN" altLang="en-US" dirty="0">
-                <a:solidFill>
-                  <a:srgbClr val="FF0000"/>
-                </a:solidFill>
-              </a:rPr>
-              <a:t>重构</a:t>
-            </a:r>
+              <a:t>OOA</a:t>
+            </a:r>
+            <a:endParaRPr lang="zh-CN" altLang="en-US" dirty="0">
+              <a:solidFill>
+                <a:srgbClr val="FF0000"/>
+              </a:solidFill>
+            </a:endParaRPr>
           </a:p>
         </p:txBody>
       </p:sp>
@@ -10046,7 +10180,7 @@
           <p:cNvPr id="3" name="内容占位符 2">
             <a:extLst>
               <a:ext uri="{FF2B5EF4-FFF2-40B4-BE49-F238E27FC236}">
-                <a16:creationId xmlns:a16="http://schemas.microsoft.com/office/drawing/2014/main" id="{D017DDCF-3972-4D9F-A03D-0144BB666B0D}"/>
+                <a16:creationId xmlns:a16="http://schemas.microsoft.com/office/drawing/2014/main" id="{68FDA2F3-AEDA-4DF5-9327-9B95DBB64A37}"/>
               </a:ext>
             </a:extLst>
           </p:cNvPr>
@@ -10059,144 +10193,61 @@
         </p:nvSpPr>
         <p:spPr/>
         <p:txBody>
-          <a:bodyPr>
-            <a:normAutofit fontScale="85000" lnSpcReduction="20000"/>
-          </a:bodyPr>
-          <a:lstStyle/>
-          <a:p>
-            <a:r>
-              <a:rPr lang="zh-CN" altLang="en-US" dirty="0"/>
-              <a:t>重构哪些？</a:t>
-            </a:r>
-            <a:endParaRPr lang="en-US" altLang="zh-CN" dirty="0"/>
-          </a:p>
-          <a:p>
-            <a:r>
-              <a:rPr lang="en-US" altLang="zh-CN" dirty="0"/>
-              <a:t>@Refactor Project </a:t>
-            </a:r>
-          </a:p>
-          <a:p>
-            <a:r>
-              <a:rPr lang="en-US" altLang="zh-CN" dirty="0">
-                <a:hlinkClick r:id="rId3"/>
-              </a:rPr>
-              <a:t>https://github.com/xiaozhiliaoo/refactor</a:t>
-            </a:r>
-            <a:endParaRPr lang="en-US" altLang="zh-CN" dirty="0"/>
-          </a:p>
-          <a:p>
-            <a:r>
-              <a:rPr lang="en-US" altLang="zh-CN" dirty="0"/>
-              <a:t>&lt;dependency&gt;</a:t>
-            </a:r>
-          </a:p>
-          <a:p>
-            <a:r>
-              <a:rPr lang="en-US" altLang="zh-CN" dirty="0"/>
-              <a:t>    &lt;</a:t>
-            </a:r>
-            <a:r>
-              <a:rPr lang="en-US" altLang="zh-CN" dirty="0" err="1"/>
-              <a:t>groupId</a:t>
-            </a:r>
-            <a:r>
-              <a:rPr lang="en-US" altLang="zh-CN" dirty="0"/>
-              <a:t>&gt;</a:t>
-            </a:r>
-            <a:r>
-              <a:rPr lang="en-US" altLang="zh-CN" dirty="0" err="1"/>
-              <a:t>com.github.xiaozhiliaoo</a:t>
-            </a:r>
-            <a:r>
-              <a:rPr lang="en-US" altLang="zh-CN" dirty="0"/>
-              <a:t>&lt;/</a:t>
-            </a:r>
-            <a:r>
-              <a:rPr lang="en-US" altLang="zh-CN" dirty="0" err="1"/>
-              <a:t>groupId</a:t>
-            </a:r>
-            <a:r>
-              <a:rPr lang="en-US" altLang="zh-CN" dirty="0"/>
-              <a:t>&gt;</a:t>
-            </a:r>
-          </a:p>
-          <a:p>
-            <a:r>
-              <a:rPr lang="en-US" altLang="zh-CN" dirty="0"/>
-              <a:t>    &lt;</a:t>
-            </a:r>
-            <a:r>
-              <a:rPr lang="en-US" altLang="zh-CN" dirty="0" err="1"/>
-              <a:t>artifactId</a:t>
-            </a:r>
-            <a:r>
-              <a:rPr lang="en-US" altLang="zh-CN" dirty="0"/>
-              <a:t>&gt;refactor&lt;/</a:t>
-            </a:r>
-            <a:r>
-              <a:rPr lang="en-US" altLang="zh-CN" dirty="0" err="1"/>
-              <a:t>artifactId</a:t>
-            </a:r>
-            <a:r>
-              <a:rPr lang="en-US" altLang="zh-CN" dirty="0"/>
-              <a:t>&gt;</a:t>
-            </a:r>
-          </a:p>
-          <a:p>
-            <a:r>
-              <a:rPr lang="en-US" altLang="zh-CN" dirty="0"/>
-              <a:t>    &lt;version&gt;0.0.2&lt;/version&gt;</a:t>
-            </a:r>
-          </a:p>
-          <a:p>
-            <a:r>
-              <a:rPr lang="en-US" altLang="zh-CN" dirty="0"/>
-              <a:t>&lt;/dependency&gt;</a:t>
-            </a:r>
-          </a:p>
-          <a:p>
-            <a:endParaRPr lang="en-US" altLang="zh-CN" dirty="0"/>
-          </a:p>
-          <a:p>
-            <a:r>
-              <a:rPr lang="zh-CN" altLang="en-US" dirty="0"/>
-              <a:t>重复抽象：场外订单的</a:t>
-            </a:r>
-            <a:r>
-              <a:rPr lang="en-US" altLang="zh-CN" dirty="0" err="1"/>
-              <a:t>pc+app+open+open-api-server</a:t>
-            </a:r>
-            <a:r>
-              <a:rPr lang="en-US" altLang="zh-CN" dirty="0"/>
-              <a:t> format </a:t>
-            </a:r>
-            <a:r>
-              <a:rPr lang="zh-CN" altLang="en-US" dirty="0"/>
-              <a:t>四份代码</a:t>
-            </a:r>
-            <a:endParaRPr lang="en-US" altLang="zh-CN" dirty="0"/>
-          </a:p>
-          <a:p>
-            <a:r>
-              <a:rPr lang="zh-CN" altLang="en-US" dirty="0"/>
-              <a:t>大泥球：</a:t>
-            </a:r>
-            <a:r>
-              <a:rPr lang="en-US" altLang="zh-CN" dirty="0" err="1"/>
-              <a:t>PublicInfo</a:t>
-            </a:r>
-            <a:endParaRPr lang="en-US" altLang="zh-CN" dirty="0"/>
-          </a:p>
-          <a:p>
-            <a:endParaRPr lang="en-US" altLang="zh-CN" dirty="0"/>
+          <a:bodyPr/>
+          <a:lstStyle/>
+          <a:p>
+            <a:r>
+              <a:rPr lang="zh-CN" altLang="en-US" dirty="0"/>
+              <a:t>经典方法</a:t>
+            </a:r>
+            <a:endParaRPr lang="en-US" altLang="zh-CN" dirty="0"/>
+          </a:p>
+          <a:p>
+            <a:r>
+              <a:rPr lang="zh-CN" altLang="en-US" dirty="0"/>
+              <a:t>行为分析</a:t>
+            </a:r>
+            <a:endParaRPr lang="en-US" altLang="zh-CN" dirty="0"/>
+          </a:p>
+          <a:p>
+            <a:r>
+              <a:rPr lang="zh-CN" altLang="en-US" dirty="0"/>
+              <a:t>领域分析</a:t>
+            </a:r>
+            <a:endParaRPr lang="en-US" altLang="zh-CN" dirty="0"/>
+          </a:p>
+          <a:p>
+            <a:r>
+              <a:rPr lang="zh-CN" altLang="en-US" dirty="0"/>
+              <a:t>用例分析</a:t>
+            </a:r>
+            <a:endParaRPr lang="en-US" altLang="zh-CN" dirty="0"/>
+          </a:p>
+          <a:p>
+            <a:r>
+              <a:rPr lang="en-US" altLang="zh-CN" dirty="0"/>
+              <a:t>CRC</a:t>
+            </a:r>
+          </a:p>
+          <a:p>
+            <a:r>
+              <a:rPr lang="zh-CN" altLang="en-US" dirty="0"/>
+              <a:t>非正式描述</a:t>
+            </a:r>
+            <a:endParaRPr lang="en-US" altLang="zh-CN" dirty="0"/>
+          </a:p>
+          <a:p>
+            <a:r>
+              <a:rPr lang="zh-CN" altLang="en-US" dirty="0"/>
+              <a:t>结构化分析</a:t>
+            </a:r>
           </a:p>
         </p:txBody>
       </p:sp>
     </p:spTree>
     <p:extLst>
       <p:ext uri="{BB962C8B-B14F-4D97-AF65-F5344CB8AC3E}">
-        <p14:creationId xmlns:p14="http://schemas.microsoft.com/office/powerpoint/2010/main" val="3646179414"/>
+        <p14:creationId xmlns:p14="http://schemas.microsoft.com/office/powerpoint/2010/main" val="1604052164"/>
       </p:ext>
     </p:extLst>
   </p:cSld>
@@ -10228,7 +10279,7 @@
           <p:cNvPr id="2" name="标题 1">
             <a:extLst>
               <a:ext uri="{FF2B5EF4-FFF2-40B4-BE49-F238E27FC236}">
-                <a16:creationId xmlns:a16="http://schemas.microsoft.com/office/drawing/2014/main" id="{477F4DC3-A261-454F-8FF6-9308A049EFBE}"/>
+                <a16:creationId xmlns:a16="http://schemas.microsoft.com/office/drawing/2014/main" id="{855D5FD8-7AE2-4BFA-8003-6A82D9C666C7}"/>
               </a:ext>
             </a:extLst>
           </p:cNvPr>
@@ -10266,7 +10317,7 @@
                   <a:srgbClr val="FF0000"/>
                 </a:solidFill>
               </a:rPr>
-              <a:t>2-</a:t>
+              <a:t>1-</a:t>
             </a:r>
             <a:r>
               <a:rPr lang="zh-CN" altLang="en-US" dirty="0">
@@ -10274,9 +10325,8 @@
                   <a:srgbClr val="FF0000"/>
                 </a:solidFill>
               </a:rPr>
-              <a:t>建模</a:t>
-            </a:r>
-            <a:endParaRPr lang="zh-CN" altLang="en-US" dirty="0"/>
+              <a:t>重构</a:t>
+            </a:r>
           </a:p>
         </p:txBody>
       </p:sp>
@@ -10285,7 +10335,7 @@
           <p:cNvPr id="3" name="内容占位符 2">
             <a:extLst>
               <a:ext uri="{FF2B5EF4-FFF2-40B4-BE49-F238E27FC236}">
-                <a16:creationId xmlns:a16="http://schemas.microsoft.com/office/drawing/2014/main" id="{E1DC7A37-F20A-4993-97DC-6590A5691A78}"/>
+                <a16:creationId xmlns:a16="http://schemas.microsoft.com/office/drawing/2014/main" id="{D017DDCF-3972-4D9F-A03D-0144BB666B0D}"/>
               </a:ext>
             </a:extLst>
           </p:cNvPr>
@@ -10298,83 +10348,144 @@
         </p:nvSpPr>
         <p:spPr/>
         <p:txBody>
-          <a:bodyPr/>
-          <a:lstStyle/>
-          <a:p>
-            <a:r>
-              <a:rPr lang="zh-CN" altLang="en-US" dirty="0"/>
-              <a:t>书和书架关系是什么？</a:t>
-            </a:r>
-            <a:endParaRPr lang="en-US" altLang="zh-CN" dirty="0"/>
-          </a:p>
-          <a:p>
-            <a:r>
-              <a:rPr lang="zh-CN" altLang="en-US" dirty="0"/>
-              <a:t>房间，调温器。</a:t>
-            </a:r>
-            <a:endParaRPr lang="en-US" altLang="zh-CN" dirty="0"/>
-          </a:p>
-          <a:p>
-            <a:r>
-              <a:rPr lang="zh-CN" altLang="en-US" dirty="0"/>
-              <a:t>把大象放进冰箱有几步？</a:t>
-            </a:r>
-            <a:endParaRPr lang="en-US" altLang="zh-CN" dirty="0"/>
-          </a:p>
-          <a:p>
-            <a:r>
-              <a:rPr lang="zh-CN" altLang="en-US" dirty="0"/>
-              <a:t>棉花糖是糖，不是棉花。</a:t>
-            </a:r>
-            <a:endParaRPr lang="en-US" altLang="zh-CN" dirty="0"/>
-          </a:p>
-          <a:p>
-            <a:r>
-              <a:rPr lang="zh-CN" altLang="en-US" dirty="0"/>
-              <a:t>番茄是水果，还是蔬菜。</a:t>
-            </a:r>
-            <a:endParaRPr lang="en-US" altLang="zh-CN" dirty="0"/>
-          </a:p>
-          <a:p>
-            <a:r>
-              <a:rPr lang="zh-CN" altLang="en-US" dirty="0"/>
-              <a:t>钱</a:t>
-            </a:r>
-            <a:r>
-              <a:rPr lang="en-US" altLang="zh-CN" dirty="0"/>
-              <a:t>(Money)</a:t>
-            </a:r>
-            <a:r>
-              <a:rPr lang="zh-CN" altLang="en-US" dirty="0"/>
-              <a:t>是</a:t>
+          <a:bodyPr>
+            <a:normAutofit fontScale="85000" lnSpcReduction="20000"/>
+          </a:bodyPr>
+          <a:lstStyle/>
+          <a:p>
+            <a:r>
+              <a:rPr lang="zh-CN" altLang="en-US" dirty="0"/>
+              <a:t>重构哪些？</a:t>
+            </a:r>
+            <a:endParaRPr lang="en-US" altLang="zh-CN" dirty="0"/>
+          </a:p>
+          <a:p>
+            <a:r>
+              <a:rPr lang="en-US" altLang="zh-CN" dirty="0"/>
+              <a:t>@Refactor Project </a:t>
+            </a:r>
+          </a:p>
+          <a:p>
+            <a:r>
+              <a:rPr lang="en-US" altLang="zh-CN" dirty="0">
+                <a:hlinkClick r:id="rId3"/>
+              </a:rPr>
+              <a:t>https://github.com/xiaozhiliaoo/refactor</a:t>
+            </a:r>
+            <a:endParaRPr lang="en-US" altLang="zh-CN" dirty="0"/>
+          </a:p>
+          <a:p>
+            <a:r>
+              <a:rPr lang="en-US" altLang="zh-CN" dirty="0"/>
+              <a:t>&lt;dependency&gt;</a:t>
+            </a:r>
+          </a:p>
+          <a:p>
+            <a:r>
+              <a:rPr lang="en-US" altLang="zh-CN" dirty="0"/>
+              <a:t>    &lt;</a:t>
             </a:r>
             <a:r>
               <a:rPr lang="en-US" altLang="zh-CN" dirty="0" err="1"/>
-              <a:t>BigDecimal</a:t>
-            </a:r>
-            <a:r>
-              <a:rPr lang="zh-CN" altLang="en-US" dirty="0"/>
-              <a:t>吗？</a:t>
-            </a:r>
-            <a:endParaRPr lang="en-US" altLang="zh-CN" dirty="0"/>
-          </a:p>
-          <a:p>
-            <a:r>
-              <a:rPr lang="zh-CN" altLang="en-US" dirty="0"/>
-              <a:t>石头，剪刀，布怎么建模？并且实现呢？</a:t>
-            </a:r>
-            <a:r>
-              <a:rPr lang="en-US" altLang="zh-CN" dirty="0"/>
-              <a:t>Double Dispatch</a:t>
-            </a:r>
-            <a:endParaRPr lang="zh-CN" altLang="en-US" dirty="0"/>
+              <a:t>groupId</a:t>
+            </a:r>
+            <a:r>
+              <a:rPr lang="en-US" altLang="zh-CN" dirty="0"/>
+              <a:t>&gt;</a:t>
+            </a:r>
+            <a:r>
+              <a:rPr lang="en-US" altLang="zh-CN" dirty="0" err="1"/>
+              <a:t>com.github.xiaozhiliaoo</a:t>
+            </a:r>
+            <a:r>
+              <a:rPr lang="en-US" altLang="zh-CN" dirty="0"/>
+              <a:t>&lt;/</a:t>
+            </a:r>
+            <a:r>
+              <a:rPr lang="en-US" altLang="zh-CN" dirty="0" err="1"/>
+              <a:t>groupId</a:t>
+            </a:r>
+            <a:r>
+              <a:rPr lang="en-US" altLang="zh-CN" dirty="0"/>
+              <a:t>&gt;</a:t>
+            </a:r>
+          </a:p>
+          <a:p>
+            <a:r>
+              <a:rPr lang="en-US" altLang="zh-CN" dirty="0"/>
+              <a:t>    &lt;</a:t>
+            </a:r>
+            <a:r>
+              <a:rPr lang="en-US" altLang="zh-CN" dirty="0" err="1"/>
+              <a:t>artifactId</a:t>
+            </a:r>
+            <a:r>
+              <a:rPr lang="en-US" altLang="zh-CN" dirty="0"/>
+              <a:t>&gt;refactor&lt;/</a:t>
+            </a:r>
+            <a:r>
+              <a:rPr lang="en-US" altLang="zh-CN" dirty="0" err="1"/>
+              <a:t>artifactId</a:t>
+            </a:r>
+            <a:r>
+              <a:rPr lang="en-US" altLang="zh-CN" dirty="0"/>
+              <a:t>&gt;</a:t>
+            </a:r>
+          </a:p>
+          <a:p>
+            <a:r>
+              <a:rPr lang="en-US" altLang="zh-CN" dirty="0"/>
+              <a:t>    &lt;version&gt;0.0.2&lt;/version&gt;</a:t>
+            </a:r>
+          </a:p>
+          <a:p>
+            <a:r>
+              <a:rPr lang="en-US" altLang="zh-CN" dirty="0"/>
+              <a:t>&lt;/dependency&gt;</a:t>
+            </a:r>
+          </a:p>
+          <a:p>
+            <a:endParaRPr lang="en-US" altLang="zh-CN" dirty="0"/>
+          </a:p>
+          <a:p>
+            <a:r>
+              <a:rPr lang="zh-CN" altLang="en-US" dirty="0"/>
+              <a:t>重复抽象：场外订单的</a:t>
+            </a:r>
+            <a:r>
+              <a:rPr lang="en-US" altLang="zh-CN" dirty="0" err="1"/>
+              <a:t>pc+app+open+open-api-server</a:t>
+            </a:r>
+            <a:r>
+              <a:rPr lang="en-US" altLang="zh-CN" dirty="0"/>
+              <a:t> format </a:t>
+            </a:r>
+            <a:r>
+              <a:rPr lang="zh-CN" altLang="en-US" dirty="0"/>
+              <a:t>四份代码</a:t>
+            </a:r>
+            <a:endParaRPr lang="en-US" altLang="zh-CN" dirty="0"/>
+          </a:p>
+          <a:p>
+            <a:r>
+              <a:rPr lang="zh-CN" altLang="en-US" dirty="0"/>
+              <a:t>大泥球：</a:t>
+            </a:r>
+            <a:r>
+              <a:rPr lang="en-US" altLang="zh-CN" dirty="0" err="1"/>
+              <a:t>PublicInfo</a:t>
+            </a:r>
+            <a:endParaRPr lang="en-US" altLang="zh-CN" dirty="0"/>
+          </a:p>
+          <a:p>
+            <a:endParaRPr lang="en-US" altLang="zh-CN" dirty="0"/>
           </a:p>
         </p:txBody>
       </p:sp>
     </p:spTree>
     <p:extLst>
       <p:ext uri="{BB962C8B-B14F-4D97-AF65-F5344CB8AC3E}">
-        <p14:creationId xmlns:p14="http://schemas.microsoft.com/office/powerpoint/2010/main" val="423398469"/>
+        <p14:creationId xmlns:p14="http://schemas.microsoft.com/office/powerpoint/2010/main" val="3646179414"/>
       </p:ext>
     </p:extLst>
   </p:cSld>
@@ -10406,6 +10517,184 @@
           <p:cNvPr id="2" name="标题 1">
             <a:extLst>
               <a:ext uri="{FF2B5EF4-FFF2-40B4-BE49-F238E27FC236}">
+                <a16:creationId xmlns:a16="http://schemas.microsoft.com/office/drawing/2014/main" id="{477F4DC3-A261-454F-8FF6-9308A049EFBE}"/>
+              </a:ext>
+            </a:extLst>
+          </p:cNvPr>
+          <p:cNvSpPr>
+            <a:spLocks noGrp="1"/>
+          </p:cNvSpPr>
+          <p:nvPr>
+            <p:ph type="title"/>
+          </p:nvPr>
+        </p:nvSpPr>
+        <p:spPr/>
+        <p:txBody>
+          <a:bodyPr/>
+          <a:lstStyle/>
+          <a:p>
+            <a:r>
+              <a:rPr lang="en-US" altLang="zh-CN" dirty="0">
+                <a:solidFill>
+                  <a:srgbClr val="FF0000"/>
+                </a:solidFill>
+              </a:rPr>
+              <a:t>OOAD</a:t>
+            </a:r>
+            <a:r>
+              <a:rPr lang="zh-CN" altLang="en-US" dirty="0">
+                <a:solidFill>
+                  <a:srgbClr val="FF0000"/>
+                </a:solidFill>
+              </a:rPr>
+              <a:t>场景</a:t>
+            </a:r>
+            <a:r>
+              <a:rPr lang="en-US" altLang="zh-CN" dirty="0">
+                <a:solidFill>
+                  <a:srgbClr val="FF0000"/>
+                </a:solidFill>
+              </a:rPr>
+              <a:t>2-</a:t>
+            </a:r>
+            <a:r>
+              <a:rPr lang="zh-CN" altLang="en-US" dirty="0">
+                <a:solidFill>
+                  <a:srgbClr val="FF0000"/>
+                </a:solidFill>
+              </a:rPr>
+              <a:t>建模</a:t>
+            </a:r>
+            <a:endParaRPr lang="zh-CN" altLang="en-US" dirty="0"/>
+          </a:p>
+        </p:txBody>
+      </p:sp>
+      <p:sp>
+        <p:nvSpPr>
+          <p:cNvPr id="3" name="内容占位符 2">
+            <a:extLst>
+              <a:ext uri="{FF2B5EF4-FFF2-40B4-BE49-F238E27FC236}">
+                <a16:creationId xmlns:a16="http://schemas.microsoft.com/office/drawing/2014/main" id="{E1DC7A37-F20A-4993-97DC-6590A5691A78}"/>
+              </a:ext>
+            </a:extLst>
+          </p:cNvPr>
+          <p:cNvSpPr>
+            <a:spLocks noGrp="1"/>
+          </p:cNvSpPr>
+          <p:nvPr>
+            <p:ph idx="1"/>
+          </p:nvPr>
+        </p:nvSpPr>
+        <p:spPr/>
+        <p:txBody>
+          <a:bodyPr/>
+          <a:lstStyle/>
+          <a:p>
+            <a:r>
+              <a:rPr lang="zh-CN" altLang="en-US" dirty="0"/>
+              <a:t>书和书架关系是什么？</a:t>
+            </a:r>
+            <a:endParaRPr lang="en-US" altLang="zh-CN" dirty="0"/>
+          </a:p>
+          <a:p>
+            <a:r>
+              <a:rPr lang="zh-CN" altLang="en-US" dirty="0"/>
+              <a:t>房间，调温器。</a:t>
+            </a:r>
+            <a:endParaRPr lang="en-US" altLang="zh-CN" dirty="0"/>
+          </a:p>
+          <a:p>
+            <a:r>
+              <a:rPr lang="zh-CN" altLang="en-US" dirty="0"/>
+              <a:t>把大象放进冰箱有几步？</a:t>
+            </a:r>
+            <a:endParaRPr lang="en-US" altLang="zh-CN" dirty="0"/>
+          </a:p>
+          <a:p>
+            <a:r>
+              <a:rPr lang="zh-CN" altLang="en-US" dirty="0"/>
+              <a:t>棉花糖是糖，不是棉花。</a:t>
+            </a:r>
+            <a:endParaRPr lang="en-US" altLang="zh-CN" dirty="0"/>
+          </a:p>
+          <a:p>
+            <a:r>
+              <a:rPr lang="zh-CN" altLang="en-US" dirty="0"/>
+              <a:t>番茄是水果，还是蔬菜。</a:t>
+            </a:r>
+            <a:endParaRPr lang="en-US" altLang="zh-CN" dirty="0"/>
+          </a:p>
+          <a:p>
+            <a:r>
+              <a:rPr lang="zh-CN" altLang="en-US" dirty="0"/>
+              <a:t>钱</a:t>
+            </a:r>
+            <a:r>
+              <a:rPr lang="en-US" altLang="zh-CN" dirty="0"/>
+              <a:t>(Money)</a:t>
+            </a:r>
+            <a:r>
+              <a:rPr lang="zh-CN" altLang="en-US" dirty="0"/>
+              <a:t>是</a:t>
+            </a:r>
+            <a:r>
+              <a:rPr lang="en-US" altLang="zh-CN" dirty="0" err="1"/>
+              <a:t>BigDecimal</a:t>
+            </a:r>
+            <a:r>
+              <a:rPr lang="zh-CN" altLang="en-US" dirty="0"/>
+              <a:t>吗？</a:t>
+            </a:r>
+            <a:endParaRPr lang="en-US" altLang="zh-CN" dirty="0"/>
+          </a:p>
+          <a:p>
+            <a:r>
+              <a:rPr lang="zh-CN" altLang="en-US" dirty="0"/>
+              <a:t>石头，剪刀，布怎么建模？并且实现呢？</a:t>
+            </a:r>
+            <a:r>
+              <a:rPr lang="en-US" altLang="zh-CN" dirty="0"/>
+              <a:t>Double Dispatch</a:t>
+            </a:r>
+            <a:endParaRPr lang="zh-CN" altLang="en-US" dirty="0"/>
+          </a:p>
+        </p:txBody>
+      </p:sp>
+    </p:spTree>
+    <p:extLst>
+      <p:ext uri="{BB962C8B-B14F-4D97-AF65-F5344CB8AC3E}">
+        <p14:creationId xmlns:p14="http://schemas.microsoft.com/office/powerpoint/2010/main" val="423398469"/>
+      </p:ext>
+    </p:extLst>
+  </p:cSld>
+  <p:clrMapOvr>
+    <a:masterClrMapping/>
+  </p:clrMapOvr>
+</p:sld>
+</file>
+
+<file path=ppt/slides/slide24.xml><?xml version="1.0" encoding="utf-8"?>
+<p:sld xmlns:a="http://schemas.openxmlformats.org/drawingml/2006/main" xmlns:r="http://schemas.openxmlformats.org/officeDocument/2006/relationships" xmlns:p="http://schemas.openxmlformats.org/presentationml/2006/main">
+  <p:cSld>
+    <p:spTree>
+      <p:nvGrpSpPr>
+        <p:cNvPr id="1" name=""/>
+        <p:cNvGrpSpPr/>
+        <p:nvPr/>
+      </p:nvGrpSpPr>
+      <p:grpSpPr>
+        <a:xfrm>
+          <a:off x="0" y="0"/>
+          <a:ext cx="0" cy="0"/>
+          <a:chOff x="0" y="0"/>
+          <a:chExt cx="0" cy="0"/>
+        </a:xfrm>
+      </p:grpSpPr>
+      <p:sp>
+        <p:nvSpPr>
+          <p:cNvPr id="2" name="标题 1">
+            <a:extLst>
+              <a:ext uri="{FF2B5EF4-FFF2-40B4-BE49-F238E27FC236}">
                 <a16:creationId xmlns:a16="http://schemas.microsoft.com/office/drawing/2014/main" id="{B3E13A93-E12A-4A96-B0FC-2AC75B306E49}"/>
               </a:ext>
             </a:extLst>
@@ -10724,7 +11013,7 @@
 </p:sld>
 </file>
 
-<file path=ppt/slides/slide24.xml><?xml version="1.0" encoding="utf-8"?>
+<file path=ppt/slides/slide25.xml><?xml version="1.0" encoding="utf-8"?>
 <p:sld xmlns:a="http://schemas.openxmlformats.org/drawingml/2006/main" xmlns:r="http://schemas.openxmlformats.org/officeDocument/2006/relationships" xmlns:p="http://schemas.openxmlformats.org/presentationml/2006/main">
   <p:cSld>
     <p:spTree>
@@ -10834,7 +11123,7 @@
 </p:sld>
 </file>
 
-<file path=ppt/slides/slide25.xml><?xml version="1.0" encoding="utf-8"?>
+<file path=ppt/slides/slide26.xml><?xml version="1.0" encoding="utf-8"?>
 <p:sld xmlns:a="http://schemas.openxmlformats.org/drawingml/2006/main" xmlns:r="http://schemas.openxmlformats.org/officeDocument/2006/relationships" xmlns:p="http://schemas.openxmlformats.org/presentationml/2006/main">
   <p:cSld>
     <p:spTree>
@@ -10905,154 +11194,6 @@
     <p:extLst>
       <p:ext uri="{BB962C8B-B14F-4D97-AF65-F5344CB8AC3E}">
         <p14:creationId xmlns:p14="http://schemas.microsoft.com/office/powerpoint/2010/main" val="2398560732"/>
-      </p:ext>
-    </p:extLst>
-  </p:cSld>
-  <p:clrMapOvr>
-    <a:masterClrMapping/>
-  </p:clrMapOvr>
-</p:sld>
-</file>
-
-<file path=ppt/slides/slide26.xml><?xml version="1.0" encoding="utf-8"?>
-<p:sld xmlns:a="http://schemas.openxmlformats.org/drawingml/2006/main" xmlns:r="http://schemas.openxmlformats.org/officeDocument/2006/relationships" xmlns:p="http://schemas.openxmlformats.org/presentationml/2006/main">
-  <p:cSld>
-    <p:spTree>
-      <p:nvGrpSpPr>
-        <p:cNvPr id="1" name=""/>
-        <p:cNvGrpSpPr/>
-        <p:nvPr/>
-      </p:nvGrpSpPr>
-      <p:grpSpPr>
-        <a:xfrm>
-          <a:off x="0" y="0"/>
-          <a:ext cx="0" cy="0"/>
-          <a:chOff x="0" y="0"/>
-          <a:chExt cx="0" cy="0"/>
-        </a:xfrm>
-      </p:grpSpPr>
-      <p:sp>
-        <p:nvSpPr>
-          <p:cNvPr id="2" name="标题 1">
-            <a:extLst>
-              <a:ext uri="{FF2B5EF4-FFF2-40B4-BE49-F238E27FC236}">
-                <a16:creationId xmlns:a16="http://schemas.microsoft.com/office/drawing/2014/main" id="{05F55633-2EA8-471A-99B3-41F101CA0E07}"/>
-              </a:ext>
-            </a:extLst>
-          </p:cNvPr>
-          <p:cNvSpPr>
-            <a:spLocks noGrp="1"/>
-          </p:cNvSpPr>
-          <p:nvPr>
-            <p:ph type="title"/>
-          </p:nvPr>
-        </p:nvSpPr>
-        <p:spPr/>
-        <p:txBody>
-          <a:bodyPr/>
-          <a:lstStyle/>
-          <a:p>
-            <a:r>
-              <a:rPr lang="en-US" altLang="zh-CN" dirty="0">
-                <a:solidFill>
-                  <a:srgbClr val="FF0000"/>
-                </a:solidFill>
-              </a:rPr>
-              <a:t>DDD</a:t>
-            </a:r>
-            <a:endParaRPr lang="zh-CN" altLang="en-US" dirty="0">
-              <a:solidFill>
-                <a:srgbClr val="FF0000"/>
-              </a:solidFill>
-            </a:endParaRPr>
-          </a:p>
-        </p:txBody>
-      </p:sp>
-      <p:sp>
-        <p:nvSpPr>
-          <p:cNvPr id="3" name="内容占位符 2">
-            <a:extLst>
-              <a:ext uri="{FF2B5EF4-FFF2-40B4-BE49-F238E27FC236}">
-                <a16:creationId xmlns:a16="http://schemas.microsoft.com/office/drawing/2014/main" id="{619F342B-AF9C-4351-9EC8-8FF006B7A0AF}"/>
-              </a:ext>
-            </a:extLst>
-          </p:cNvPr>
-          <p:cNvSpPr>
-            <a:spLocks noGrp="1"/>
-          </p:cNvSpPr>
-          <p:nvPr>
-            <p:ph idx="1"/>
-          </p:nvPr>
-        </p:nvSpPr>
-        <p:spPr/>
-        <p:txBody>
-          <a:bodyPr/>
-          <a:lstStyle/>
-          <a:p>
-            <a:r>
-              <a:rPr lang="en-US" altLang="zh-CN" dirty="0"/>
-              <a:t>1  </a:t>
-            </a:r>
-            <a:r>
-              <a:rPr lang="zh-CN" altLang="en-US" dirty="0"/>
-              <a:t>思想</a:t>
-            </a:r>
-            <a:endParaRPr lang="en-US" altLang="zh-CN" dirty="0"/>
-          </a:p>
-          <a:p>
-            <a:endParaRPr lang="en-US" altLang="zh-CN" dirty="0"/>
-          </a:p>
-          <a:p>
-            <a:r>
-              <a:rPr lang="en-US" altLang="zh-CN" dirty="0"/>
-              <a:t>2 </a:t>
-            </a:r>
-            <a:r>
-              <a:rPr lang="zh-CN" altLang="en-US" dirty="0"/>
-              <a:t>战略设计</a:t>
-            </a:r>
-            <a:endParaRPr lang="en-US" altLang="zh-CN" dirty="0"/>
-          </a:p>
-          <a:p>
-            <a:pPr marL="0" indent="0">
-              <a:buNone/>
-            </a:pPr>
-            <a:endParaRPr lang="en-US" altLang="zh-CN" dirty="0"/>
-          </a:p>
-          <a:p>
-            <a:r>
-              <a:rPr lang="en-US" altLang="zh-CN" dirty="0"/>
-              <a:t>3  </a:t>
-            </a:r>
-            <a:r>
-              <a:rPr lang="zh-CN" altLang="en-US" dirty="0"/>
-              <a:t>战术设计</a:t>
-            </a:r>
-            <a:endParaRPr lang="en-US" altLang="zh-CN" dirty="0"/>
-          </a:p>
-          <a:p>
-            <a:endParaRPr lang="en-US" altLang="zh-CN" dirty="0"/>
-          </a:p>
-          <a:p>
-            <a:r>
-              <a:rPr lang="en-US" altLang="zh-CN" dirty="0"/>
-              <a:t>4  </a:t>
-            </a:r>
-            <a:r>
-              <a:rPr lang="en-US" altLang="zh-CN" dirty="0" err="1"/>
-              <a:t>Saas</a:t>
-            </a:r>
-            <a:r>
-              <a:rPr lang="zh-CN" altLang="en-US" dirty="0"/>
-              <a:t>场景</a:t>
-            </a:r>
-          </a:p>
-        </p:txBody>
-      </p:sp>
-    </p:spTree>
-    <p:extLst>
-      <p:ext uri="{BB962C8B-B14F-4D97-AF65-F5344CB8AC3E}">
-        <p14:creationId xmlns:p14="http://schemas.microsoft.com/office/powerpoint/2010/main" val="2262979625"/>
       </p:ext>
     </p:extLst>
   </p:cSld>
@@ -11084,7 +11225,7 @@
           <p:cNvPr id="2" name="标题 1">
             <a:extLst>
               <a:ext uri="{FF2B5EF4-FFF2-40B4-BE49-F238E27FC236}">
-                <a16:creationId xmlns:a16="http://schemas.microsoft.com/office/drawing/2014/main" id="{4BC5F6CF-C154-48D6-A821-B664D59FEFB3}"/>
+                <a16:creationId xmlns:a16="http://schemas.microsoft.com/office/drawing/2014/main" id="{05F55633-2EA8-471A-99B3-41F101CA0E07}"/>
               </a:ext>
             </a:extLst>
           </p:cNvPr>
@@ -11106,16 +11247,13 @@
                   <a:srgbClr val="FF0000"/>
                 </a:solidFill>
               </a:rPr>
-              <a:t>1 </a:t>
-            </a:r>
-            <a:r>
-              <a:rPr lang="zh-CN" altLang="en-US" dirty="0">
-                <a:solidFill>
-                  <a:srgbClr val="FF0000"/>
-                </a:solidFill>
-              </a:rPr>
-              <a:t>思想</a:t>
-            </a:r>
+              <a:t>DDD</a:t>
+            </a:r>
+            <a:endParaRPr lang="zh-CN" altLang="en-US" dirty="0">
+              <a:solidFill>
+                <a:srgbClr val="FF0000"/>
+              </a:solidFill>
+            </a:endParaRPr>
           </a:p>
         </p:txBody>
       </p:sp>
@@ -11124,7 +11262,7 @@
           <p:cNvPr id="3" name="内容占位符 2">
             <a:extLst>
               <a:ext uri="{FF2B5EF4-FFF2-40B4-BE49-F238E27FC236}">
-                <a16:creationId xmlns:a16="http://schemas.microsoft.com/office/drawing/2014/main" id="{92CA505E-0DC5-4952-8AA7-15610F9EEB24}"/>
+                <a16:creationId xmlns:a16="http://schemas.microsoft.com/office/drawing/2014/main" id="{619F342B-AF9C-4351-9EC8-8FF006B7A0AF}"/>
               </a:ext>
             </a:extLst>
           </p:cNvPr>
@@ -11141,31 +11279,69 @@
           <a:lstStyle/>
           <a:p>
             <a:r>
-              <a:rPr lang="zh-CN" altLang="en-US" dirty="0"/>
-              <a:t>领域成为最重要的关注点</a:t>
-            </a:r>
-            <a:endParaRPr lang="en-US" altLang="zh-CN" dirty="0"/>
-          </a:p>
-          <a:p>
-            <a:r>
-              <a:rPr lang="zh-CN" altLang="en-US" dirty="0"/>
-              <a:t>复杂软件控制之道</a:t>
-            </a:r>
-            <a:endParaRPr lang="en-US" altLang="zh-CN" dirty="0"/>
-          </a:p>
-          <a:p>
-            <a:r>
-              <a:rPr lang="zh-CN" altLang="en-US" dirty="0"/>
-              <a:t>新银弹？？？</a:t>
-            </a:r>
-            <a:endParaRPr lang="en-US" altLang="zh-CN" dirty="0"/>
+              <a:rPr lang="en-US" altLang="zh-CN" dirty="0"/>
+              <a:t>1  </a:t>
+            </a:r>
+            <a:r>
+              <a:rPr lang="zh-CN" altLang="en-US" dirty="0"/>
+              <a:t>思想</a:t>
+            </a:r>
+            <a:endParaRPr lang="en-US" altLang="zh-CN" dirty="0"/>
+          </a:p>
+          <a:p>
+            <a:endParaRPr lang="en-US" altLang="zh-CN" dirty="0"/>
+          </a:p>
+          <a:p>
+            <a:r>
+              <a:rPr lang="en-US" altLang="zh-CN" dirty="0"/>
+              <a:t>2 </a:t>
+            </a:r>
+            <a:r>
+              <a:rPr lang="zh-CN" altLang="en-US" dirty="0"/>
+              <a:t>战略设计</a:t>
+            </a:r>
+            <a:endParaRPr lang="en-US" altLang="zh-CN" dirty="0"/>
+          </a:p>
+          <a:p>
+            <a:pPr marL="0" indent="0">
+              <a:buNone/>
+            </a:pPr>
+            <a:endParaRPr lang="en-US" altLang="zh-CN" dirty="0"/>
+          </a:p>
+          <a:p>
+            <a:r>
+              <a:rPr lang="en-US" altLang="zh-CN" dirty="0"/>
+              <a:t>3  </a:t>
+            </a:r>
+            <a:r>
+              <a:rPr lang="zh-CN" altLang="en-US" dirty="0"/>
+              <a:t>战术设计</a:t>
+            </a:r>
+            <a:endParaRPr lang="en-US" altLang="zh-CN" dirty="0"/>
+          </a:p>
+          <a:p>
+            <a:endParaRPr lang="en-US" altLang="zh-CN" dirty="0"/>
+          </a:p>
+          <a:p>
+            <a:r>
+              <a:rPr lang="en-US" altLang="zh-CN" dirty="0"/>
+              <a:t>4  </a:t>
+            </a:r>
+            <a:r>
+              <a:rPr lang="en-US" altLang="zh-CN" dirty="0" err="1"/>
+              <a:t>Saas</a:t>
+            </a:r>
+            <a:r>
+              <a:rPr lang="zh-CN" altLang="en-US" dirty="0"/>
+              <a:t>场景</a:t>
+            </a:r>
           </a:p>
         </p:txBody>
       </p:sp>
     </p:spTree>
     <p:extLst>
       <p:ext uri="{BB962C8B-B14F-4D97-AF65-F5344CB8AC3E}">
-        <p14:creationId xmlns:p14="http://schemas.microsoft.com/office/powerpoint/2010/main" val="249766088"/>
+        <p14:creationId xmlns:p14="http://schemas.microsoft.com/office/powerpoint/2010/main" val="2262979625"/>
       </p:ext>
     </p:extLst>
   </p:cSld>
@@ -11197,7 +11373,7 @@
           <p:cNvPr id="2" name="标题 1">
             <a:extLst>
               <a:ext uri="{FF2B5EF4-FFF2-40B4-BE49-F238E27FC236}">
-                <a16:creationId xmlns:a16="http://schemas.microsoft.com/office/drawing/2014/main" id="{315ABCB3-3377-4B9D-8C1C-9A051DA760FA}"/>
+                <a16:creationId xmlns:a16="http://schemas.microsoft.com/office/drawing/2014/main" id="{4BC5F6CF-C154-48D6-A821-B664D59FEFB3}"/>
               </a:ext>
             </a:extLst>
           </p:cNvPr>
@@ -11219,7 +11395,7 @@
                   <a:srgbClr val="FF0000"/>
                 </a:solidFill>
               </a:rPr>
-              <a:t>2 </a:t>
+              <a:t>1 </a:t>
             </a:r>
             <a:r>
               <a:rPr lang="zh-CN" altLang="en-US" dirty="0">
@@ -11227,7 +11403,7 @@
                   <a:srgbClr val="FF0000"/>
                 </a:solidFill>
               </a:rPr>
-              <a:t>战略设计</a:t>
+              <a:t>思想</a:t>
             </a:r>
           </a:p>
         </p:txBody>
@@ -11237,7 +11413,7 @@
           <p:cNvPr id="3" name="内容占位符 2">
             <a:extLst>
               <a:ext uri="{FF2B5EF4-FFF2-40B4-BE49-F238E27FC236}">
-                <a16:creationId xmlns:a16="http://schemas.microsoft.com/office/drawing/2014/main" id="{F7D4A658-EDE1-4BD1-B6DD-49EEEBFF96FA}"/>
+                <a16:creationId xmlns:a16="http://schemas.microsoft.com/office/drawing/2014/main" id="{92CA505E-0DC5-4952-8AA7-15610F9EEB24}"/>
               </a:ext>
             </a:extLst>
           </p:cNvPr>
@@ -11255,29 +11431,30 @@
           <a:p>
             <a:r>
               <a:rPr lang="zh-CN" altLang="en-US" dirty="0"/>
-              <a:t>限界上下文</a:t>
-            </a:r>
-            <a:endParaRPr lang="en-US" altLang="zh-CN" dirty="0"/>
-          </a:p>
-          <a:p>
-            <a:r>
-              <a:rPr lang="zh-CN" altLang="en-US" dirty="0"/>
-              <a:t>通用语言</a:t>
-            </a:r>
-            <a:endParaRPr lang="en-US" altLang="zh-CN" dirty="0"/>
-          </a:p>
-          <a:p>
-            <a:r>
-              <a:rPr lang="zh-CN" altLang="en-US" dirty="0"/>
-              <a:t>上下文映射</a:t>
-            </a:r>
+              <a:t>领域成为最重要的关注点</a:t>
+            </a:r>
+            <a:endParaRPr lang="en-US" altLang="zh-CN" dirty="0"/>
+          </a:p>
+          <a:p>
+            <a:r>
+              <a:rPr lang="zh-CN" altLang="en-US" dirty="0"/>
+              <a:t>复杂软件控制之道</a:t>
+            </a:r>
+            <a:endParaRPr lang="en-US" altLang="zh-CN" dirty="0"/>
+          </a:p>
+          <a:p>
+            <a:r>
+              <a:rPr lang="zh-CN" altLang="en-US" dirty="0"/>
+              <a:t>新银弹？？？</a:t>
+            </a:r>
+            <a:endParaRPr lang="en-US" altLang="zh-CN" dirty="0"/>
           </a:p>
         </p:txBody>
       </p:sp>
     </p:spTree>
     <p:extLst>
       <p:ext uri="{BB962C8B-B14F-4D97-AF65-F5344CB8AC3E}">
-        <p14:creationId xmlns:p14="http://schemas.microsoft.com/office/powerpoint/2010/main" val="130135117"/>
+        <p14:creationId xmlns:p14="http://schemas.microsoft.com/office/powerpoint/2010/main" val="249766088"/>
       </p:ext>
     </p:extLst>
   </p:cSld>
@@ -11309,7 +11486,7 @@
           <p:cNvPr id="2" name="标题 1">
             <a:extLst>
               <a:ext uri="{FF2B5EF4-FFF2-40B4-BE49-F238E27FC236}">
-                <a16:creationId xmlns:a16="http://schemas.microsoft.com/office/drawing/2014/main" id="{6C0C1EB0-31F2-414E-9125-40E5F1C49A83}"/>
+                <a16:creationId xmlns:a16="http://schemas.microsoft.com/office/drawing/2014/main" id="{315ABCB3-3377-4B9D-8C1C-9A051DA760FA}"/>
               </a:ext>
             </a:extLst>
           </p:cNvPr>
@@ -11331,7 +11508,7 @@
                   <a:srgbClr val="FF0000"/>
                 </a:solidFill>
               </a:rPr>
-              <a:t>3 </a:t>
+              <a:t>2 </a:t>
             </a:r>
             <a:r>
               <a:rPr lang="zh-CN" altLang="en-US" dirty="0">
@@ -11339,7 +11516,7 @@
                   <a:srgbClr val="FF0000"/>
                 </a:solidFill>
               </a:rPr>
-              <a:t>战术设计</a:t>
+              <a:t>战略设计</a:t>
             </a:r>
           </a:p>
         </p:txBody>
@@ -11349,7 +11526,7 @@
           <p:cNvPr id="3" name="内容占位符 2">
             <a:extLst>
               <a:ext uri="{FF2B5EF4-FFF2-40B4-BE49-F238E27FC236}">
-                <a16:creationId xmlns:a16="http://schemas.microsoft.com/office/drawing/2014/main" id="{0D9AD77B-7E2F-48F0-BB9E-810314487398}"/>
+                <a16:creationId xmlns:a16="http://schemas.microsoft.com/office/drawing/2014/main" id="{F7D4A658-EDE1-4BD1-B6DD-49EEEBFF96FA}"/>
               </a:ext>
             </a:extLst>
           </p:cNvPr>
@@ -11367,34 +11544,21 @@
           <a:p>
             <a:r>
               <a:rPr lang="zh-CN" altLang="en-US" dirty="0"/>
-              <a:t>聚合</a:t>
-            </a:r>
-            <a:endParaRPr lang="en-US" altLang="zh-CN" dirty="0"/>
-          </a:p>
-          <a:p>
-            <a:r>
-              <a:rPr lang="zh-CN" altLang="en-US" dirty="0"/>
-              <a:t>实体</a:t>
-            </a:r>
-            <a:endParaRPr lang="en-US" altLang="zh-CN" dirty="0"/>
-          </a:p>
-          <a:p>
-            <a:r>
-              <a:rPr lang="zh-CN" altLang="en-US" dirty="0"/>
-              <a:t>值对象</a:t>
-            </a:r>
-            <a:endParaRPr lang="en-US" altLang="zh-CN" dirty="0"/>
-          </a:p>
-          <a:p>
-            <a:r>
-              <a:rPr lang="en-US" altLang="zh-CN" dirty="0"/>
-              <a:t>CQRS</a:t>
-            </a:r>
-          </a:p>
-          <a:p>
-            <a:r>
-              <a:rPr lang="zh-CN" altLang="en-US" dirty="0"/>
-              <a:t>事件溯源</a:t>
+              <a:t>限界上下文</a:t>
+            </a:r>
+            <a:endParaRPr lang="en-US" altLang="zh-CN" dirty="0"/>
+          </a:p>
+          <a:p>
+            <a:r>
+              <a:rPr lang="zh-CN" altLang="en-US" dirty="0"/>
+              <a:t>通用语言</a:t>
+            </a:r>
+            <a:endParaRPr lang="en-US" altLang="zh-CN" dirty="0"/>
+          </a:p>
+          <a:p>
+            <a:r>
+              <a:rPr lang="zh-CN" altLang="en-US" dirty="0"/>
+              <a:t>上下文映射</a:t>
             </a:r>
           </a:p>
         </p:txBody>
@@ -11402,7 +11566,7 @@
     </p:spTree>
     <p:extLst>
       <p:ext uri="{BB962C8B-B14F-4D97-AF65-F5344CB8AC3E}">
-        <p14:creationId xmlns:p14="http://schemas.microsoft.com/office/powerpoint/2010/main" val="4201465018"/>
+        <p14:creationId xmlns:p14="http://schemas.microsoft.com/office/powerpoint/2010/main" val="130135117"/>
       </p:ext>
     </p:extLst>
   </p:cSld>
@@ -11563,7 +11727,7 @@
           <p:cNvPr id="2" name="标题 1">
             <a:extLst>
               <a:ext uri="{FF2B5EF4-FFF2-40B4-BE49-F238E27FC236}">
-                <a16:creationId xmlns:a16="http://schemas.microsoft.com/office/drawing/2014/main" id="{A2657629-71C7-4E0A-9A4D-22B7D109DCB9}"/>
+                <a16:creationId xmlns:a16="http://schemas.microsoft.com/office/drawing/2014/main" id="{6C0C1EB0-31F2-414E-9125-40E5F1C49A83}"/>
               </a:ext>
             </a:extLst>
           </p:cNvPr>
@@ -11585,7 +11749,7 @@
                   <a:srgbClr val="FF0000"/>
                 </a:solidFill>
               </a:rPr>
-              <a:t>4 </a:t>
+              <a:t>3 </a:t>
             </a:r>
             <a:r>
               <a:rPr lang="zh-CN" altLang="en-US" dirty="0">
@@ -11593,7 +11757,7 @@
                   <a:srgbClr val="FF0000"/>
                 </a:solidFill>
               </a:rPr>
-              <a:t>框架</a:t>
+              <a:t>战术设计</a:t>
             </a:r>
           </a:p>
         </p:txBody>
@@ -11603,7 +11767,7 @@
           <p:cNvPr id="3" name="内容占位符 2">
             <a:extLst>
               <a:ext uri="{FF2B5EF4-FFF2-40B4-BE49-F238E27FC236}">
-                <a16:creationId xmlns:a16="http://schemas.microsoft.com/office/drawing/2014/main" id="{D59DB735-6BCC-441B-8B1F-AED5480B4370}"/>
+                <a16:creationId xmlns:a16="http://schemas.microsoft.com/office/drawing/2014/main" id="{0D9AD77B-7E2F-48F0-BB9E-810314487398}"/>
               </a:ext>
             </a:extLst>
           </p:cNvPr>
@@ -11620,24 +11784,43 @@
           <a:lstStyle/>
           <a:p>
             <a:r>
-              <a:rPr lang="en-US" altLang="zh-CN" dirty="0"/>
-              <a:t>Alibaba-</a:t>
-            </a:r>
-            <a:r>
-              <a:rPr lang="en-US" altLang="zh-CN" dirty="0" err="1"/>
-              <a:t>cloa</a:t>
-            </a:r>
-            <a:endParaRPr lang="en-US" altLang="zh-CN" dirty="0"/>
-          </a:p>
-          <a:p>
-            <a:endParaRPr lang="zh-CN" altLang="en-US" dirty="0"/>
+              <a:rPr lang="zh-CN" altLang="en-US" dirty="0"/>
+              <a:t>聚合</a:t>
+            </a:r>
+            <a:endParaRPr lang="en-US" altLang="zh-CN" dirty="0"/>
+          </a:p>
+          <a:p>
+            <a:r>
+              <a:rPr lang="zh-CN" altLang="en-US" dirty="0"/>
+              <a:t>实体</a:t>
+            </a:r>
+            <a:endParaRPr lang="en-US" altLang="zh-CN" dirty="0"/>
+          </a:p>
+          <a:p>
+            <a:r>
+              <a:rPr lang="zh-CN" altLang="en-US" dirty="0"/>
+              <a:t>值对象</a:t>
+            </a:r>
+            <a:endParaRPr lang="en-US" altLang="zh-CN" dirty="0"/>
+          </a:p>
+          <a:p>
+            <a:r>
+              <a:rPr lang="en-US" altLang="zh-CN" dirty="0"/>
+              <a:t>CQRS</a:t>
+            </a:r>
+          </a:p>
+          <a:p>
+            <a:r>
+              <a:rPr lang="zh-CN" altLang="en-US" dirty="0"/>
+              <a:t>事件溯源</a:t>
+            </a:r>
           </a:p>
         </p:txBody>
       </p:sp>
     </p:spTree>
     <p:extLst>
       <p:ext uri="{BB962C8B-B14F-4D97-AF65-F5344CB8AC3E}">
-        <p14:creationId xmlns:p14="http://schemas.microsoft.com/office/powerpoint/2010/main" val="4011406938"/>
+        <p14:creationId xmlns:p14="http://schemas.microsoft.com/office/powerpoint/2010/main" val="4201465018"/>
       </p:ext>
     </p:extLst>
   </p:cSld>
@@ -11669,6 +11852,114 @@
           <p:cNvPr id="2" name="标题 1">
             <a:extLst>
               <a:ext uri="{FF2B5EF4-FFF2-40B4-BE49-F238E27FC236}">
+                <a16:creationId xmlns:a16="http://schemas.microsoft.com/office/drawing/2014/main" id="{A2657629-71C7-4E0A-9A4D-22B7D109DCB9}"/>
+              </a:ext>
+            </a:extLst>
+          </p:cNvPr>
+          <p:cNvSpPr>
+            <a:spLocks noGrp="1"/>
+          </p:cNvSpPr>
+          <p:nvPr>
+            <p:ph type="title"/>
+          </p:nvPr>
+        </p:nvSpPr>
+        <p:spPr/>
+        <p:txBody>
+          <a:bodyPr/>
+          <a:lstStyle/>
+          <a:p>
+            <a:r>
+              <a:rPr lang="en-US" altLang="zh-CN" dirty="0">
+                <a:solidFill>
+                  <a:srgbClr val="FF0000"/>
+                </a:solidFill>
+              </a:rPr>
+              <a:t>4 </a:t>
+            </a:r>
+            <a:r>
+              <a:rPr lang="zh-CN" altLang="en-US" dirty="0">
+                <a:solidFill>
+                  <a:srgbClr val="FF0000"/>
+                </a:solidFill>
+              </a:rPr>
+              <a:t>框架</a:t>
+            </a:r>
+          </a:p>
+        </p:txBody>
+      </p:sp>
+      <p:sp>
+        <p:nvSpPr>
+          <p:cNvPr id="3" name="内容占位符 2">
+            <a:extLst>
+              <a:ext uri="{FF2B5EF4-FFF2-40B4-BE49-F238E27FC236}">
+                <a16:creationId xmlns:a16="http://schemas.microsoft.com/office/drawing/2014/main" id="{D59DB735-6BCC-441B-8B1F-AED5480B4370}"/>
+              </a:ext>
+            </a:extLst>
+          </p:cNvPr>
+          <p:cNvSpPr>
+            <a:spLocks noGrp="1"/>
+          </p:cNvSpPr>
+          <p:nvPr>
+            <p:ph idx="1"/>
+          </p:nvPr>
+        </p:nvSpPr>
+        <p:spPr/>
+        <p:txBody>
+          <a:bodyPr/>
+          <a:lstStyle/>
+          <a:p>
+            <a:r>
+              <a:rPr lang="en-US" altLang="zh-CN" dirty="0"/>
+              <a:t>Alibaba-cola</a:t>
+            </a:r>
+          </a:p>
+          <a:p>
+            <a:r>
+              <a:rPr lang="en-US" altLang="zh-CN" dirty="0" err="1"/>
+              <a:t>jdon</a:t>
+            </a:r>
+            <a:endParaRPr lang="en-US" altLang="zh-CN" dirty="0"/>
+          </a:p>
+          <a:p>
+            <a:endParaRPr lang="zh-CN" altLang="en-US" dirty="0"/>
+          </a:p>
+        </p:txBody>
+      </p:sp>
+    </p:spTree>
+    <p:extLst>
+      <p:ext uri="{BB962C8B-B14F-4D97-AF65-F5344CB8AC3E}">
+        <p14:creationId xmlns:p14="http://schemas.microsoft.com/office/powerpoint/2010/main" val="4011406938"/>
+      </p:ext>
+    </p:extLst>
+  </p:cSld>
+  <p:clrMapOvr>
+    <a:masterClrMapping/>
+  </p:clrMapOvr>
+</p:sld>
+</file>
+
+<file path=ppt/slides/slide32.xml><?xml version="1.0" encoding="utf-8"?>
+<p:sld xmlns:a="http://schemas.openxmlformats.org/drawingml/2006/main" xmlns:r="http://schemas.openxmlformats.org/officeDocument/2006/relationships" xmlns:p="http://schemas.openxmlformats.org/presentationml/2006/main">
+  <p:cSld>
+    <p:spTree>
+      <p:nvGrpSpPr>
+        <p:cNvPr id="1" name=""/>
+        <p:cNvGrpSpPr/>
+        <p:nvPr/>
+      </p:nvGrpSpPr>
+      <p:grpSpPr>
+        <a:xfrm>
+          <a:off x="0" y="0"/>
+          <a:ext cx="0" cy="0"/>
+          <a:chOff x="0" y="0"/>
+          <a:chExt cx="0" cy="0"/>
+        </a:xfrm>
+      </p:grpSpPr>
+      <p:sp>
+        <p:nvSpPr>
+          <p:cNvPr id="2" name="标题 1">
+            <a:extLst>
+              <a:ext uri="{FF2B5EF4-FFF2-40B4-BE49-F238E27FC236}">
                 <a16:creationId xmlns:a16="http://schemas.microsoft.com/office/drawing/2014/main" id="{E4CC363C-9716-4D35-B54A-70863F98DE48}"/>
               </a:ext>
             </a:extLst>
@@ -11828,7 +12119,7 @@
 </p:sld>
 </file>
 
-<file path=ppt/slides/slide32.xml><?xml version="1.0" encoding="utf-8"?>
+<file path=ppt/slides/slide33.xml><?xml version="1.0" encoding="utf-8"?>
 <p:sld xmlns:a="http://schemas.openxmlformats.org/drawingml/2006/main" xmlns:r="http://schemas.openxmlformats.org/officeDocument/2006/relationships" xmlns:p="http://schemas.openxmlformats.org/presentationml/2006/main">
   <p:cSld>
     <p:spTree>
@@ -11948,7 +12239,7 @@
 </p:sld>
 </file>
 
-<file path=ppt/slides/slide33.xml><?xml version="1.0" encoding="utf-8"?>
+<file path=ppt/slides/slide34.xml><?xml version="1.0" encoding="utf-8"?>
 <p:sld xmlns:a="http://schemas.openxmlformats.org/drawingml/2006/main" xmlns:r="http://schemas.openxmlformats.org/officeDocument/2006/relationships" xmlns:p="http://schemas.openxmlformats.org/presentationml/2006/main">
   <p:cSld>
     <p:spTree>
@@ -12186,7 +12477,7 @@
 </p:sld>
 </file>
 
-<file path=ppt/slides/slide34.xml><?xml version="1.0" encoding="utf-8"?>
+<file path=ppt/slides/slide35.xml><?xml version="1.0" encoding="utf-8"?>
 <p:sld xmlns:a="http://schemas.openxmlformats.org/drawingml/2006/main" xmlns:r="http://schemas.openxmlformats.org/officeDocument/2006/relationships" xmlns:p="http://schemas.openxmlformats.org/presentationml/2006/main">
   <p:cSld>
     <p:spTree>
@@ -12408,7 +12699,7 @@
 </p:sld>
 </file>
 
-<file path=ppt/slides/slide35.xml><?xml version="1.0" encoding="utf-8"?>
+<file path=ppt/slides/slide36.xml><?xml version="1.0" encoding="utf-8"?>
 <p:sld xmlns:a="http://schemas.openxmlformats.org/drawingml/2006/main" xmlns:r="http://schemas.openxmlformats.org/officeDocument/2006/relationships" xmlns:p="http://schemas.openxmlformats.org/presentationml/2006/main">
   <p:cSld>
     <p:spTree>
@@ -12536,7 +12827,7 @@
 </p:sld>
 </file>
 
-<file path=ppt/slides/slide36.xml><?xml version="1.0" encoding="utf-8"?>
+<file path=ppt/slides/slide37.xml><?xml version="1.0" encoding="utf-8"?>
 <p:sld xmlns:a="http://schemas.openxmlformats.org/drawingml/2006/main" xmlns:r="http://schemas.openxmlformats.org/officeDocument/2006/relationships" xmlns:p="http://schemas.openxmlformats.org/presentationml/2006/main">
   <p:cSld>
     <p:spTree>
@@ -12615,180 +12906,6 @@
     <p:extLst>
       <p:ext uri="{BB962C8B-B14F-4D97-AF65-F5344CB8AC3E}">
         <p14:creationId xmlns:p14="http://schemas.microsoft.com/office/powerpoint/2010/main" val="4188091068"/>
-      </p:ext>
-    </p:extLst>
-  </p:cSld>
-  <p:clrMapOvr>
-    <a:masterClrMapping/>
-  </p:clrMapOvr>
-</p:sld>
-</file>
-
-<file path=ppt/slides/slide37.xml><?xml version="1.0" encoding="utf-8"?>
-<p:sld xmlns:a="http://schemas.openxmlformats.org/drawingml/2006/main" xmlns:r="http://schemas.openxmlformats.org/officeDocument/2006/relationships" xmlns:p="http://schemas.openxmlformats.org/presentationml/2006/main">
-  <p:cSld>
-    <p:spTree>
-      <p:nvGrpSpPr>
-        <p:cNvPr id="1" name=""/>
-        <p:cNvGrpSpPr/>
-        <p:nvPr/>
-      </p:nvGrpSpPr>
-      <p:grpSpPr>
-        <a:xfrm>
-          <a:off x="0" y="0"/>
-          <a:ext cx="0" cy="0"/>
-          <a:chOff x="0" y="0"/>
-          <a:chExt cx="0" cy="0"/>
-        </a:xfrm>
-      </p:grpSpPr>
-      <p:sp>
-        <p:nvSpPr>
-          <p:cNvPr id="2" name="标题 1">
-            <a:extLst>
-              <a:ext uri="{FF2B5EF4-FFF2-40B4-BE49-F238E27FC236}">
-                <a16:creationId xmlns:a16="http://schemas.microsoft.com/office/drawing/2014/main" id="{10E8415B-67BE-4606-BE92-03A09609F44C}"/>
-              </a:ext>
-            </a:extLst>
-          </p:cNvPr>
-          <p:cNvSpPr>
-            <a:spLocks noGrp="1"/>
-          </p:cNvSpPr>
-          <p:nvPr>
-            <p:ph type="title"/>
-          </p:nvPr>
-        </p:nvSpPr>
-        <p:spPr/>
-        <p:txBody>
-          <a:bodyPr/>
-          <a:lstStyle/>
-          <a:p>
-            <a:r>
-              <a:rPr lang="zh-CN" altLang="en-US" dirty="0">
-                <a:solidFill>
-                  <a:srgbClr val="FF0000"/>
-                </a:solidFill>
-              </a:rPr>
-              <a:t>设计的杂谈</a:t>
-            </a:r>
-          </a:p>
-        </p:txBody>
-      </p:sp>
-      <p:sp>
-        <p:nvSpPr>
-          <p:cNvPr id="3" name="内容占位符 2">
-            <a:extLst>
-              <a:ext uri="{FF2B5EF4-FFF2-40B4-BE49-F238E27FC236}">
-                <a16:creationId xmlns:a16="http://schemas.microsoft.com/office/drawing/2014/main" id="{BB684A24-6D1C-40A7-B812-FD3FDE6316CB}"/>
-              </a:ext>
-            </a:extLst>
-          </p:cNvPr>
-          <p:cNvSpPr>
-            <a:spLocks noGrp="1"/>
-          </p:cNvSpPr>
-          <p:nvPr>
-            <p:ph idx="1"/>
-          </p:nvPr>
-        </p:nvSpPr>
-        <p:spPr/>
-        <p:txBody>
-          <a:bodyPr/>
-          <a:lstStyle/>
-          <a:p>
-            <a:r>
-              <a:rPr lang="en-US" altLang="zh-CN" dirty="0"/>
-              <a:t>1 </a:t>
-            </a:r>
-            <a:r>
-              <a:rPr lang="zh-CN" altLang="en-US" dirty="0"/>
-              <a:t>写代码重在设计</a:t>
-            </a:r>
-            <a:endParaRPr lang="en-US" altLang="zh-CN" dirty="0"/>
-          </a:p>
-          <a:p>
-            <a:r>
-              <a:rPr lang="en-US" altLang="zh-CN" dirty="0"/>
-              <a:t>2 </a:t>
-            </a:r>
-            <a:r>
-              <a:rPr lang="zh-CN" altLang="en-US" dirty="0"/>
-              <a:t>设计保持一致性</a:t>
-            </a:r>
-            <a:endParaRPr lang="en-US" altLang="zh-CN" dirty="0"/>
-          </a:p>
-          <a:p>
-            <a:r>
-              <a:rPr lang="en-US" altLang="zh-CN" dirty="0"/>
-              <a:t>3 </a:t>
-            </a:r>
-            <a:r>
-              <a:rPr lang="zh-CN" altLang="en-US" dirty="0"/>
-              <a:t>一致性带来品味</a:t>
-            </a:r>
-            <a:endParaRPr lang="en-US" altLang="zh-CN" dirty="0"/>
-          </a:p>
-          <a:p>
-            <a:r>
-              <a:rPr lang="en-US" altLang="zh-CN" dirty="0"/>
-              <a:t>4  </a:t>
-            </a:r>
-            <a:r>
-              <a:rPr lang="zh-CN" altLang="en-US" dirty="0"/>
-              <a:t>同时重视原理和</a:t>
-            </a:r>
-            <a:r>
-              <a:rPr lang="zh-CN" altLang="en-US" b="1" dirty="0">
-                <a:solidFill>
-                  <a:srgbClr val="FF0000"/>
-                </a:solidFill>
-              </a:rPr>
-              <a:t>设计</a:t>
-            </a:r>
-            <a:r>
-              <a:rPr lang="zh-CN" altLang="en-US" dirty="0"/>
-              <a:t> </a:t>
-            </a:r>
-            <a:endParaRPr lang="en-US" altLang="zh-CN" dirty="0"/>
-          </a:p>
-          <a:p>
-            <a:pPr lvl="1"/>
-            <a:r>
-              <a:rPr lang="zh-CN" altLang="en-US" dirty="0"/>
-              <a:t>两道经典面试题</a:t>
-            </a:r>
-            <a:endParaRPr lang="en-US" altLang="zh-CN" dirty="0"/>
-          </a:p>
-          <a:p>
-            <a:pPr lvl="2"/>
-            <a:r>
-              <a:rPr lang="en-US" altLang="zh-CN" dirty="0"/>
-              <a:t>HashMap</a:t>
-            </a:r>
-            <a:r>
-              <a:rPr lang="zh-CN" altLang="en-US" dirty="0"/>
-              <a:t>原理是什么？</a:t>
-            </a:r>
-            <a:endParaRPr lang="en-US" altLang="zh-CN" dirty="0"/>
-          </a:p>
-          <a:p>
-            <a:pPr lvl="2"/>
-            <a:r>
-              <a:rPr lang="zh-CN" altLang="en-US" dirty="0"/>
-              <a:t>线程状态有哪些？</a:t>
-            </a:r>
-            <a:endParaRPr lang="en-US" altLang="zh-CN" dirty="0"/>
-          </a:p>
-          <a:p>
-            <a:pPr marL="0" indent="0">
-              <a:buNone/>
-            </a:pPr>
-            <a:endParaRPr lang="zh-CN" altLang="en-US" dirty="0"/>
-          </a:p>
-        </p:txBody>
-      </p:sp>
-    </p:spTree>
-    <p:extLst>
-      <p:ext uri="{BB962C8B-B14F-4D97-AF65-F5344CB8AC3E}">
-        <p14:creationId xmlns:p14="http://schemas.microsoft.com/office/powerpoint/2010/main" val="513915838"/>
       </p:ext>
     </p:extLst>
   </p:cSld>
@@ -12820,6 +12937,180 @@
           <p:cNvPr id="2" name="标题 1">
             <a:extLst>
               <a:ext uri="{FF2B5EF4-FFF2-40B4-BE49-F238E27FC236}">
+                <a16:creationId xmlns:a16="http://schemas.microsoft.com/office/drawing/2014/main" id="{10E8415B-67BE-4606-BE92-03A09609F44C}"/>
+              </a:ext>
+            </a:extLst>
+          </p:cNvPr>
+          <p:cNvSpPr>
+            <a:spLocks noGrp="1"/>
+          </p:cNvSpPr>
+          <p:nvPr>
+            <p:ph type="title"/>
+          </p:nvPr>
+        </p:nvSpPr>
+        <p:spPr/>
+        <p:txBody>
+          <a:bodyPr/>
+          <a:lstStyle/>
+          <a:p>
+            <a:r>
+              <a:rPr lang="zh-CN" altLang="en-US" dirty="0">
+                <a:solidFill>
+                  <a:srgbClr val="FF0000"/>
+                </a:solidFill>
+              </a:rPr>
+              <a:t>设计的杂谈</a:t>
+            </a:r>
+          </a:p>
+        </p:txBody>
+      </p:sp>
+      <p:sp>
+        <p:nvSpPr>
+          <p:cNvPr id="3" name="内容占位符 2">
+            <a:extLst>
+              <a:ext uri="{FF2B5EF4-FFF2-40B4-BE49-F238E27FC236}">
+                <a16:creationId xmlns:a16="http://schemas.microsoft.com/office/drawing/2014/main" id="{BB684A24-6D1C-40A7-B812-FD3FDE6316CB}"/>
+              </a:ext>
+            </a:extLst>
+          </p:cNvPr>
+          <p:cNvSpPr>
+            <a:spLocks noGrp="1"/>
+          </p:cNvSpPr>
+          <p:nvPr>
+            <p:ph idx="1"/>
+          </p:nvPr>
+        </p:nvSpPr>
+        <p:spPr/>
+        <p:txBody>
+          <a:bodyPr/>
+          <a:lstStyle/>
+          <a:p>
+            <a:r>
+              <a:rPr lang="en-US" altLang="zh-CN" dirty="0"/>
+              <a:t>1 </a:t>
+            </a:r>
+            <a:r>
+              <a:rPr lang="zh-CN" altLang="en-US" dirty="0"/>
+              <a:t>写代码重在设计</a:t>
+            </a:r>
+            <a:endParaRPr lang="en-US" altLang="zh-CN" dirty="0"/>
+          </a:p>
+          <a:p>
+            <a:r>
+              <a:rPr lang="en-US" altLang="zh-CN" dirty="0"/>
+              <a:t>2 </a:t>
+            </a:r>
+            <a:r>
+              <a:rPr lang="zh-CN" altLang="en-US" dirty="0"/>
+              <a:t>设计保持一致性</a:t>
+            </a:r>
+            <a:endParaRPr lang="en-US" altLang="zh-CN" dirty="0"/>
+          </a:p>
+          <a:p>
+            <a:r>
+              <a:rPr lang="en-US" altLang="zh-CN" dirty="0"/>
+              <a:t>3 </a:t>
+            </a:r>
+            <a:r>
+              <a:rPr lang="zh-CN" altLang="en-US" dirty="0"/>
+              <a:t>一致性带来品味</a:t>
+            </a:r>
+            <a:endParaRPr lang="en-US" altLang="zh-CN" dirty="0"/>
+          </a:p>
+          <a:p>
+            <a:r>
+              <a:rPr lang="en-US" altLang="zh-CN" dirty="0"/>
+              <a:t>4  </a:t>
+            </a:r>
+            <a:r>
+              <a:rPr lang="zh-CN" altLang="en-US" dirty="0"/>
+              <a:t>同时重视原理和</a:t>
+            </a:r>
+            <a:r>
+              <a:rPr lang="zh-CN" altLang="en-US" b="1" dirty="0">
+                <a:solidFill>
+                  <a:srgbClr val="FF0000"/>
+                </a:solidFill>
+              </a:rPr>
+              <a:t>设计</a:t>
+            </a:r>
+            <a:r>
+              <a:rPr lang="zh-CN" altLang="en-US" dirty="0"/>
+              <a:t> </a:t>
+            </a:r>
+            <a:endParaRPr lang="en-US" altLang="zh-CN" dirty="0"/>
+          </a:p>
+          <a:p>
+            <a:pPr lvl="1"/>
+            <a:r>
+              <a:rPr lang="zh-CN" altLang="en-US" dirty="0"/>
+              <a:t>两道经典面试题</a:t>
+            </a:r>
+            <a:endParaRPr lang="en-US" altLang="zh-CN" dirty="0"/>
+          </a:p>
+          <a:p>
+            <a:pPr lvl="2"/>
+            <a:r>
+              <a:rPr lang="en-US" altLang="zh-CN" dirty="0"/>
+              <a:t>HashMap</a:t>
+            </a:r>
+            <a:r>
+              <a:rPr lang="zh-CN" altLang="en-US" dirty="0"/>
+              <a:t>原理是什么？</a:t>
+            </a:r>
+            <a:endParaRPr lang="en-US" altLang="zh-CN" dirty="0"/>
+          </a:p>
+          <a:p>
+            <a:pPr lvl="2"/>
+            <a:r>
+              <a:rPr lang="zh-CN" altLang="en-US" dirty="0"/>
+              <a:t>线程状态有哪些？</a:t>
+            </a:r>
+            <a:endParaRPr lang="en-US" altLang="zh-CN" dirty="0"/>
+          </a:p>
+          <a:p>
+            <a:pPr marL="0" indent="0">
+              <a:buNone/>
+            </a:pPr>
+            <a:endParaRPr lang="zh-CN" altLang="en-US" dirty="0"/>
+          </a:p>
+        </p:txBody>
+      </p:sp>
+    </p:spTree>
+    <p:extLst>
+      <p:ext uri="{BB962C8B-B14F-4D97-AF65-F5344CB8AC3E}">
+        <p14:creationId xmlns:p14="http://schemas.microsoft.com/office/powerpoint/2010/main" val="513915838"/>
+      </p:ext>
+    </p:extLst>
+  </p:cSld>
+  <p:clrMapOvr>
+    <a:masterClrMapping/>
+  </p:clrMapOvr>
+</p:sld>
+</file>
+
+<file path=ppt/slides/slide39.xml><?xml version="1.0" encoding="utf-8"?>
+<p:sld xmlns:a="http://schemas.openxmlformats.org/drawingml/2006/main" xmlns:r="http://schemas.openxmlformats.org/officeDocument/2006/relationships" xmlns:p="http://schemas.openxmlformats.org/presentationml/2006/main">
+  <p:cSld>
+    <p:spTree>
+      <p:nvGrpSpPr>
+        <p:cNvPr id="1" name=""/>
+        <p:cNvGrpSpPr/>
+        <p:nvPr/>
+      </p:nvGrpSpPr>
+      <p:grpSpPr>
+        <a:xfrm>
+          <a:off x="0" y="0"/>
+          <a:ext cx="0" cy="0"/>
+          <a:chOff x="0" y="0"/>
+          <a:chExt cx="0" cy="0"/>
+        </a:xfrm>
+      </p:grpSpPr>
+      <p:sp>
+        <p:nvSpPr>
+          <p:cNvPr id="2" name="标题 1">
+            <a:extLst>
+              <a:ext uri="{FF2B5EF4-FFF2-40B4-BE49-F238E27FC236}">
                 <a16:creationId xmlns:a16="http://schemas.microsoft.com/office/drawing/2014/main" id="{771CD703-4831-4E19-B16A-EE2EDAEA36DB}"/>
               </a:ext>
             </a:extLst>
@@ -13144,7 +13435,355 @@
 </p:sld>
 </file>
 
-<file path=ppt/slides/slide39.xml><?xml version="1.0" encoding="utf-8"?>
+<file path=ppt/slides/slide4.xml><?xml version="1.0" encoding="utf-8"?>
+<p:sld xmlns:a="http://schemas.openxmlformats.org/drawingml/2006/main" xmlns:r="http://schemas.openxmlformats.org/officeDocument/2006/relationships" xmlns:p="http://schemas.openxmlformats.org/presentationml/2006/main">
+  <p:cSld>
+    <p:spTree>
+      <p:nvGrpSpPr>
+        <p:cNvPr id="1" name=""/>
+        <p:cNvGrpSpPr/>
+        <p:nvPr/>
+      </p:nvGrpSpPr>
+      <p:grpSpPr>
+        <a:xfrm>
+          <a:off x="0" y="0"/>
+          <a:ext cx="0" cy="0"/>
+          <a:chOff x="0" y="0"/>
+          <a:chExt cx="0" cy="0"/>
+        </a:xfrm>
+      </p:grpSpPr>
+      <p:sp>
+        <p:nvSpPr>
+          <p:cNvPr id="2" name="标题 1">
+            <a:extLst>
+              <a:ext uri="{FF2B5EF4-FFF2-40B4-BE49-F238E27FC236}">
+                <a16:creationId xmlns:a16="http://schemas.microsoft.com/office/drawing/2014/main" id="{640C9FF2-CE77-49D3-8337-B1F32A3E817F}"/>
+              </a:ext>
+            </a:extLst>
+          </p:cNvPr>
+          <p:cNvSpPr>
+            <a:spLocks noGrp="1"/>
+          </p:cNvSpPr>
+          <p:nvPr>
+            <p:ph type="title"/>
+          </p:nvPr>
+        </p:nvSpPr>
+        <p:spPr/>
+        <p:txBody>
+          <a:bodyPr/>
+          <a:lstStyle/>
+          <a:p>
+            <a:r>
+              <a:rPr lang="zh-CN" altLang="en-US" dirty="0">
+                <a:solidFill>
+                  <a:srgbClr val="FF0000"/>
+                </a:solidFill>
+              </a:rPr>
+              <a:t>大纲</a:t>
+            </a:r>
+          </a:p>
+        </p:txBody>
+      </p:sp>
+      <p:sp>
+        <p:nvSpPr>
+          <p:cNvPr id="3" name="内容占位符 2">
+            <a:extLst>
+              <a:ext uri="{FF2B5EF4-FFF2-40B4-BE49-F238E27FC236}">
+                <a16:creationId xmlns:a16="http://schemas.microsoft.com/office/drawing/2014/main" id="{56BBF781-F81E-4712-9EC0-1C64D9AD3210}"/>
+              </a:ext>
+            </a:extLst>
+          </p:cNvPr>
+          <p:cNvSpPr>
+            <a:spLocks noGrp="1"/>
+          </p:cNvSpPr>
+          <p:nvPr>
+            <p:ph idx="1"/>
+          </p:nvPr>
+        </p:nvSpPr>
+        <p:spPr/>
+        <p:txBody>
+          <a:bodyPr>
+            <a:normAutofit fontScale="40000" lnSpcReduction="20000"/>
+          </a:bodyPr>
+          <a:lstStyle/>
+          <a:p>
+            <a:r>
+              <a:rPr lang="en-US" altLang="zh-CN" dirty="0">
+                <a:solidFill>
+                  <a:srgbClr val="FF0000"/>
+                </a:solidFill>
+              </a:rPr>
+              <a:t>1  CRUD</a:t>
+            </a:r>
+          </a:p>
+          <a:p>
+            <a:pPr lvl="1"/>
+            <a:r>
+              <a:rPr lang="zh-CN" altLang="en-US" dirty="0"/>
+              <a:t>命名</a:t>
+            </a:r>
+            <a:endParaRPr lang="en-US" altLang="zh-CN" dirty="0"/>
+          </a:p>
+          <a:p>
+            <a:pPr lvl="1"/>
+            <a:r>
+              <a:rPr lang="en-US" altLang="zh-CN" dirty="0"/>
+              <a:t>MVC</a:t>
+            </a:r>
+            <a:r>
+              <a:rPr lang="zh-CN" altLang="en-US" dirty="0"/>
+              <a:t>标准过程</a:t>
+            </a:r>
+            <a:endParaRPr lang="en-US" altLang="zh-CN" dirty="0"/>
+          </a:p>
+          <a:p>
+            <a:pPr lvl="1"/>
+            <a:r>
+              <a:rPr lang="zh-CN" altLang="en-US" dirty="0"/>
+              <a:t>修改代码</a:t>
+            </a:r>
+            <a:endParaRPr lang="en-US" altLang="zh-CN" dirty="0"/>
+          </a:p>
+          <a:p>
+            <a:r>
+              <a:rPr lang="en-US" altLang="zh-CN" dirty="0">
+                <a:solidFill>
+                  <a:srgbClr val="FF0000"/>
+                </a:solidFill>
+              </a:rPr>
+              <a:t>2  Pattern</a:t>
+            </a:r>
+          </a:p>
+          <a:p>
+            <a:pPr lvl="1"/>
+            <a:r>
+              <a:rPr lang="zh-CN" altLang="en-US" dirty="0"/>
+              <a:t>依赖管理</a:t>
+            </a:r>
+            <a:endParaRPr lang="en-US" altLang="zh-CN" dirty="0"/>
+          </a:p>
+          <a:p>
+            <a:pPr lvl="1"/>
+            <a:r>
+              <a:rPr lang="zh-CN" altLang="en-US" dirty="0"/>
+              <a:t>资源管理</a:t>
+            </a:r>
+            <a:endParaRPr lang="en-US" altLang="zh-CN" dirty="0"/>
+          </a:p>
+          <a:p>
+            <a:pPr lvl="1"/>
+            <a:r>
+              <a:rPr lang="zh-CN" altLang="en-US" dirty="0"/>
+              <a:t>设计模式</a:t>
+            </a:r>
+            <a:endParaRPr lang="en-US" altLang="zh-CN" dirty="0"/>
+          </a:p>
+          <a:p>
+            <a:pPr lvl="1"/>
+            <a:r>
+              <a:rPr lang="en-US" altLang="zh-CN" dirty="0"/>
+              <a:t>GRASP</a:t>
+            </a:r>
+          </a:p>
+          <a:p>
+            <a:r>
+              <a:rPr lang="en-US" altLang="zh-CN" dirty="0">
+                <a:solidFill>
+                  <a:srgbClr val="FF0000"/>
+                </a:solidFill>
+              </a:rPr>
+              <a:t>3  OOADP</a:t>
+            </a:r>
+          </a:p>
+          <a:p>
+            <a:pPr lvl="1"/>
+            <a:r>
+              <a:rPr lang="zh-CN" altLang="en-US" dirty="0"/>
+              <a:t>重构</a:t>
+            </a:r>
+            <a:endParaRPr lang="en-US" altLang="zh-CN" dirty="0"/>
+          </a:p>
+          <a:p>
+            <a:pPr lvl="1"/>
+            <a:r>
+              <a:rPr lang="zh-CN" altLang="en-US" dirty="0"/>
+              <a:t>建模</a:t>
+            </a:r>
+            <a:endParaRPr lang="en-US" altLang="zh-CN" dirty="0"/>
+          </a:p>
+          <a:p>
+            <a:pPr lvl="1"/>
+            <a:r>
+              <a:rPr lang="en-US" altLang="zh-CN" dirty="0" err="1"/>
+              <a:t>RedisClientTemplate</a:t>
+            </a:r>
+            <a:r>
+              <a:rPr lang="zh-CN" altLang="en-US" dirty="0"/>
+              <a:t>扩展</a:t>
+            </a:r>
+            <a:endParaRPr lang="en-US" altLang="zh-CN" dirty="0"/>
+          </a:p>
+          <a:p>
+            <a:r>
+              <a:rPr lang="en-US" altLang="zh-CN" dirty="0">
+                <a:solidFill>
+                  <a:srgbClr val="FF0000"/>
+                </a:solidFill>
+              </a:rPr>
+              <a:t>4  DDD</a:t>
+            </a:r>
+          </a:p>
+          <a:p>
+            <a:pPr lvl="1"/>
+            <a:r>
+              <a:rPr lang="zh-CN" altLang="en-US" dirty="0"/>
+              <a:t>统一语言</a:t>
+            </a:r>
+            <a:endParaRPr lang="en-US" altLang="zh-CN" dirty="0"/>
+          </a:p>
+          <a:p>
+            <a:pPr lvl="1"/>
+            <a:r>
+              <a:rPr lang="zh-CN" altLang="en-US" dirty="0"/>
+              <a:t>充提限界上下文</a:t>
+            </a:r>
+            <a:endParaRPr lang="en-US" altLang="zh-CN" dirty="0"/>
+          </a:p>
+          <a:p>
+            <a:pPr lvl="1"/>
+            <a:r>
+              <a:rPr lang="zh-CN" altLang="en-US" dirty="0"/>
+              <a:t>开放平台的边界</a:t>
+            </a:r>
+            <a:endParaRPr lang="en-US" altLang="zh-CN" dirty="0"/>
+          </a:p>
+          <a:p>
+            <a:r>
+              <a:rPr lang="en-US" altLang="zh-CN" dirty="0">
+                <a:solidFill>
+                  <a:srgbClr val="FF0000"/>
+                </a:solidFill>
+              </a:rPr>
+              <a:t>5  </a:t>
+            </a:r>
+            <a:r>
+              <a:rPr lang="zh-CN" altLang="en-US" dirty="0">
+                <a:solidFill>
+                  <a:srgbClr val="FF0000"/>
+                </a:solidFill>
+              </a:rPr>
+              <a:t>设计综合趣谈</a:t>
+            </a:r>
+            <a:endParaRPr lang="en-US" altLang="zh-CN" dirty="0">
+              <a:solidFill>
+                <a:srgbClr val="FF0000"/>
+              </a:solidFill>
+            </a:endParaRPr>
+          </a:p>
+          <a:p>
+            <a:pPr lvl="1"/>
+            <a:r>
+              <a:rPr lang="en-US" altLang="zh-CN" dirty="0"/>
+              <a:t>Java</a:t>
+            </a:r>
+            <a:r>
+              <a:rPr lang="zh-CN" altLang="en-US" dirty="0"/>
+              <a:t>集合灵魂</a:t>
+            </a:r>
+            <a:endParaRPr lang="en-US" altLang="zh-CN" dirty="0"/>
+          </a:p>
+          <a:p>
+            <a:pPr lvl="1"/>
+            <a:r>
+              <a:rPr lang="en-US" altLang="zh-CN" dirty="0"/>
+              <a:t>API Design About </a:t>
+            </a:r>
+            <a:r>
+              <a:rPr lang="en-US" altLang="zh-CN" dirty="0" err="1"/>
+              <a:t>LoadingCache</a:t>
+            </a:r>
+            <a:r>
+              <a:rPr lang="en-US" altLang="zh-CN" dirty="0"/>
+              <a:t> </a:t>
+            </a:r>
+            <a:r>
+              <a:rPr lang="zh-CN" altLang="en-US" dirty="0"/>
+              <a:t>，</a:t>
+            </a:r>
+            <a:r>
+              <a:rPr lang="en-US" altLang="zh-CN" dirty="0" err="1"/>
+              <a:t>ThreadLocal</a:t>
+            </a:r>
+            <a:r>
+              <a:rPr lang="zh-CN" altLang="en-US" dirty="0"/>
+              <a:t>，</a:t>
+            </a:r>
+            <a:r>
+              <a:rPr lang="en-US" altLang="zh-CN" dirty="0"/>
+              <a:t>Unix IO  </a:t>
+            </a:r>
+          </a:p>
+          <a:p>
+            <a:pPr lvl="1"/>
+            <a:r>
+              <a:rPr lang="en-US" altLang="zh-CN" dirty="0"/>
+              <a:t>Executor Framework</a:t>
+            </a:r>
+          </a:p>
+          <a:p>
+            <a:pPr lvl="1"/>
+            <a:r>
+              <a:rPr lang="en-US" altLang="zh-CN" dirty="0"/>
+              <a:t>AOP</a:t>
+            </a:r>
+            <a:r>
+              <a:rPr lang="zh-CN" altLang="en-US" dirty="0"/>
+              <a:t> </a:t>
+            </a:r>
+            <a:r>
+              <a:rPr lang="en-US" altLang="zh-CN" dirty="0"/>
+              <a:t>Alliance </a:t>
+            </a:r>
+          </a:p>
+          <a:p>
+            <a:r>
+              <a:rPr lang="en-US" altLang="zh-CN" dirty="0">
+                <a:solidFill>
+                  <a:srgbClr val="FF0000"/>
+                </a:solidFill>
+              </a:rPr>
+              <a:t>6 </a:t>
+            </a:r>
+            <a:r>
+              <a:rPr lang="zh-CN" altLang="en-US" dirty="0">
+                <a:solidFill>
+                  <a:srgbClr val="FF0000"/>
+                </a:solidFill>
+              </a:rPr>
+              <a:t>软件设计启发录</a:t>
+            </a:r>
+            <a:endParaRPr lang="en-US" altLang="zh-CN" dirty="0">
+              <a:solidFill>
+                <a:srgbClr val="FF0000"/>
+              </a:solidFill>
+            </a:endParaRPr>
+          </a:p>
+        </p:txBody>
+      </p:sp>
+    </p:spTree>
+    <p:extLst>
+      <p:ext uri="{BB962C8B-B14F-4D97-AF65-F5344CB8AC3E}">
+        <p14:creationId xmlns:p14="http://schemas.microsoft.com/office/powerpoint/2010/main" val="977362321"/>
+      </p:ext>
+    </p:extLst>
+  </p:cSld>
+  <p:clrMapOvr>
+    <a:masterClrMapping/>
+  </p:clrMapOvr>
+</p:sld>
+</file>
+
+<file path=ppt/slides/slide40.xml><?xml version="1.0" encoding="utf-8"?>
 <p:sld xmlns:a="http://schemas.openxmlformats.org/drawingml/2006/main" xmlns:r="http://schemas.openxmlformats.org/officeDocument/2006/relationships" xmlns:p="http://schemas.openxmlformats.org/presentationml/2006/main">
   <p:cSld>
     <p:spTree>
@@ -13259,7 +13898,7 @@
 </p:sld>
 </file>
 
-<file path=ppt/slides/slide4.xml><?xml version="1.0" encoding="utf-8"?>
+<file path=ppt/slides/slide41.xml><?xml version="1.0" encoding="utf-8"?>
 <p:sld xmlns:a="http://schemas.openxmlformats.org/drawingml/2006/main" xmlns:r="http://schemas.openxmlformats.org/officeDocument/2006/relationships" xmlns:p="http://schemas.openxmlformats.org/presentationml/2006/main">
   <p:cSld>
     <p:spTree>
@@ -13281,354 +13920,6 @@
           <p:cNvPr id="2" name="标题 1">
             <a:extLst>
               <a:ext uri="{FF2B5EF4-FFF2-40B4-BE49-F238E27FC236}">
-                <a16:creationId xmlns:a16="http://schemas.microsoft.com/office/drawing/2014/main" id="{640C9FF2-CE77-49D3-8337-B1F32A3E817F}"/>
-              </a:ext>
-            </a:extLst>
-          </p:cNvPr>
-          <p:cNvSpPr>
-            <a:spLocks noGrp="1"/>
-          </p:cNvSpPr>
-          <p:nvPr>
-            <p:ph type="title"/>
-          </p:nvPr>
-        </p:nvSpPr>
-        <p:spPr/>
-        <p:txBody>
-          <a:bodyPr/>
-          <a:lstStyle/>
-          <a:p>
-            <a:r>
-              <a:rPr lang="zh-CN" altLang="en-US" dirty="0">
-                <a:solidFill>
-                  <a:srgbClr val="FF0000"/>
-                </a:solidFill>
-              </a:rPr>
-              <a:t>大纲</a:t>
-            </a:r>
-          </a:p>
-        </p:txBody>
-      </p:sp>
-      <p:sp>
-        <p:nvSpPr>
-          <p:cNvPr id="3" name="内容占位符 2">
-            <a:extLst>
-              <a:ext uri="{FF2B5EF4-FFF2-40B4-BE49-F238E27FC236}">
-                <a16:creationId xmlns:a16="http://schemas.microsoft.com/office/drawing/2014/main" id="{56BBF781-F81E-4712-9EC0-1C64D9AD3210}"/>
-              </a:ext>
-            </a:extLst>
-          </p:cNvPr>
-          <p:cNvSpPr>
-            <a:spLocks noGrp="1"/>
-          </p:cNvSpPr>
-          <p:nvPr>
-            <p:ph idx="1"/>
-          </p:nvPr>
-        </p:nvSpPr>
-        <p:spPr/>
-        <p:txBody>
-          <a:bodyPr>
-            <a:normAutofit fontScale="40000" lnSpcReduction="20000"/>
-          </a:bodyPr>
-          <a:lstStyle/>
-          <a:p>
-            <a:r>
-              <a:rPr lang="en-US" altLang="zh-CN" dirty="0">
-                <a:solidFill>
-                  <a:srgbClr val="FF0000"/>
-                </a:solidFill>
-              </a:rPr>
-              <a:t>1  CRUD</a:t>
-            </a:r>
-          </a:p>
-          <a:p>
-            <a:pPr lvl="1"/>
-            <a:r>
-              <a:rPr lang="zh-CN" altLang="en-US" dirty="0"/>
-              <a:t>命名</a:t>
-            </a:r>
-            <a:endParaRPr lang="en-US" altLang="zh-CN" dirty="0"/>
-          </a:p>
-          <a:p>
-            <a:pPr lvl="1"/>
-            <a:r>
-              <a:rPr lang="en-US" altLang="zh-CN" dirty="0"/>
-              <a:t>MVC</a:t>
-            </a:r>
-            <a:r>
-              <a:rPr lang="zh-CN" altLang="en-US" dirty="0"/>
-              <a:t>标准过程</a:t>
-            </a:r>
-            <a:endParaRPr lang="en-US" altLang="zh-CN" dirty="0"/>
-          </a:p>
-          <a:p>
-            <a:pPr lvl="1"/>
-            <a:r>
-              <a:rPr lang="zh-CN" altLang="en-US" dirty="0"/>
-              <a:t>修改代码</a:t>
-            </a:r>
-            <a:endParaRPr lang="en-US" altLang="zh-CN" dirty="0"/>
-          </a:p>
-          <a:p>
-            <a:r>
-              <a:rPr lang="en-US" altLang="zh-CN" dirty="0">
-                <a:solidFill>
-                  <a:srgbClr val="FF0000"/>
-                </a:solidFill>
-              </a:rPr>
-              <a:t>2  Pattern</a:t>
-            </a:r>
-          </a:p>
-          <a:p>
-            <a:pPr lvl="1"/>
-            <a:r>
-              <a:rPr lang="zh-CN" altLang="en-US" dirty="0"/>
-              <a:t>依赖管理</a:t>
-            </a:r>
-            <a:endParaRPr lang="en-US" altLang="zh-CN" dirty="0"/>
-          </a:p>
-          <a:p>
-            <a:pPr lvl="1"/>
-            <a:r>
-              <a:rPr lang="zh-CN" altLang="en-US" dirty="0"/>
-              <a:t>资源管理</a:t>
-            </a:r>
-            <a:endParaRPr lang="en-US" altLang="zh-CN" dirty="0"/>
-          </a:p>
-          <a:p>
-            <a:pPr lvl="1"/>
-            <a:r>
-              <a:rPr lang="zh-CN" altLang="en-US" dirty="0"/>
-              <a:t>设计模式</a:t>
-            </a:r>
-            <a:endParaRPr lang="en-US" altLang="zh-CN" dirty="0"/>
-          </a:p>
-          <a:p>
-            <a:pPr lvl="1"/>
-            <a:r>
-              <a:rPr lang="en-US" altLang="zh-CN" dirty="0"/>
-              <a:t>GRASP</a:t>
-            </a:r>
-          </a:p>
-          <a:p>
-            <a:r>
-              <a:rPr lang="en-US" altLang="zh-CN" dirty="0">
-                <a:solidFill>
-                  <a:srgbClr val="FF0000"/>
-                </a:solidFill>
-              </a:rPr>
-              <a:t>3  OOADP</a:t>
-            </a:r>
-          </a:p>
-          <a:p>
-            <a:pPr lvl="1"/>
-            <a:r>
-              <a:rPr lang="zh-CN" altLang="en-US" dirty="0"/>
-              <a:t>重构</a:t>
-            </a:r>
-            <a:endParaRPr lang="en-US" altLang="zh-CN" dirty="0"/>
-          </a:p>
-          <a:p>
-            <a:pPr lvl="1"/>
-            <a:r>
-              <a:rPr lang="zh-CN" altLang="en-US" dirty="0"/>
-              <a:t>建模</a:t>
-            </a:r>
-            <a:endParaRPr lang="en-US" altLang="zh-CN" dirty="0"/>
-          </a:p>
-          <a:p>
-            <a:pPr lvl="1"/>
-            <a:r>
-              <a:rPr lang="en-US" altLang="zh-CN" dirty="0" err="1"/>
-              <a:t>RedisClientTemplate</a:t>
-            </a:r>
-            <a:r>
-              <a:rPr lang="zh-CN" altLang="en-US" dirty="0"/>
-              <a:t>扩展</a:t>
-            </a:r>
-            <a:endParaRPr lang="en-US" altLang="zh-CN" dirty="0"/>
-          </a:p>
-          <a:p>
-            <a:r>
-              <a:rPr lang="en-US" altLang="zh-CN" dirty="0">
-                <a:solidFill>
-                  <a:srgbClr val="FF0000"/>
-                </a:solidFill>
-              </a:rPr>
-              <a:t>4  DDD</a:t>
-            </a:r>
-          </a:p>
-          <a:p>
-            <a:pPr lvl="1"/>
-            <a:r>
-              <a:rPr lang="zh-CN" altLang="en-US" dirty="0"/>
-              <a:t>统一语言</a:t>
-            </a:r>
-            <a:endParaRPr lang="en-US" altLang="zh-CN" dirty="0"/>
-          </a:p>
-          <a:p>
-            <a:pPr lvl="1"/>
-            <a:r>
-              <a:rPr lang="zh-CN" altLang="en-US" dirty="0"/>
-              <a:t>充提限界上下文</a:t>
-            </a:r>
-            <a:endParaRPr lang="en-US" altLang="zh-CN" dirty="0"/>
-          </a:p>
-          <a:p>
-            <a:pPr lvl="1"/>
-            <a:r>
-              <a:rPr lang="zh-CN" altLang="en-US" dirty="0"/>
-              <a:t>开放平台的边界</a:t>
-            </a:r>
-            <a:endParaRPr lang="en-US" altLang="zh-CN" dirty="0"/>
-          </a:p>
-          <a:p>
-            <a:r>
-              <a:rPr lang="en-US" altLang="zh-CN" dirty="0">
-                <a:solidFill>
-                  <a:srgbClr val="FF0000"/>
-                </a:solidFill>
-              </a:rPr>
-              <a:t>5  </a:t>
-            </a:r>
-            <a:r>
-              <a:rPr lang="zh-CN" altLang="en-US" dirty="0">
-                <a:solidFill>
-                  <a:srgbClr val="FF0000"/>
-                </a:solidFill>
-              </a:rPr>
-              <a:t>设计综合趣谈</a:t>
-            </a:r>
-            <a:endParaRPr lang="en-US" altLang="zh-CN" dirty="0">
-              <a:solidFill>
-                <a:srgbClr val="FF0000"/>
-              </a:solidFill>
-            </a:endParaRPr>
-          </a:p>
-          <a:p>
-            <a:pPr lvl="1"/>
-            <a:r>
-              <a:rPr lang="en-US" altLang="zh-CN" dirty="0"/>
-              <a:t>Java</a:t>
-            </a:r>
-            <a:r>
-              <a:rPr lang="zh-CN" altLang="en-US" dirty="0"/>
-              <a:t>集合灵魂</a:t>
-            </a:r>
-            <a:endParaRPr lang="en-US" altLang="zh-CN" dirty="0"/>
-          </a:p>
-          <a:p>
-            <a:pPr lvl="1"/>
-            <a:r>
-              <a:rPr lang="en-US" altLang="zh-CN" dirty="0"/>
-              <a:t>API Design About </a:t>
-            </a:r>
-            <a:r>
-              <a:rPr lang="en-US" altLang="zh-CN" dirty="0" err="1"/>
-              <a:t>LoadingCache</a:t>
-            </a:r>
-            <a:r>
-              <a:rPr lang="en-US" altLang="zh-CN" dirty="0"/>
-              <a:t> </a:t>
-            </a:r>
-            <a:r>
-              <a:rPr lang="zh-CN" altLang="en-US" dirty="0"/>
-              <a:t>，</a:t>
-            </a:r>
-            <a:r>
-              <a:rPr lang="en-US" altLang="zh-CN" dirty="0" err="1"/>
-              <a:t>ThreadLocal</a:t>
-            </a:r>
-            <a:r>
-              <a:rPr lang="zh-CN" altLang="en-US" dirty="0"/>
-              <a:t>，</a:t>
-            </a:r>
-            <a:r>
-              <a:rPr lang="en-US" altLang="zh-CN" dirty="0"/>
-              <a:t>Unix IO  </a:t>
-            </a:r>
-          </a:p>
-          <a:p>
-            <a:pPr lvl="1"/>
-            <a:r>
-              <a:rPr lang="en-US" altLang="zh-CN" dirty="0"/>
-              <a:t>Executor Framework</a:t>
-            </a:r>
-          </a:p>
-          <a:p>
-            <a:pPr lvl="1"/>
-            <a:r>
-              <a:rPr lang="en-US" altLang="zh-CN" dirty="0"/>
-              <a:t>AOP</a:t>
-            </a:r>
-            <a:r>
-              <a:rPr lang="zh-CN" altLang="en-US" dirty="0"/>
-              <a:t> </a:t>
-            </a:r>
-            <a:r>
-              <a:rPr lang="en-US" altLang="zh-CN" dirty="0"/>
-              <a:t>Alliance </a:t>
-            </a:r>
-          </a:p>
-          <a:p>
-            <a:r>
-              <a:rPr lang="en-US" altLang="zh-CN" dirty="0">
-                <a:solidFill>
-                  <a:srgbClr val="FF0000"/>
-                </a:solidFill>
-              </a:rPr>
-              <a:t>6 </a:t>
-            </a:r>
-            <a:r>
-              <a:rPr lang="zh-CN" altLang="en-US" dirty="0">
-                <a:solidFill>
-                  <a:srgbClr val="FF0000"/>
-                </a:solidFill>
-              </a:rPr>
-              <a:t>软件设计启发录</a:t>
-            </a:r>
-            <a:endParaRPr lang="en-US" altLang="zh-CN" dirty="0">
-              <a:solidFill>
-                <a:srgbClr val="FF0000"/>
-              </a:solidFill>
-            </a:endParaRPr>
-          </a:p>
-        </p:txBody>
-      </p:sp>
-    </p:spTree>
-    <p:extLst>
-      <p:ext uri="{BB962C8B-B14F-4D97-AF65-F5344CB8AC3E}">
-        <p14:creationId xmlns:p14="http://schemas.microsoft.com/office/powerpoint/2010/main" val="977362321"/>
-      </p:ext>
-    </p:extLst>
-  </p:cSld>
-  <p:clrMapOvr>
-    <a:masterClrMapping/>
-  </p:clrMapOvr>
-</p:sld>
-</file>
-
-<file path=ppt/slides/slide40.xml><?xml version="1.0" encoding="utf-8"?>
-<p:sld xmlns:a="http://schemas.openxmlformats.org/drawingml/2006/main" xmlns:r="http://schemas.openxmlformats.org/officeDocument/2006/relationships" xmlns:p="http://schemas.openxmlformats.org/presentationml/2006/main">
-  <p:cSld>
-    <p:spTree>
-      <p:nvGrpSpPr>
-        <p:cNvPr id="1" name=""/>
-        <p:cNvGrpSpPr/>
-        <p:nvPr/>
-      </p:nvGrpSpPr>
-      <p:grpSpPr>
-        <a:xfrm>
-          <a:off x="0" y="0"/>
-          <a:ext cx="0" cy="0"/>
-          <a:chOff x="0" y="0"/>
-          <a:chExt cx="0" cy="0"/>
-        </a:xfrm>
-      </p:grpSpPr>
-      <p:sp>
-        <p:nvSpPr>
-          <p:cNvPr id="2" name="标题 1">
-            <a:extLst>
-              <a:ext uri="{FF2B5EF4-FFF2-40B4-BE49-F238E27FC236}">
                 <a16:creationId xmlns:a16="http://schemas.microsoft.com/office/drawing/2014/main" id="{CC796536-B944-47F3-9319-6D1D32F05DC4}"/>
               </a:ext>
             </a:extLst>
@@ -13757,7 +14048,7 @@
 </p:sld>
 </file>
 
-<file path=ppt/slides/slide41.xml><?xml version="1.0" encoding="utf-8"?>
+<file path=ppt/slides/slide42.xml><?xml version="1.0" encoding="utf-8"?>
 <p:sld xmlns:a="http://schemas.openxmlformats.org/drawingml/2006/main" xmlns:r="http://schemas.openxmlformats.org/officeDocument/2006/relationships" xmlns:p="http://schemas.openxmlformats.org/presentationml/2006/main">
   <p:cSld>
     <p:spTree>
@@ -14141,7 +14432,7 @@
 </p:sld>
 </file>
 
-<file path=ppt/slides/slide42.xml><?xml version="1.0" encoding="utf-8"?>
+<file path=ppt/slides/slide43.xml><?xml version="1.0" encoding="utf-8"?>
 <p:sld xmlns:a="http://schemas.openxmlformats.org/drawingml/2006/main" xmlns:r="http://schemas.openxmlformats.org/officeDocument/2006/relationships" xmlns:p="http://schemas.openxmlformats.org/presentationml/2006/main">
   <p:cSld>
     <p:spTree>
@@ -14415,7 +14706,7 @@
 </p:sld>
 </file>
 
-<file path=ppt/slides/slide43.xml><?xml version="1.0" encoding="utf-8"?>
+<file path=ppt/slides/slide44.xml><?xml version="1.0" encoding="utf-8"?>
 <p:sld xmlns:a="http://schemas.openxmlformats.org/drawingml/2006/main" xmlns:r="http://schemas.openxmlformats.org/officeDocument/2006/relationships" xmlns:p="http://schemas.openxmlformats.org/presentationml/2006/main">
   <p:cSld>
     <p:spTree>
@@ -14475,7 +14766,7 @@
 </p:sld>
 </file>
 
-<file path=ppt/slides/slide44.xml><?xml version="1.0" encoding="utf-8"?>
+<file path=ppt/slides/slide45.xml><?xml version="1.0" encoding="utf-8"?>
 <p:sld xmlns:a="http://schemas.openxmlformats.org/drawingml/2006/main" xmlns:r="http://schemas.openxmlformats.org/officeDocument/2006/relationships" xmlns:p="http://schemas.openxmlformats.org/presentationml/2006/main">
   <p:cSld>
     <p:spTree>
@@ -14728,7 +15019,7 @@
 </p:sld>
 </file>
 
-<file path=ppt/slides/slide45.xml><?xml version="1.0" encoding="utf-8"?>
+<file path=ppt/slides/slide46.xml><?xml version="1.0" encoding="utf-8"?>
 <p:sld xmlns:a="http://schemas.openxmlformats.org/drawingml/2006/main" xmlns:r="http://schemas.openxmlformats.org/officeDocument/2006/relationships" xmlns:p="http://schemas.openxmlformats.org/presentationml/2006/main">
   <p:cSld>
     <p:spTree>
@@ -15443,7 +15734,7 @@
 </p:sld>
 </file>
 
-<file path=ppt/slides/slide46.xml><?xml version="1.0" encoding="utf-8"?>
+<file path=ppt/slides/slide47.xml><?xml version="1.0" encoding="utf-8"?>
 <p:sld xmlns:a="http://schemas.openxmlformats.org/drawingml/2006/main" xmlns:r="http://schemas.openxmlformats.org/officeDocument/2006/relationships" xmlns:p="http://schemas.openxmlformats.org/presentationml/2006/main">
   <p:cSld>
     <p:spTree>
@@ -15556,7 +15847,7 @@
 </p:sld>
 </file>
 
-<file path=ppt/slides/slide47.xml><?xml version="1.0" encoding="utf-8"?>
+<file path=ppt/slides/slide48.xml><?xml version="1.0" encoding="utf-8"?>
 <p:sld xmlns:a="http://schemas.openxmlformats.org/drawingml/2006/main" xmlns:r="http://schemas.openxmlformats.org/officeDocument/2006/relationships" xmlns:p="http://schemas.openxmlformats.org/presentationml/2006/main">
   <p:cSld>
     <p:spTree>
@@ -15630,179 +15921,6 @@
     <p:extLst>
       <p:ext uri="{BB962C8B-B14F-4D97-AF65-F5344CB8AC3E}">
         <p14:creationId xmlns:p14="http://schemas.microsoft.com/office/powerpoint/2010/main" val="939309427"/>
-      </p:ext>
-    </p:extLst>
-  </p:cSld>
-  <p:clrMapOvr>
-    <a:masterClrMapping/>
-  </p:clrMapOvr>
-</p:sld>
-</file>
-
-<file path=ppt/slides/slide48.xml><?xml version="1.0" encoding="utf-8"?>
-<p:sld xmlns:a="http://schemas.openxmlformats.org/drawingml/2006/main" xmlns:r="http://schemas.openxmlformats.org/officeDocument/2006/relationships" xmlns:p="http://schemas.openxmlformats.org/presentationml/2006/main">
-  <p:cSld>
-    <p:spTree>
-      <p:nvGrpSpPr>
-        <p:cNvPr id="1" name=""/>
-        <p:cNvGrpSpPr/>
-        <p:nvPr/>
-      </p:nvGrpSpPr>
-      <p:grpSpPr>
-        <a:xfrm>
-          <a:off x="0" y="0"/>
-          <a:ext cx="0" cy="0"/>
-          <a:chOff x="0" y="0"/>
-          <a:chExt cx="0" cy="0"/>
-        </a:xfrm>
-      </p:grpSpPr>
-      <p:sp>
-        <p:nvSpPr>
-          <p:cNvPr id="2" name="标题 1">
-            <a:extLst>
-              <a:ext uri="{FF2B5EF4-FFF2-40B4-BE49-F238E27FC236}">
-                <a16:creationId xmlns:a16="http://schemas.microsoft.com/office/drawing/2014/main" id="{B107E805-9DBA-43C7-8AE8-A2979E17E3C7}"/>
-              </a:ext>
-            </a:extLst>
-          </p:cNvPr>
-          <p:cNvSpPr>
-            <a:spLocks noGrp="1"/>
-          </p:cNvSpPr>
-          <p:nvPr>
-            <p:ph type="title"/>
-          </p:nvPr>
-        </p:nvSpPr>
-        <p:spPr/>
-        <p:txBody>
-          <a:bodyPr/>
-          <a:lstStyle/>
-          <a:p>
-            <a:r>
-              <a:rPr lang="zh-CN" altLang="en-US" dirty="0">
-                <a:solidFill>
-                  <a:srgbClr val="FF0000"/>
-                </a:solidFill>
-              </a:rPr>
-              <a:t>启示录简介</a:t>
-            </a:r>
-          </a:p>
-        </p:txBody>
-      </p:sp>
-      <p:sp>
-        <p:nvSpPr>
-          <p:cNvPr id="3" name="内容占位符 2">
-            <a:extLst>
-              <a:ext uri="{FF2B5EF4-FFF2-40B4-BE49-F238E27FC236}">
-                <a16:creationId xmlns:a16="http://schemas.microsoft.com/office/drawing/2014/main" id="{A777B223-B0FE-43B9-904F-2186D72CA727}"/>
-              </a:ext>
-            </a:extLst>
-          </p:cNvPr>
-          <p:cNvSpPr>
-            <a:spLocks noGrp="1"/>
-          </p:cNvSpPr>
-          <p:nvPr>
-            <p:ph idx="1"/>
-          </p:nvPr>
-        </p:nvSpPr>
-        <p:spPr/>
-        <p:txBody>
-          <a:bodyPr/>
-          <a:lstStyle/>
-          <a:p>
-            <a:r>
-              <a:rPr lang="en-US" altLang="zh-CN" dirty="0"/>
-              <a:t>1 Joshua Bloch</a:t>
-            </a:r>
-            <a:r>
-              <a:rPr lang="zh-CN" altLang="en-US" dirty="0"/>
-              <a:t>：</a:t>
-            </a:r>
-            <a:r>
-              <a:rPr lang="en-US" altLang="zh-CN" dirty="0"/>
-              <a:t>Bumper-Sticker API Design</a:t>
-            </a:r>
-          </a:p>
-          <a:p>
-            <a:r>
-              <a:rPr lang="en-US" altLang="zh-CN" dirty="0"/>
-              <a:t>2 OOD</a:t>
-            </a:r>
-            <a:r>
-              <a:rPr lang="zh-CN" altLang="en-US" dirty="0"/>
-              <a:t>经验原则总结</a:t>
-            </a:r>
-            <a:endParaRPr lang="en-US" altLang="zh-CN" dirty="0"/>
-          </a:p>
-          <a:p>
-            <a:r>
-              <a:rPr lang="en-US" altLang="zh-CN" dirty="0"/>
-              <a:t>3 GRASP-RDD</a:t>
-            </a:r>
-          </a:p>
-          <a:p>
-            <a:r>
-              <a:rPr lang="en-US" altLang="zh-CN" dirty="0"/>
-              <a:t>4 A checklist for design reviews</a:t>
-            </a:r>
-          </a:p>
-          <a:p>
-            <a:r>
-              <a:rPr lang="en-US" altLang="zh-CN" dirty="0"/>
-              <a:t>5 John </a:t>
-            </a:r>
-            <a:r>
-              <a:rPr lang="en-US" altLang="zh-CN" dirty="0" err="1"/>
-              <a:t>Ousterhout</a:t>
-            </a:r>
-            <a:r>
-              <a:rPr lang="en-US" altLang="zh-CN" dirty="0"/>
-              <a:t> :</a:t>
-            </a:r>
-            <a:r>
-              <a:rPr lang="zh-CN" altLang="en-US" dirty="0"/>
-              <a:t> 软件设计哲学原则</a:t>
-            </a:r>
-            <a:endParaRPr lang="en-US" altLang="zh-CN" dirty="0"/>
-          </a:p>
-          <a:p>
-            <a:r>
-              <a:rPr lang="en-US" altLang="zh-CN" dirty="0"/>
-              <a:t>6 Bruce Eckel</a:t>
-            </a:r>
-            <a:r>
-              <a:rPr lang="zh-CN" altLang="en-US" dirty="0"/>
-              <a:t>：</a:t>
-            </a:r>
-            <a:r>
-              <a:rPr lang="en-US" altLang="zh-CN" dirty="0"/>
-              <a:t>On Java 8</a:t>
-            </a:r>
-            <a:r>
-              <a:rPr lang="zh-CN" altLang="en-US" dirty="0"/>
-              <a:t>编程指南</a:t>
-            </a:r>
-            <a:endParaRPr lang="en-US" altLang="zh-CN" dirty="0"/>
-          </a:p>
-          <a:p>
-            <a:r>
-              <a:rPr lang="en-US" altLang="zh-CN" dirty="0"/>
-              <a:t>7 </a:t>
-            </a:r>
-            <a:r>
-              <a:rPr lang="zh-CN" altLang="en-US" dirty="0"/>
-              <a:t>设计模式</a:t>
-            </a:r>
-            <a:r>
-              <a:rPr lang="en-US" altLang="zh-CN" dirty="0"/>
-              <a:t>checklist</a:t>
-            </a:r>
-          </a:p>
-        </p:txBody>
-      </p:sp>
-    </p:spTree>
-    <p:extLst>
-      <p:ext uri="{BB962C8B-B14F-4D97-AF65-F5344CB8AC3E}">
-        <p14:creationId xmlns:p14="http://schemas.microsoft.com/office/powerpoint/2010/main" val="713303749"/>
       </p:ext>
     </p:extLst>
   </p:cSld>
@@ -15834,7 +15952,7 @@
           <p:cNvPr id="2" name="标题 1">
             <a:extLst>
               <a:ext uri="{FF2B5EF4-FFF2-40B4-BE49-F238E27FC236}">
-                <a16:creationId xmlns:a16="http://schemas.microsoft.com/office/drawing/2014/main" id="{B40C3411-10DC-4A33-B173-1901755EE9FF}"/>
+                <a16:creationId xmlns:a16="http://schemas.microsoft.com/office/drawing/2014/main" id="{B107E805-9DBA-43C7-8AE8-A2979E17E3C7}"/>
               </a:ext>
             </a:extLst>
           </p:cNvPr>
@@ -15856,23 +15974,7 @@
                   <a:srgbClr val="FF0000"/>
                 </a:solidFill>
               </a:rPr>
-              <a:t>参考书籍</a:t>
-            </a:r>
-            <a:r>
-              <a:rPr lang="en-US" altLang="zh-CN" dirty="0">
-                <a:solidFill>
-                  <a:srgbClr val="FF0000"/>
-                </a:solidFill>
-              </a:rPr>
-              <a:t>-</a:t>
-            </a:r>
-            <a:r>
-              <a:rPr lang="zh-CN" altLang="en-US" dirty="0">
-                <a:solidFill>
-                  <a:srgbClr val="FF0000"/>
-                </a:solidFill>
-              </a:rPr>
-              <a:t>启示来源</a:t>
+              <a:t>启示录简介</a:t>
             </a:r>
           </a:p>
         </p:txBody>
@@ -15882,7 +15984,7 @@
           <p:cNvPr id="3" name="内容占位符 2">
             <a:extLst>
               <a:ext uri="{FF2B5EF4-FFF2-40B4-BE49-F238E27FC236}">
-                <a16:creationId xmlns:a16="http://schemas.microsoft.com/office/drawing/2014/main" id="{76FDC58C-4565-4099-BFBC-3100BFA6BF7B}"/>
+                <a16:creationId xmlns:a16="http://schemas.microsoft.com/office/drawing/2014/main" id="{A777B223-B0FE-43B9-904F-2186D72CA727}"/>
               </a:ext>
             </a:extLst>
           </p:cNvPr>
@@ -15900,180 +16002,77 @@
           <a:p>
             <a:r>
               <a:rPr lang="en-US" altLang="zh-CN" dirty="0"/>
-              <a:t>1 </a:t>
-            </a:r>
-            <a:r>
-              <a:rPr lang="zh-CN" altLang="en-US" dirty="0"/>
-              <a:t>面向对象分析与设计第三版</a:t>
-            </a:r>
-            <a:r>
-              <a:rPr lang="en-US" altLang="zh-CN" dirty="0"/>
-              <a:t>-Grady </a:t>
+              <a:t>1 Joshua Bloch</a:t>
+            </a:r>
+            <a:r>
+              <a:rPr lang="zh-CN" altLang="en-US" dirty="0"/>
+              <a:t>：</a:t>
+            </a:r>
+            <a:r>
+              <a:rPr lang="en-US" altLang="zh-CN" dirty="0"/>
+              <a:t>Bumper-Sticker API Design</a:t>
+            </a:r>
+          </a:p>
+          <a:p>
+            <a:r>
+              <a:rPr lang="en-US" altLang="zh-CN" dirty="0"/>
+              <a:t>2 OOD</a:t>
+            </a:r>
+            <a:r>
+              <a:rPr lang="zh-CN" altLang="en-US" dirty="0"/>
+              <a:t>经验原则总结</a:t>
+            </a:r>
+            <a:endParaRPr lang="en-US" altLang="zh-CN" dirty="0"/>
+          </a:p>
+          <a:p>
+            <a:r>
+              <a:rPr lang="en-US" altLang="zh-CN" dirty="0"/>
+              <a:t>3 GRASP-RDD</a:t>
+            </a:r>
+          </a:p>
+          <a:p>
+            <a:r>
+              <a:rPr lang="en-US" altLang="zh-CN" dirty="0"/>
+              <a:t>4 A checklist for design reviews</a:t>
+            </a:r>
+          </a:p>
+          <a:p>
+            <a:r>
+              <a:rPr lang="en-US" altLang="zh-CN" dirty="0"/>
+              <a:t>5 John </a:t>
             </a:r>
             <a:r>
               <a:rPr lang="en-US" altLang="zh-CN" dirty="0" err="1"/>
-              <a:t>Booch</a:t>
-            </a:r>
-            <a:r>
-              <a:rPr lang="en-US" altLang="zh-CN" dirty="0"/>
-              <a:t> </a:t>
-            </a:r>
-            <a:r>
-              <a:rPr lang="zh-CN" altLang="en-US" dirty="0"/>
-              <a:t>（</a:t>
-            </a:r>
-            <a:r>
-              <a:rPr lang="en-US" altLang="zh-CN" dirty="0"/>
-              <a:t>OOAD</a:t>
-            </a:r>
-            <a:r>
-              <a:rPr lang="zh-CN" altLang="en-US" dirty="0"/>
-              <a:t>）</a:t>
-            </a:r>
-            <a:endParaRPr lang="en-US" altLang="zh-CN" dirty="0"/>
-          </a:p>
-          <a:p>
-            <a:r>
-              <a:rPr lang="en-US" altLang="zh-CN" dirty="0"/>
-              <a:t>2 </a:t>
-            </a:r>
-            <a:r>
-              <a:rPr lang="zh-CN" altLang="en-US" dirty="0"/>
-              <a:t>软件设计哲学（</a:t>
-            </a:r>
-            <a:r>
-              <a:rPr lang="en-US" altLang="zh-CN" dirty="0"/>
-              <a:t>Software Design</a:t>
-            </a:r>
-            <a:r>
-              <a:rPr lang="zh-CN" altLang="en-US" dirty="0"/>
-              <a:t>）</a:t>
-            </a:r>
-            <a:endParaRPr lang="en-US" altLang="zh-CN" dirty="0"/>
-          </a:p>
-          <a:p>
-            <a:r>
-              <a:rPr lang="en-US" altLang="zh-CN" dirty="0"/>
-              <a:t>3 </a:t>
-            </a:r>
-            <a:r>
-              <a:rPr lang="zh-CN" altLang="en-US" dirty="0"/>
-              <a:t>领域驱动设计，实现领域驱动设计，领域驱动设计精髓（</a:t>
-            </a:r>
-            <a:r>
-              <a:rPr lang="en-US" altLang="zh-CN" dirty="0"/>
-              <a:t>Domain</a:t>
-            </a:r>
-            <a:r>
-              <a:rPr lang="zh-CN" altLang="en-US" dirty="0"/>
-              <a:t>，</a:t>
-            </a:r>
-            <a:r>
-              <a:rPr lang="en-US" altLang="zh-CN" dirty="0" err="1"/>
-              <a:t>Bussiness</a:t>
-            </a:r>
-            <a:r>
-              <a:rPr lang="en-US" altLang="zh-CN" dirty="0"/>
-              <a:t> Modeling</a:t>
-            </a:r>
-            <a:r>
-              <a:rPr lang="zh-CN" altLang="en-US" dirty="0"/>
-              <a:t>）</a:t>
-            </a:r>
-            <a:endParaRPr lang="en-US" altLang="zh-CN" dirty="0"/>
-          </a:p>
-          <a:p>
-            <a:r>
-              <a:rPr lang="en-US" altLang="zh-CN" dirty="0"/>
-              <a:t>4 </a:t>
-            </a:r>
-            <a:r>
-              <a:rPr lang="zh-CN" altLang="en-US" dirty="0"/>
-              <a:t>面向对象启思录（</a:t>
-            </a:r>
-            <a:r>
-              <a:rPr lang="en-US" altLang="zh-CN" dirty="0"/>
-              <a:t>OOD</a:t>
-            </a:r>
-            <a:r>
-              <a:rPr lang="zh-CN" altLang="en-US" dirty="0"/>
-              <a:t>，</a:t>
-            </a:r>
-            <a:r>
-              <a:rPr lang="en-US" altLang="zh-CN" dirty="0"/>
-              <a:t>Design</a:t>
-            </a:r>
-            <a:r>
-              <a:rPr lang="zh-CN" altLang="en-US" dirty="0"/>
-              <a:t>）</a:t>
-            </a:r>
-            <a:endParaRPr lang="en-US" altLang="zh-CN" dirty="0"/>
-          </a:p>
-          <a:p>
-            <a:r>
-              <a:rPr lang="en-US" altLang="zh-CN" dirty="0"/>
-              <a:t>5 </a:t>
-            </a:r>
-            <a:r>
-              <a:rPr lang="zh-CN" altLang="en-US" dirty="0"/>
-              <a:t>重构</a:t>
-            </a:r>
-            <a:r>
-              <a:rPr lang="en-US" altLang="zh-CN" dirty="0"/>
-              <a:t> </a:t>
-            </a:r>
-            <a:r>
-              <a:rPr lang="zh-CN" altLang="en-US" dirty="0"/>
-              <a:t>（</a:t>
-            </a:r>
-            <a:r>
-              <a:rPr lang="en-US" altLang="zh-CN" dirty="0"/>
-              <a:t>Coding</a:t>
-            </a:r>
-            <a:r>
-              <a:rPr lang="zh-CN" altLang="en-US" dirty="0"/>
-              <a:t>）</a:t>
-            </a:r>
-            <a:endParaRPr lang="en-US" altLang="zh-CN" dirty="0"/>
-          </a:p>
-          <a:p>
-            <a:r>
-              <a:rPr lang="en-US" altLang="zh-CN" dirty="0">
-                <a:solidFill>
-                  <a:srgbClr val="FF0000"/>
-                </a:solidFill>
-              </a:rPr>
-              <a:t>6 Effective Java3</a:t>
-            </a:r>
-            <a:r>
-              <a:rPr lang="zh-CN" altLang="en-US" dirty="0">
-                <a:solidFill>
-                  <a:srgbClr val="FF0000"/>
-                </a:solidFill>
-              </a:rPr>
-              <a:t>（</a:t>
-            </a:r>
-            <a:r>
-              <a:rPr lang="en-US" altLang="zh-CN" dirty="0">
-                <a:solidFill>
-                  <a:srgbClr val="FF0000"/>
-                </a:solidFill>
-              </a:rPr>
-              <a:t>Excellent Book</a:t>
-            </a:r>
-            <a:r>
-              <a:rPr lang="zh-CN" altLang="en-US" dirty="0">
-                <a:solidFill>
-                  <a:srgbClr val="FF0000"/>
-                </a:solidFill>
-              </a:rPr>
-              <a:t>！！！）</a:t>
-            </a:r>
-            <a:endParaRPr lang="en-US" altLang="zh-CN" dirty="0">
-              <a:solidFill>
-                <a:srgbClr val="FF0000"/>
-              </a:solidFill>
-            </a:endParaRPr>
+              <a:t>Ousterhout</a:t>
+            </a:r>
+            <a:r>
+              <a:rPr lang="en-US" altLang="zh-CN" dirty="0"/>
+              <a:t> :</a:t>
+            </a:r>
+            <a:r>
+              <a:rPr lang="zh-CN" altLang="en-US" dirty="0"/>
+              <a:t> 软件设计哲学原则</a:t>
+            </a:r>
+            <a:endParaRPr lang="en-US" altLang="zh-CN" dirty="0"/>
+          </a:p>
+          <a:p>
+            <a:r>
+              <a:rPr lang="en-US" altLang="zh-CN" dirty="0"/>
+              <a:t>6 Bruce Eckel</a:t>
+            </a:r>
+            <a:r>
+              <a:rPr lang="zh-CN" altLang="en-US" dirty="0"/>
+              <a:t>：</a:t>
+            </a:r>
+            <a:r>
+              <a:rPr lang="en-US" altLang="zh-CN" dirty="0"/>
+              <a:t>On Java 8</a:t>
+            </a:r>
+            <a:r>
+              <a:rPr lang="zh-CN" altLang="en-US" dirty="0"/>
+              <a:t>编程指南</a:t>
+            </a:r>
+            <a:endParaRPr lang="en-US" altLang="zh-CN" dirty="0"/>
           </a:p>
           <a:p>
             <a:r>
@@ -16082,15 +16081,11 @@
             </a:r>
             <a:r>
               <a:rPr lang="zh-CN" altLang="en-US" dirty="0"/>
-              <a:t>实现模式（</a:t>
-            </a:r>
-            <a:r>
-              <a:rPr lang="en-US" altLang="zh-CN" dirty="0"/>
-              <a:t>Coding</a:t>
-            </a:r>
-            <a:r>
-              <a:rPr lang="zh-CN" altLang="en-US" dirty="0"/>
-              <a:t>）</a:t>
+              <a:t>设计模式</a:t>
+            </a:r>
+            <a:r>
+              <a:rPr lang="en-US" altLang="zh-CN" dirty="0"/>
+              <a:t>checklist</a:t>
             </a:r>
           </a:p>
         </p:txBody>
@@ -16098,7 +16093,7 @@
     </p:spTree>
     <p:extLst>
       <p:ext uri="{BB962C8B-B14F-4D97-AF65-F5344CB8AC3E}">
-        <p14:creationId xmlns:p14="http://schemas.microsoft.com/office/powerpoint/2010/main" val="1800643236"/>
+        <p14:creationId xmlns:p14="http://schemas.microsoft.com/office/powerpoint/2010/main" val="713303749"/>
       </p:ext>
     </p:extLst>
   </p:cSld>
@@ -16189,6 +16184,302 @@
 </file>
 
 <file path=ppt/slides/slide50.xml><?xml version="1.0" encoding="utf-8"?>
+<p:sld xmlns:a="http://schemas.openxmlformats.org/drawingml/2006/main" xmlns:r="http://schemas.openxmlformats.org/officeDocument/2006/relationships" xmlns:p="http://schemas.openxmlformats.org/presentationml/2006/main">
+  <p:cSld>
+    <p:spTree>
+      <p:nvGrpSpPr>
+        <p:cNvPr id="1" name=""/>
+        <p:cNvGrpSpPr/>
+        <p:nvPr/>
+      </p:nvGrpSpPr>
+      <p:grpSpPr>
+        <a:xfrm>
+          <a:off x="0" y="0"/>
+          <a:ext cx="0" cy="0"/>
+          <a:chOff x="0" y="0"/>
+          <a:chExt cx="0" cy="0"/>
+        </a:xfrm>
+      </p:grpSpPr>
+      <p:sp>
+        <p:nvSpPr>
+          <p:cNvPr id="2" name="标题 1">
+            <a:extLst>
+              <a:ext uri="{FF2B5EF4-FFF2-40B4-BE49-F238E27FC236}">
+                <a16:creationId xmlns:a16="http://schemas.microsoft.com/office/drawing/2014/main" id="{B40C3411-10DC-4A33-B173-1901755EE9FF}"/>
+              </a:ext>
+            </a:extLst>
+          </p:cNvPr>
+          <p:cNvSpPr>
+            <a:spLocks noGrp="1"/>
+          </p:cNvSpPr>
+          <p:nvPr>
+            <p:ph type="title"/>
+          </p:nvPr>
+        </p:nvSpPr>
+        <p:spPr/>
+        <p:txBody>
+          <a:bodyPr/>
+          <a:lstStyle/>
+          <a:p>
+            <a:r>
+              <a:rPr lang="zh-CN" altLang="en-US" dirty="0">
+                <a:solidFill>
+                  <a:srgbClr val="FF0000"/>
+                </a:solidFill>
+              </a:rPr>
+              <a:t>参考书籍</a:t>
+            </a:r>
+            <a:r>
+              <a:rPr lang="en-US" altLang="zh-CN" dirty="0">
+                <a:solidFill>
+                  <a:srgbClr val="FF0000"/>
+                </a:solidFill>
+              </a:rPr>
+              <a:t>-</a:t>
+            </a:r>
+            <a:r>
+              <a:rPr lang="zh-CN" altLang="en-US" dirty="0">
+                <a:solidFill>
+                  <a:srgbClr val="FF0000"/>
+                </a:solidFill>
+              </a:rPr>
+              <a:t>启示来源</a:t>
+            </a:r>
+          </a:p>
+        </p:txBody>
+      </p:sp>
+      <p:sp>
+        <p:nvSpPr>
+          <p:cNvPr id="3" name="内容占位符 2">
+            <a:extLst>
+              <a:ext uri="{FF2B5EF4-FFF2-40B4-BE49-F238E27FC236}">
+                <a16:creationId xmlns:a16="http://schemas.microsoft.com/office/drawing/2014/main" id="{76FDC58C-4565-4099-BFBC-3100BFA6BF7B}"/>
+              </a:ext>
+            </a:extLst>
+          </p:cNvPr>
+          <p:cNvSpPr>
+            <a:spLocks noGrp="1"/>
+          </p:cNvSpPr>
+          <p:nvPr>
+            <p:ph idx="1"/>
+          </p:nvPr>
+        </p:nvSpPr>
+        <p:spPr/>
+        <p:txBody>
+          <a:bodyPr/>
+          <a:lstStyle/>
+          <a:p>
+            <a:r>
+              <a:rPr lang="en-US" altLang="zh-CN" dirty="0"/>
+              <a:t>1 </a:t>
+            </a:r>
+            <a:r>
+              <a:rPr lang="zh-CN" altLang="en-US" dirty="0"/>
+              <a:t>面向对象分析与设计第三版</a:t>
+            </a:r>
+            <a:r>
+              <a:rPr lang="en-US" altLang="zh-CN" dirty="0"/>
+              <a:t>-Grady </a:t>
+            </a:r>
+            <a:r>
+              <a:rPr lang="en-US" altLang="zh-CN" dirty="0" err="1"/>
+              <a:t>Booch</a:t>
+            </a:r>
+            <a:r>
+              <a:rPr lang="en-US" altLang="zh-CN" dirty="0"/>
+              <a:t> </a:t>
+            </a:r>
+            <a:r>
+              <a:rPr lang="zh-CN" altLang="en-US" dirty="0"/>
+              <a:t>（</a:t>
+            </a:r>
+            <a:r>
+              <a:rPr lang="en-US" altLang="zh-CN" dirty="0"/>
+              <a:t>OOAD</a:t>
+            </a:r>
+            <a:r>
+              <a:rPr lang="zh-CN" altLang="en-US" dirty="0"/>
+              <a:t>）</a:t>
+            </a:r>
+            <a:endParaRPr lang="en-US" altLang="zh-CN" dirty="0"/>
+          </a:p>
+          <a:p>
+            <a:r>
+              <a:rPr lang="en-US" altLang="zh-CN" dirty="0"/>
+              <a:t>2 </a:t>
+            </a:r>
+            <a:r>
+              <a:rPr lang="zh-CN" altLang="en-US" dirty="0"/>
+              <a:t>软件设计哲学（</a:t>
+            </a:r>
+            <a:r>
+              <a:rPr lang="en-US" altLang="zh-CN" dirty="0"/>
+              <a:t>Software Design</a:t>
+            </a:r>
+            <a:r>
+              <a:rPr lang="zh-CN" altLang="en-US" dirty="0"/>
+              <a:t>）</a:t>
+            </a:r>
+            <a:endParaRPr lang="en-US" altLang="zh-CN" dirty="0"/>
+          </a:p>
+          <a:p>
+            <a:r>
+              <a:rPr lang="en-US" altLang="zh-CN" dirty="0"/>
+              <a:t>3 </a:t>
+            </a:r>
+            <a:r>
+              <a:rPr lang="zh-CN" altLang="en-US" dirty="0"/>
+              <a:t>领域驱动设计，实现领域驱动设计，领域驱动设计精髓（</a:t>
+            </a:r>
+            <a:r>
+              <a:rPr lang="en-US" altLang="zh-CN" dirty="0"/>
+              <a:t>Domain</a:t>
+            </a:r>
+            <a:r>
+              <a:rPr lang="zh-CN" altLang="en-US" dirty="0"/>
+              <a:t>，</a:t>
+            </a:r>
+            <a:r>
+              <a:rPr lang="en-US" altLang="zh-CN" dirty="0" err="1"/>
+              <a:t>Bussiness</a:t>
+            </a:r>
+            <a:r>
+              <a:rPr lang="en-US" altLang="zh-CN" dirty="0"/>
+              <a:t> Modeling</a:t>
+            </a:r>
+            <a:r>
+              <a:rPr lang="zh-CN" altLang="en-US" dirty="0"/>
+              <a:t>）</a:t>
+            </a:r>
+            <a:endParaRPr lang="en-US" altLang="zh-CN" dirty="0"/>
+          </a:p>
+          <a:p>
+            <a:r>
+              <a:rPr lang="en-US" altLang="zh-CN" dirty="0"/>
+              <a:t>4 </a:t>
+            </a:r>
+            <a:r>
+              <a:rPr lang="zh-CN" altLang="en-US" dirty="0"/>
+              <a:t>面向对象启思录（</a:t>
+            </a:r>
+            <a:r>
+              <a:rPr lang="en-US" altLang="zh-CN" dirty="0"/>
+              <a:t>OOD</a:t>
+            </a:r>
+            <a:r>
+              <a:rPr lang="zh-CN" altLang="en-US" dirty="0"/>
+              <a:t>，</a:t>
+            </a:r>
+            <a:r>
+              <a:rPr lang="en-US" altLang="zh-CN" dirty="0"/>
+              <a:t>Design</a:t>
+            </a:r>
+            <a:r>
+              <a:rPr lang="zh-CN" altLang="en-US" dirty="0"/>
+              <a:t>）</a:t>
+            </a:r>
+            <a:endParaRPr lang="en-US" altLang="zh-CN" dirty="0"/>
+          </a:p>
+          <a:p>
+            <a:r>
+              <a:rPr lang="en-US" altLang="zh-CN" dirty="0"/>
+              <a:t>5 </a:t>
+            </a:r>
+            <a:r>
+              <a:rPr lang="zh-CN" altLang="en-US" dirty="0"/>
+              <a:t>重构</a:t>
+            </a:r>
+            <a:r>
+              <a:rPr lang="en-US" altLang="zh-CN" dirty="0"/>
+              <a:t> </a:t>
+            </a:r>
+            <a:r>
+              <a:rPr lang="zh-CN" altLang="en-US" dirty="0"/>
+              <a:t>（</a:t>
+            </a:r>
+            <a:r>
+              <a:rPr lang="en-US" altLang="zh-CN" dirty="0"/>
+              <a:t>Coding</a:t>
+            </a:r>
+            <a:r>
+              <a:rPr lang="zh-CN" altLang="en-US" dirty="0"/>
+              <a:t>）</a:t>
+            </a:r>
+            <a:endParaRPr lang="en-US" altLang="zh-CN" dirty="0"/>
+          </a:p>
+          <a:p>
+            <a:r>
+              <a:rPr lang="en-US" altLang="zh-CN" dirty="0">
+                <a:solidFill>
+                  <a:srgbClr val="FF0000"/>
+                </a:solidFill>
+              </a:rPr>
+              <a:t>6 Effective Java3</a:t>
+            </a:r>
+            <a:r>
+              <a:rPr lang="zh-CN" altLang="en-US" dirty="0">
+                <a:solidFill>
+                  <a:srgbClr val="FF0000"/>
+                </a:solidFill>
+              </a:rPr>
+              <a:t>（</a:t>
+            </a:r>
+            <a:r>
+              <a:rPr lang="en-US" altLang="zh-CN" dirty="0">
+                <a:solidFill>
+                  <a:srgbClr val="FF0000"/>
+                </a:solidFill>
+              </a:rPr>
+              <a:t>Excellent Book</a:t>
+            </a:r>
+            <a:r>
+              <a:rPr lang="zh-CN" altLang="en-US" dirty="0">
+                <a:solidFill>
+                  <a:srgbClr val="FF0000"/>
+                </a:solidFill>
+              </a:rPr>
+              <a:t>！！！）</a:t>
+            </a:r>
+            <a:endParaRPr lang="en-US" altLang="zh-CN" dirty="0">
+              <a:solidFill>
+                <a:srgbClr val="FF0000"/>
+              </a:solidFill>
+            </a:endParaRPr>
+          </a:p>
+          <a:p>
+            <a:r>
+              <a:rPr lang="en-US" altLang="zh-CN" dirty="0"/>
+              <a:t>7 </a:t>
+            </a:r>
+            <a:r>
+              <a:rPr lang="zh-CN" altLang="en-US" dirty="0"/>
+              <a:t>实现模式（</a:t>
+            </a:r>
+            <a:r>
+              <a:rPr lang="en-US" altLang="zh-CN" dirty="0"/>
+              <a:t>Coding</a:t>
+            </a:r>
+            <a:r>
+              <a:rPr lang="zh-CN" altLang="en-US" dirty="0"/>
+              <a:t>）</a:t>
+            </a:r>
+          </a:p>
+        </p:txBody>
+      </p:sp>
+    </p:spTree>
+    <p:extLst>
+      <p:ext uri="{BB962C8B-B14F-4D97-AF65-F5344CB8AC3E}">
+        <p14:creationId xmlns:p14="http://schemas.microsoft.com/office/powerpoint/2010/main" val="1800643236"/>
+      </p:ext>
+    </p:extLst>
+  </p:cSld>
+  <p:clrMapOvr>
+    <a:masterClrMapping/>
+  </p:clrMapOvr>
+</p:sld>
+</file>
+
+<file path=ppt/slides/slide51.xml><?xml version="1.0" encoding="utf-8"?>
 <p:sld xmlns:a="http://schemas.openxmlformats.org/drawingml/2006/main" xmlns:r="http://schemas.openxmlformats.org/officeDocument/2006/relationships" xmlns:p="http://schemas.openxmlformats.org/presentationml/2006/main">
   <p:cSld>
     <p:spTree>
@@ -16772,7 +17063,7 @@
         <p:spPr/>
         <p:txBody>
           <a:bodyPr>
-            <a:normAutofit fontScale="47500" lnSpcReduction="20000"/>
+            <a:normAutofit fontScale="40000" lnSpcReduction="20000"/>
           </a:bodyPr>
           <a:lstStyle/>
           <a:p>
@@ -16825,7 +17116,7 @@
             <a:pPr lvl="1"/>
             <a:r>
               <a:rPr lang="zh-CN" altLang="en-US" dirty="0"/>
-              <a:t>写个工具类？错！</a:t>
+              <a:t>写个工具类？慎重！</a:t>
             </a:r>
             <a:r>
               <a:rPr lang="en-US" altLang="zh-CN" dirty="0" err="1"/>
@@ -16836,44 +17127,36 @@
               <a:t>，</a:t>
             </a:r>
             <a:r>
+              <a:rPr lang="en-US" altLang="zh-CN" dirty="0"/>
+              <a:t>FixedThreadBoundedQueueFactoryUtils.newFixedThreadQueuePoolPrintLog</a:t>
+            </a:r>
+            <a:r>
+              <a:rPr lang="en-US" altLang="zh-CN" dirty="0">
+                <a:solidFill>
+                  <a:srgbClr val="FF0000"/>
+                </a:solidFill>
+              </a:rPr>
+              <a:t>  </a:t>
+            </a:r>
+            <a:r>
+              <a:rPr lang="zh-CN" altLang="en-US" dirty="0">
+                <a:solidFill>
+                  <a:srgbClr val="FF0000"/>
+                </a:solidFill>
+              </a:rPr>
+              <a:t>，</a:t>
+            </a:r>
+            <a:r>
               <a:rPr lang="en-US" altLang="zh-CN" dirty="0" err="1"/>
-              <a:t>FixedThreadBoundedQueueFactoryUtil</a:t>
-            </a:r>
-            <a:r>
-              <a:rPr lang="en-US" altLang="zh-CN" dirty="0" err="1">
+              <a:t>RedisDumpParser</a:t>
+            </a:r>
+            <a:r>
+              <a:rPr lang="zh-CN" altLang="en-US" dirty="0">
                 <a:solidFill>
                   <a:srgbClr val="FF0000"/>
                 </a:solidFill>
               </a:rPr>
-              <a:t>s</a:t>
-            </a:r>
-            <a:r>
-              <a:rPr lang="en-US" altLang="zh-CN" dirty="0">
-                <a:solidFill>
-                  <a:srgbClr val="FF0000"/>
-                </a:solidFill>
-              </a:rPr>
-              <a:t> (</a:t>
-            </a:r>
-            <a:r>
-              <a:rPr lang="zh-CN" altLang="en-US" dirty="0">
-                <a:solidFill>
-                  <a:srgbClr val="FF0000"/>
-                </a:solidFill>
-              </a:rPr>
-              <a:t>没必要</a:t>
-            </a:r>
-            <a:r>
-              <a:rPr lang="en-US" altLang="zh-CN" dirty="0">
-                <a:solidFill>
-                  <a:srgbClr val="FF0000"/>
-                </a:solidFill>
-              </a:rPr>
-              <a:t>) </a:t>
-            </a:r>
-            <a:r>
-              <a:rPr lang="zh-CN" altLang="en-US" dirty="0"/>
-              <a:t>你真的懂工厂吗？</a:t>
+              <a:t>，</a:t>
             </a:r>
             <a:r>
               <a:rPr lang="en-US" altLang="zh-CN" dirty="0"/>
@@ -16942,14 +17225,6 @@
             <a:r>
               <a:rPr lang="en-US" altLang="zh-CN" dirty="0" err="1"/>
               <a:t>EnumStatus</a:t>
-            </a:r>
-            <a:r>
-              <a:rPr lang="zh-CN" altLang="en-US" dirty="0"/>
-              <a:t>，</a:t>
-            </a:r>
-            <a:r>
-              <a:rPr lang="en-US" altLang="zh-CN" dirty="0" err="1"/>
-              <a:t>EnumType</a:t>
             </a:r>
             <a:r>
               <a:rPr lang="zh-CN" altLang="en-US" dirty="0"/>
@@ -17270,8 +17545,32 @@
         </p:nvSpPr>
         <p:spPr/>
         <p:txBody>
-          <a:bodyPr/>
-          <a:lstStyle/>
+          <a:bodyPr>
+            <a:normAutofit fontScale="47500" lnSpcReduction="20000"/>
+          </a:bodyPr>
+          <a:lstStyle/>
+          <a:p>
+            <a:r>
+              <a:rPr lang="zh-CN" altLang="en-US" dirty="0"/>
+              <a:t>目标：好读，很难读错，好写</a:t>
+            </a:r>
+            <a:endParaRPr lang="en-US" altLang="zh-CN" dirty="0"/>
+          </a:p>
+          <a:p>
+            <a:r>
+              <a:rPr lang="zh-CN" altLang="en-US" dirty="0"/>
+              <a:t>命名也许是</a:t>
+            </a:r>
+            <a:r>
+              <a:rPr lang="en-US" altLang="zh-CN" dirty="0"/>
+              <a:t>API</a:t>
+            </a:r>
+            <a:r>
+              <a:rPr lang="zh-CN" altLang="en-US" dirty="0"/>
+              <a:t>可用性中最重要的一个因素。</a:t>
+            </a:r>
+            <a:endParaRPr lang="en-US" altLang="zh-CN" dirty="0"/>
+          </a:p>
           <a:p>
             <a:r>
               <a:rPr lang="zh-CN" altLang="en-US" dirty="0"/>
@@ -17279,53 +17578,196 @@
             </a:r>
             <a:r>
               <a:rPr lang="en-US" altLang="zh-CN" dirty="0"/>
-              <a:t>1/3</a:t>
-            </a:r>
-            <a:r>
-              <a:rPr lang="zh-CN" altLang="en-US" dirty="0"/>
-              <a:t>时间。</a:t>
-            </a:r>
-            <a:endParaRPr lang="en-US" altLang="zh-CN" dirty="0"/>
-          </a:p>
-          <a:p>
-            <a:r>
-              <a:rPr lang="zh-CN" altLang="en-US" dirty="0"/>
-              <a:t>名词，动词，形容词，副词，接口起名字，可变方法，不可变方法，</a:t>
-            </a:r>
-            <a:r>
-              <a:rPr lang="en-US" altLang="zh-CN" dirty="0" err="1"/>
-              <a:t>BigInteger</a:t>
-            </a:r>
-            <a:r>
-              <a:rPr lang="zh-CN" altLang="en-US" dirty="0"/>
-              <a:t>，一致性</a:t>
-            </a:r>
-            <a:endParaRPr lang="en-US" altLang="zh-CN" dirty="0"/>
-          </a:p>
-          <a:p>
-            <a:r>
-              <a:rPr lang="zh-CN" altLang="en-US"/>
+              <a:t>1/5</a:t>
+            </a:r>
+            <a:r>
+              <a:rPr lang="zh-CN" altLang="en-US" dirty="0"/>
+              <a:t>时间</a:t>
+            </a:r>
+            <a:endParaRPr lang="en-US" altLang="zh-CN" dirty="0"/>
+          </a:p>
+          <a:p>
+            <a:r>
+              <a:rPr lang="zh-CN" altLang="en-US" dirty="0"/>
+              <a:t>名词，动词，形容词，副词，可变与不可变</a:t>
+            </a:r>
+            <a:endParaRPr lang="en-US" altLang="zh-CN" dirty="0"/>
+          </a:p>
+          <a:p>
+            <a:r>
+              <a:rPr lang="zh-CN" altLang="en-US" dirty="0"/>
               <a:t>对称的世界</a:t>
             </a:r>
             <a:endParaRPr lang="en-US" altLang="zh-CN" dirty="0"/>
           </a:p>
           <a:p>
-            <a:endParaRPr lang="en-US" altLang="zh-CN" dirty="0"/>
-          </a:p>
-          <a:p>
-            <a:r>
-              <a:rPr lang="zh-CN" altLang="en-US" dirty="0"/>
-              <a:t>词不达意，言过其实，一词多意，</a:t>
+            <a:r>
+              <a:rPr lang="en-US" altLang="zh-CN" dirty="0"/>
+              <a:t>NDD</a:t>
+            </a:r>
+          </a:p>
+          <a:p>
+            <a:endParaRPr lang="en-US" altLang="zh-CN" dirty="0"/>
+          </a:p>
+          <a:p>
+            <a:endParaRPr lang="en-US" altLang="zh-CN" dirty="0"/>
+          </a:p>
+          <a:p>
+            <a:r>
+              <a:rPr lang="zh-CN" altLang="en-US" dirty="0"/>
+              <a:t>描述起名字：</a:t>
             </a:r>
             <a:endParaRPr lang="en-US" altLang="zh-CN" dirty="0"/>
           </a:p>
           <a:p>
             <a:pPr lvl="1"/>
             <a:r>
-              <a:rPr lang="zh-CN" altLang="en-US" dirty="0"/>
-              <a:t>多词一意，</a:t>
-            </a:r>
-            <a:endParaRPr lang="en-US" altLang="zh-CN" dirty="0"/>
+              <a:rPr lang="zh-CN" altLang="en-US" dirty="0">
+                <a:solidFill>
+                  <a:srgbClr val="00F417"/>
+                </a:solidFill>
+              </a:rPr>
+              <a:t>琅琅上口</a:t>
+            </a:r>
+            <a:endParaRPr lang="en-US" altLang="zh-CN" dirty="0">
+              <a:solidFill>
+                <a:srgbClr val="00F417"/>
+              </a:solidFill>
+            </a:endParaRPr>
+          </a:p>
+          <a:p>
+            <a:pPr lvl="1"/>
+            <a:r>
+              <a:rPr lang="zh-CN" altLang="en-US" dirty="0">
+                <a:solidFill>
+                  <a:srgbClr val="00F417"/>
+                </a:solidFill>
+              </a:rPr>
+              <a:t>绕梁三日</a:t>
+            </a:r>
+            <a:endParaRPr lang="en-US" altLang="zh-CN" dirty="0">
+              <a:solidFill>
+                <a:srgbClr val="00F417"/>
+              </a:solidFill>
+            </a:endParaRPr>
+          </a:p>
+          <a:p>
+            <a:pPr lvl="1"/>
+            <a:r>
+              <a:rPr lang="zh-CN" altLang="en-US" dirty="0">
+                <a:solidFill>
+                  <a:srgbClr val="00F417"/>
+                </a:solidFill>
+                <a:latin typeface="Microsoft YaHei" panose="020B0503020204020204" pitchFamily="34" charset="-122"/>
+                <a:ea typeface="Microsoft YaHei" panose="020B0503020204020204" pitchFamily="34" charset="-122"/>
+              </a:rPr>
+              <a:t>言必有中</a:t>
+            </a:r>
+            <a:endParaRPr lang="en-US" altLang="zh-CN" dirty="0">
+              <a:solidFill>
+                <a:srgbClr val="00F417"/>
+              </a:solidFill>
+            </a:endParaRPr>
+          </a:p>
+          <a:p>
+            <a:pPr lvl="1"/>
+            <a:r>
+              <a:rPr lang="zh-CN" altLang="en-US" b="0" i="0" dirty="0">
+                <a:solidFill>
+                  <a:srgbClr val="FFC000"/>
+                </a:solidFill>
+                <a:effectLst/>
+                <a:latin typeface="zuoyeFont_mathFont"/>
+              </a:rPr>
+              <a:t>家喻户晓</a:t>
+            </a:r>
+            <a:endParaRPr lang="en-US" altLang="zh-CN" dirty="0">
+              <a:solidFill>
+                <a:srgbClr val="FFC000"/>
+              </a:solidFill>
+            </a:endParaRPr>
+          </a:p>
+          <a:p>
+            <a:pPr lvl="1"/>
+            <a:r>
+              <a:rPr lang="zh-CN" altLang="en-US" b="0" i="0" dirty="0">
+                <a:solidFill>
+                  <a:srgbClr val="FFC000"/>
+                </a:solidFill>
+                <a:effectLst/>
+                <a:latin typeface="zuoyeFont_mathFont"/>
+              </a:rPr>
+              <a:t>众所周知</a:t>
+            </a:r>
+            <a:endParaRPr lang="en-US" altLang="zh-CN" dirty="0">
+              <a:solidFill>
+                <a:srgbClr val="FFC000"/>
+              </a:solidFill>
+            </a:endParaRPr>
+          </a:p>
+          <a:p>
+            <a:pPr lvl="1"/>
+            <a:r>
+              <a:rPr lang="zh-CN" altLang="en-US" dirty="0">
+                <a:solidFill>
+                  <a:srgbClr val="FF0000"/>
+                </a:solidFill>
+              </a:rPr>
+              <a:t>词不达意</a:t>
+            </a:r>
+            <a:endParaRPr lang="en-US" altLang="zh-CN" dirty="0">
+              <a:solidFill>
+                <a:srgbClr val="FF0000"/>
+              </a:solidFill>
+            </a:endParaRPr>
+          </a:p>
+          <a:p>
+            <a:pPr lvl="1"/>
+            <a:r>
+              <a:rPr lang="zh-CN" altLang="en-US" dirty="0">
+                <a:solidFill>
+                  <a:srgbClr val="FF0000"/>
+                </a:solidFill>
+              </a:rPr>
+              <a:t>言过其实</a:t>
+            </a:r>
+            <a:endParaRPr lang="en-US" altLang="zh-CN" dirty="0">
+              <a:solidFill>
+                <a:srgbClr val="FF0000"/>
+              </a:solidFill>
+            </a:endParaRPr>
+          </a:p>
+          <a:p>
+            <a:pPr lvl="1"/>
+            <a:r>
+              <a:rPr lang="zh-CN" altLang="en-US" dirty="0">
+                <a:solidFill>
+                  <a:srgbClr val="FF0000"/>
+                </a:solidFill>
+              </a:rPr>
+              <a:t>一词多意</a:t>
+            </a:r>
+            <a:endParaRPr lang="en-US" altLang="zh-CN" dirty="0">
+              <a:solidFill>
+                <a:srgbClr val="FF0000"/>
+              </a:solidFill>
+            </a:endParaRPr>
+          </a:p>
+          <a:p>
+            <a:pPr lvl="1"/>
+            <a:r>
+              <a:rPr lang="zh-CN" altLang="en-US" dirty="0">
+                <a:solidFill>
+                  <a:srgbClr val="FF0000"/>
+                </a:solidFill>
+              </a:rPr>
+              <a:t>多词一意</a:t>
+            </a:r>
+            <a:endParaRPr lang="en-US" altLang="zh-CN" dirty="0">
+              <a:solidFill>
+                <a:srgbClr val="FF0000"/>
+              </a:solidFill>
+            </a:endParaRPr>
           </a:p>
           <a:p>
             <a:pPr marL="457200" lvl="1" indent="0">
@@ -17362,6 +17804,36 @@
           <a:xfrm>
             <a:off x="6867732" y="3429000"/>
             <a:ext cx="5214938" cy="3305175"/>
+          </a:xfrm>
+          <a:prstGeom prst="rect">
+            <a:avLst/>
+          </a:prstGeom>
+        </p:spPr>
+      </p:pic>
+      <p:pic>
+        <p:nvPicPr>
+          <p:cNvPr id="6" name="图片 5">
+            <a:extLst>
+              <a:ext uri="{FF2B5EF4-FFF2-40B4-BE49-F238E27FC236}">
+                <a16:creationId xmlns:a16="http://schemas.microsoft.com/office/drawing/2014/main" id="{DEE318BF-7AC6-43F9-922D-1AB6CFB93D9F}"/>
+              </a:ext>
+            </a:extLst>
+          </p:cNvPr>
+          <p:cNvPicPr>
+            <a:picLocks noChangeAspect="1"/>
+          </p:cNvPicPr>
+          <p:nvPr/>
+        </p:nvPicPr>
+        <p:blipFill>
+          <a:blip r:embed="rId4"/>
+          <a:stretch>
+            <a:fillRect/>
+          </a:stretch>
+        </p:blipFill>
+        <p:spPr>
+          <a:xfrm>
+            <a:off x="6546177" y="365125"/>
+            <a:ext cx="5232937" cy="2656371"/>
           </a:xfrm>
           <a:prstGeom prst="rect">
             <a:avLst/>
